--- a/Adaflorist(1) - Presentasi.pptx
+++ b/Adaflorist(1) - Presentasi.pptx
@@ -2,10 +2,10 @@
 <file path=ppt/presentation.xml><?xml version="1.0" encoding="utf-8"?>
 <p:presentation xmlns:a="http://schemas.openxmlformats.org/drawingml/2006/main" xmlns:r="http://schemas.openxmlformats.org/officeDocument/2006/relationships" xmlns:p="http://schemas.openxmlformats.org/presentationml/2006/main" saveSubsetFonts="1">
   <p:sldMasterIdLst>
-    <p:sldMasterId id="2147483800" r:id="rId1"/>
+    <p:sldMasterId id="2147483884" r:id="rId1"/>
   </p:sldMasterIdLst>
   <p:notesMasterIdLst>
-    <p:notesMasterId r:id="rId19"/>
+    <p:notesMasterId r:id="rId14"/>
   </p:notesMasterIdLst>
   <p:sldIdLst>
     <p:sldId id="256" r:id="rId2"/>
@@ -13,18 +13,13 @@
     <p:sldId id="258" r:id="rId4"/>
     <p:sldId id="259" r:id="rId5"/>
     <p:sldId id="260" r:id="rId6"/>
-    <p:sldId id="261" r:id="rId7"/>
+    <p:sldId id="273" r:id="rId7"/>
     <p:sldId id="262" r:id="rId8"/>
     <p:sldId id="263" r:id="rId9"/>
     <p:sldId id="264" r:id="rId10"/>
     <p:sldId id="265" r:id="rId11"/>
     <p:sldId id="266" r:id="rId12"/>
-    <p:sldId id="267" r:id="rId13"/>
-    <p:sldId id="268" r:id="rId14"/>
-    <p:sldId id="269" r:id="rId15"/>
-    <p:sldId id="270" r:id="rId16"/>
-    <p:sldId id="271" r:id="rId17"/>
-    <p:sldId id="272" r:id="rId18"/>
+    <p:sldId id="272" r:id="rId13"/>
   </p:sldIdLst>
   <p:sldSz cx="12192000" cy="6858000"/>
   <p:notesSz cx="6858000" cy="9144000"/>
@@ -213,7 +208,7 @@
           <a:p>
             <a:fld id="{EEA55A2B-6681-4F6C-B25B-EBDDB73742A0}" type="datetimeFigureOut">
               <a:rPr lang="en-GB" smtClean="0"/>
-              <a:t>5/20/2016</a:t>
+              <a:t>01/06/2016</a:t>
             </a:fld>
             <a:endParaRPr lang="en-GB"/>
           </a:p>
@@ -482,7 +477,7 @@
 </file>
 
 <file path=ppt/slideLayouts/slideLayout1.xml><?xml version="1.0" encoding="utf-8"?>
-<p:sldLayout xmlns:a="http://schemas.openxmlformats.org/drawingml/2006/main" xmlns:r="http://schemas.openxmlformats.org/officeDocument/2006/relationships" xmlns:p="http://schemas.openxmlformats.org/presentationml/2006/main" type="title" preserve="1">
+<p:sldLayout xmlns:a="http://schemas.openxmlformats.org/drawingml/2006/main" xmlns:r="http://schemas.openxmlformats.org/officeDocument/2006/relationships" xmlns:p="http://schemas.openxmlformats.org/presentationml/2006/main" showMasterSp="0" type="title" preserve="1">
   <p:cSld name="Title Slide">
     <p:spTree>
       <p:nvGrpSpPr>
@@ -500,6 +495,84 @@
       </p:grpSpPr>
       <p:sp>
         <p:nvSpPr>
+          <p:cNvPr id="7" name="Rectangle 6"/>
+          <p:cNvSpPr/>
+          <p:nvPr/>
+        </p:nvSpPr>
+        <p:spPr>
+          <a:xfrm>
+            <a:off x="0" y="761999"/>
+            <a:ext cx="9141619" cy="5334001"/>
+          </a:xfrm>
+          <a:prstGeom prst="rect">
+            <a:avLst/>
+          </a:prstGeom>
+          <a:solidFill>
+            <a:schemeClr val="accent1"/>
+          </a:solidFill>
+          <a:ln>
+            <a:noFill/>
+          </a:ln>
+        </p:spPr>
+        <p:style>
+          <a:lnRef idx="2">
+            <a:schemeClr val="accent1">
+              <a:shade val="50000"/>
+            </a:schemeClr>
+          </a:lnRef>
+          <a:fillRef idx="1">
+            <a:schemeClr val="accent1"/>
+          </a:fillRef>
+          <a:effectRef idx="0">
+            <a:schemeClr val="accent1"/>
+          </a:effectRef>
+          <a:fontRef idx="minor">
+            <a:schemeClr val="lt1"/>
+          </a:fontRef>
+        </p:style>
+      </p:sp>
+      <p:sp>
+        <p:nvSpPr>
+          <p:cNvPr id="8" name="Rectangle 7"/>
+          <p:cNvSpPr/>
+          <p:nvPr/>
+        </p:nvSpPr>
+        <p:spPr>
+          <a:xfrm>
+            <a:off x="9270263" y="761999"/>
+            <a:ext cx="2925318" cy="5334001"/>
+          </a:xfrm>
+          <a:prstGeom prst="rect">
+            <a:avLst/>
+          </a:prstGeom>
+          <a:solidFill>
+            <a:srgbClr val="C8C8C8">
+              <a:alpha val="49804"/>
+            </a:srgbClr>
+          </a:solidFill>
+          <a:ln>
+            <a:noFill/>
+          </a:ln>
+        </p:spPr>
+        <p:style>
+          <a:lnRef idx="2">
+            <a:schemeClr val="accent1">
+              <a:shade val="50000"/>
+            </a:schemeClr>
+          </a:lnRef>
+          <a:fillRef idx="1">
+            <a:schemeClr val="accent1"/>
+          </a:fillRef>
+          <a:effectRef idx="0">
+            <a:schemeClr val="accent1"/>
+          </a:effectRef>
+          <a:fontRef idx="minor">
+            <a:schemeClr val="lt1"/>
+          </a:fontRef>
+        </p:style>
+      </p:sp>
+      <p:sp>
+        <p:nvSpPr>
           <p:cNvPr id="2" name="Title 1"/>
           <p:cNvSpPr>
             <a:spLocks noGrp="1"/>
@@ -510,15 +583,21 @@
         </p:nvSpPr>
         <p:spPr>
           <a:xfrm>
-            <a:off x="1524000" y="1122363"/>
-            <a:ext cx="9144000" cy="2387600"/>
+            <a:off x="1069848" y="1298448"/>
+            <a:ext cx="7315200" cy="3255264"/>
           </a:xfrm>
         </p:spPr>
         <p:txBody>
-          <a:bodyPr anchor="b"/>
+          <a:bodyPr anchor="b">
+            <a:normAutofit/>
+          </a:bodyPr>
           <a:lstStyle>
-            <a:lvl1pPr algn="ctr">
-              <a:defRPr sz="6000"/>
+            <a:lvl1pPr algn="l">
+              <a:defRPr sz="5900" spc="-100" baseline="0">
+                <a:solidFill>
+                  <a:srgbClr val="FFFFFF"/>
+                </a:solidFill>
+              </a:defRPr>
             </a:lvl1pPr>
           </a:lstStyle>
           <a:p>
@@ -526,7 +605,7 @@
               <a:rPr lang="en-US" smtClean="0"/>
               <a:t>Click to edit Master title style</a:t>
             </a:r>
-            <a:endParaRPr lang="en-GB"/>
+            <a:endParaRPr lang="en-US" dirty="0"/>
           </a:p>
         </p:txBody>
       </p:sp>
@@ -542,48 +621,57 @@
         </p:nvSpPr>
         <p:spPr>
           <a:xfrm>
-            <a:off x="1524000" y="3602038"/>
-            <a:ext cx="9144000" cy="1655762"/>
+            <a:off x="1100015" y="4670246"/>
+            <a:ext cx="7315200" cy="914400"/>
           </a:xfrm>
         </p:spPr>
         <p:txBody>
-          <a:bodyPr/>
+          <a:bodyPr anchor="t">
+            <a:normAutofit/>
+          </a:bodyPr>
           <a:lstStyle>
-            <a:lvl1pPr marL="0" indent="0" algn="ctr">
+            <a:lvl1pPr marL="0" indent="0" algn="l">
               <a:buNone/>
-              <a:defRPr sz="2400"/>
+              <a:defRPr sz="2200" cap="none" spc="0" baseline="0">
+                <a:solidFill>
+                  <a:schemeClr val="accent1">
+                    <a:lumMod val="20000"/>
+                    <a:lumOff val="80000"/>
+                  </a:schemeClr>
+                </a:solidFill>
+              </a:defRPr>
             </a:lvl1pPr>
             <a:lvl2pPr marL="457200" indent="0" algn="ctr">
               <a:buNone/>
-              <a:defRPr sz="2000"/>
+              <a:defRPr sz="2200"/>
             </a:lvl2pPr>
             <a:lvl3pPr marL="914400" indent="0" algn="ctr">
               <a:buNone/>
-              <a:defRPr sz="1800"/>
+              <a:defRPr sz="2200"/>
             </a:lvl3pPr>
             <a:lvl4pPr marL="1371600" indent="0" algn="ctr">
               <a:buNone/>
-              <a:defRPr sz="1600"/>
+              <a:defRPr sz="2000"/>
             </a:lvl4pPr>
             <a:lvl5pPr marL="1828800" indent="0" algn="ctr">
               <a:buNone/>
-              <a:defRPr sz="1600"/>
+              <a:defRPr sz="2000"/>
             </a:lvl5pPr>
             <a:lvl6pPr marL="2286000" indent="0" algn="ctr">
               <a:buNone/>
-              <a:defRPr sz="1600"/>
+              <a:defRPr sz="2000"/>
             </a:lvl6pPr>
             <a:lvl7pPr marL="2743200" indent="0" algn="ctr">
               <a:buNone/>
-              <a:defRPr sz="1600"/>
+              <a:defRPr sz="2000"/>
             </a:lvl7pPr>
             <a:lvl8pPr marL="3200400" indent="0" algn="ctr">
               <a:buNone/>
-              <a:defRPr sz="1600"/>
+              <a:defRPr sz="2000"/>
             </a:lvl8pPr>
             <a:lvl9pPr marL="3657600" indent="0" algn="ctr">
               <a:buNone/>
-              <a:defRPr sz="1600"/>
+              <a:defRPr sz="2000"/>
             </a:lvl9pPr>
           </a:lstStyle>
           <a:p>
@@ -591,7 +679,7 @@
               <a:rPr lang="en-US" smtClean="0"/>
               <a:t>Click to edit Master subtitle style</a:t>
             </a:r>
-            <a:endParaRPr lang="en-GB"/>
+            <a:endParaRPr lang="en-US" dirty="0"/>
           </a:p>
         </p:txBody>
       </p:sp>
@@ -612,7 +700,7 @@
           <a:p>
             <a:fld id="{E41F8FB0-C076-4EC4-95C6-707BBE40C4B8}" type="datetime1">
               <a:rPr lang="id-ID" smtClean="0"/>
-              <a:t>20/05/2016</a:t>
+              <a:t>01/06/2016</a:t>
             </a:fld>
             <a:endParaRPr lang="id-ID"/>
           </a:p>
@@ -667,13 +755,18 @@
     </p:spTree>
     <p:extLst>
       <p:ext uri="{BB962C8B-B14F-4D97-AF65-F5344CB8AC3E}">
-        <p14:creationId xmlns:p14="http://schemas.microsoft.com/office/powerpoint/2010/main" val="2360869877"/>
+        <p14:creationId xmlns:p14="http://schemas.microsoft.com/office/powerpoint/2010/main" val="94884147"/>
       </p:ext>
     </p:extLst>
   </p:cSld>
   <p:clrMapOvr>
     <a:masterClrMapping/>
   </p:clrMapOvr>
+  <p:extLst>
+    <p:ext uri="{DCECCB84-F9BA-43D5-87BE-67443E8EF086}">
+      <p15:sldGuideLst xmlns:p15="http://schemas.microsoft.com/office/powerpoint/2012/main"/>
+    </p:ext>
+  </p:extLst>
 </p:sldLayout>
 </file>
 
@@ -713,7 +806,7 @@
               <a:rPr lang="en-US" smtClean="0"/>
               <a:t>Click to edit Master title style</a:t>
             </a:r>
-            <a:endParaRPr lang="en-GB"/>
+            <a:endParaRPr lang="en-US" dirty="0"/>
           </a:p>
         </p:txBody>
       </p:sp>
@@ -729,7 +822,7 @@
         </p:nvSpPr>
         <p:spPr/>
         <p:txBody>
-          <a:bodyPr vert="eaVert"/>
+          <a:bodyPr vert="eaVert" anchor="t"/>
           <a:lstStyle/>
           <a:p>
             <a:pPr lvl="0"/>
@@ -765,13 +858,13 @@
               <a:rPr lang="en-US" smtClean="0"/>
               <a:t>Fifth level</a:t>
             </a:r>
-            <a:endParaRPr lang="en-GB"/>
-          </a:p>
-        </p:txBody>
-      </p:sp>
-      <p:sp>
-        <p:nvSpPr>
-          <p:cNvPr id="4" name="Date Placeholder 3"/>
+            <a:endParaRPr lang="en-US" dirty="0"/>
+          </a:p>
+        </p:txBody>
+      </p:sp>
+      <p:sp>
+        <p:nvSpPr>
+          <p:cNvPr id="7" name="Date Placeholder 6"/>
           <p:cNvSpPr>
             <a:spLocks noGrp="1"/>
           </p:cNvSpPr>
@@ -786,7 +879,7 @@
           <a:p>
             <a:fld id="{B841B4D6-C2D5-4785-954F-019998184808}" type="datetime1">
               <a:rPr lang="id-ID" smtClean="0"/>
-              <a:t>20/05/2016</a:t>
+              <a:t>01/06/2016</a:t>
             </a:fld>
             <a:endParaRPr lang="id-ID"/>
           </a:p>
@@ -794,7 +887,7 @@
       </p:sp>
       <p:sp>
         <p:nvSpPr>
-          <p:cNvPr id="5" name="Footer Placeholder 4"/>
+          <p:cNvPr id="8" name="Footer Placeholder 7"/>
           <p:cNvSpPr>
             <a:spLocks noGrp="1"/>
           </p:cNvSpPr>
@@ -817,7 +910,7 @@
       </p:sp>
       <p:sp>
         <p:nvSpPr>
-          <p:cNvPr id="6" name="Slide Number Placeholder 5"/>
+          <p:cNvPr id="9" name="Slide Number Placeholder 8"/>
           <p:cNvSpPr>
             <a:spLocks noGrp="1"/>
           </p:cNvSpPr>
@@ -841,7 +934,7 @@
     </p:spTree>
     <p:extLst>
       <p:ext uri="{BB962C8B-B14F-4D97-AF65-F5344CB8AC3E}">
-        <p14:creationId xmlns:p14="http://schemas.microsoft.com/office/powerpoint/2010/main" val="4001482551"/>
+        <p14:creationId xmlns:p14="http://schemas.microsoft.com/office/powerpoint/2010/main" val="469464322"/>
       </p:ext>
     </p:extLst>
   </p:cSld>
@@ -880,8 +973,8 @@
         </p:nvSpPr>
         <p:spPr>
           <a:xfrm>
-            <a:off x="8724900" y="365125"/>
-            <a:ext cx="2628900" cy="5811838"/>
+            <a:off x="381000" y="990600"/>
+            <a:ext cx="2819400" cy="4953000"/>
           </a:xfrm>
         </p:spPr>
         <p:txBody>
@@ -892,7 +985,7 @@
               <a:rPr lang="en-US" smtClean="0"/>
               <a:t>Click to edit Master title style</a:t>
             </a:r>
-            <a:endParaRPr lang="en-GB"/>
+            <a:endParaRPr lang="en-US" dirty="0"/>
           </a:p>
         </p:txBody>
       </p:sp>
@@ -908,12 +1001,12 @@
         </p:nvSpPr>
         <p:spPr>
           <a:xfrm>
-            <a:off x="838200" y="365125"/>
-            <a:ext cx="7734300" cy="5811838"/>
+            <a:off x="3867912" y="868680"/>
+            <a:ext cx="7315200" cy="5120640"/>
           </a:xfrm>
         </p:spPr>
         <p:txBody>
-          <a:bodyPr vert="eaVert"/>
+          <a:bodyPr vert="eaVert" anchor="t"/>
           <a:lstStyle/>
           <a:p>
             <a:pPr lvl="0"/>
@@ -949,13 +1042,13 @@
               <a:rPr lang="en-US" smtClean="0"/>
               <a:t>Fifth level</a:t>
             </a:r>
-            <a:endParaRPr lang="en-GB"/>
-          </a:p>
-        </p:txBody>
-      </p:sp>
-      <p:sp>
-        <p:nvSpPr>
-          <p:cNvPr id="4" name="Date Placeholder 3"/>
+            <a:endParaRPr lang="en-US" dirty="0"/>
+          </a:p>
+        </p:txBody>
+      </p:sp>
+      <p:sp>
+        <p:nvSpPr>
+          <p:cNvPr id="7" name="Date Placeholder 6"/>
           <p:cNvSpPr>
             <a:spLocks noGrp="1"/>
           </p:cNvSpPr>
@@ -970,7 +1063,7 @@
           <a:p>
             <a:fld id="{D1FD41CE-0B8D-43EF-9222-893FAC84A209}" type="datetime1">
               <a:rPr lang="id-ID" smtClean="0"/>
-              <a:t>20/05/2016</a:t>
+              <a:t>01/06/2016</a:t>
             </a:fld>
             <a:endParaRPr lang="id-ID"/>
           </a:p>
@@ -978,7 +1071,7 @@
       </p:sp>
       <p:sp>
         <p:nvSpPr>
-          <p:cNvPr id="5" name="Footer Placeholder 4"/>
+          <p:cNvPr id="8" name="Footer Placeholder 7"/>
           <p:cNvSpPr>
             <a:spLocks noGrp="1"/>
           </p:cNvSpPr>
@@ -1001,7 +1094,7 @@
       </p:sp>
       <p:sp>
         <p:nvSpPr>
-          <p:cNvPr id="6" name="Slide Number Placeholder 5"/>
+          <p:cNvPr id="9" name="Slide Number Placeholder 8"/>
           <p:cNvSpPr>
             <a:spLocks noGrp="1"/>
           </p:cNvSpPr>
@@ -1025,7 +1118,7 @@
     </p:spTree>
     <p:extLst>
       <p:ext uri="{BB962C8B-B14F-4D97-AF65-F5344CB8AC3E}">
-        <p14:creationId xmlns:p14="http://schemas.microsoft.com/office/powerpoint/2010/main" val="3335444649"/>
+        <p14:creationId xmlns:p14="http://schemas.microsoft.com/office/powerpoint/2010/main" val="1004556658"/>
       </p:ext>
     </p:extLst>
   </p:cSld>
@@ -1071,7 +1164,7 @@
               <a:rPr lang="en-US" smtClean="0"/>
               <a:t>Click to edit Master title style</a:t>
             </a:r>
-            <a:endParaRPr lang="en-GB"/>
+            <a:endParaRPr lang="en-US" dirty="0"/>
           </a:p>
         </p:txBody>
       </p:sp>
@@ -1123,7 +1216,7 @@
               <a:rPr lang="en-US" smtClean="0"/>
               <a:t>Fifth level</a:t>
             </a:r>
-            <a:endParaRPr lang="en-GB"/>
+            <a:endParaRPr lang="en-US" dirty="0"/>
           </a:p>
         </p:txBody>
       </p:sp>
@@ -1144,7 +1237,7 @@
           <a:p>
             <a:fld id="{41D63B76-0623-4321-BC42-4D137B8B4448}" type="datetime1">
               <a:rPr lang="id-ID" smtClean="0"/>
-              <a:t>20/05/2016</a:t>
+              <a:t>01/06/2016</a:t>
             </a:fld>
             <a:endParaRPr lang="id-ID"/>
           </a:p>
@@ -1199,7 +1292,7 @@
     </p:spTree>
     <p:extLst>
       <p:ext uri="{BB962C8B-B14F-4D97-AF65-F5344CB8AC3E}">
-        <p14:creationId xmlns:p14="http://schemas.microsoft.com/office/powerpoint/2010/main" val="3318605849"/>
+        <p14:creationId xmlns:p14="http://schemas.microsoft.com/office/powerpoint/2010/main" val="775890563"/>
       </p:ext>
     </p:extLst>
   </p:cSld>
@@ -1238,15 +1331,24 @@
         </p:nvSpPr>
         <p:spPr>
           <a:xfrm>
-            <a:off x="831850" y="1709738"/>
-            <a:ext cx="10515600" cy="2852737"/>
+            <a:off x="3867912" y="1298448"/>
+            <a:ext cx="7315200" cy="3255264"/>
           </a:xfrm>
         </p:spPr>
         <p:txBody>
-          <a:bodyPr anchor="b"/>
+          <a:bodyPr anchor="b">
+            <a:normAutofit/>
+          </a:bodyPr>
           <a:lstStyle>
             <a:lvl1pPr>
-              <a:defRPr sz="6000"/>
+              <a:defRPr sz="5900" b="0" spc="-100" baseline="0">
+                <a:solidFill>
+                  <a:schemeClr val="tx1">
+                    <a:lumMod val="65000"/>
+                    <a:lumOff val="35000"/>
+                  </a:schemeClr>
+                </a:solidFill>
+              </a:defRPr>
             </a:lvl1pPr>
           </a:lstStyle>
           <a:p>
@@ -1254,7 +1356,7 @@
               <a:rPr lang="en-US" smtClean="0"/>
               <a:t>Click to edit Master title style</a:t>
             </a:r>
-            <a:endParaRPr lang="en-GB"/>
+            <a:endParaRPr lang="en-US" dirty="0"/>
           </a:p>
         </p:txBody>
       </p:sp>
@@ -1270,26 +1372,29 @@
         </p:nvSpPr>
         <p:spPr>
           <a:xfrm>
-            <a:off x="831850" y="4589463"/>
-            <a:ext cx="10515600" cy="1500187"/>
+            <a:off x="3886200" y="4672584"/>
+            <a:ext cx="7315200" cy="914400"/>
           </a:xfrm>
         </p:spPr>
         <p:txBody>
-          <a:bodyPr/>
+          <a:bodyPr anchor="t">
+            <a:normAutofit/>
+          </a:bodyPr>
           <a:lstStyle>
             <a:lvl1pPr marL="0" indent="0">
               <a:buNone/>
-              <a:defRPr sz="2400">
+              <a:defRPr sz="2200" cap="none" spc="0" baseline="0">
                 <a:solidFill>
                   <a:schemeClr val="tx1">
-                    <a:tint val="75000"/>
+                    <a:lumMod val="65000"/>
+                    <a:lumOff val="35000"/>
                   </a:schemeClr>
                 </a:solidFill>
               </a:defRPr>
             </a:lvl1pPr>
             <a:lvl2pPr marL="457200" indent="0">
               <a:buNone/>
-              <a:defRPr sz="2000">
+              <a:defRPr sz="1800">
                 <a:solidFill>
                   <a:schemeClr val="tx1">
                     <a:tint val="75000"/>
@@ -1299,7 +1404,7 @@
             </a:lvl2pPr>
             <a:lvl3pPr marL="914400" indent="0">
               <a:buNone/>
-              <a:defRPr sz="1800">
+              <a:defRPr sz="1600">
                 <a:solidFill>
                   <a:schemeClr val="tx1">
                     <a:tint val="75000"/>
@@ -1309,7 +1414,7 @@
             </a:lvl3pPr>
             <a:lvl4pPr marL="1371600" indent="0">
               <a:buNone/>
-              <a:defRPr sz="1600">
+              <a:defRPr sz="1400">
                 <a:solidFill>
                   <a:schemeClr val="tx1">
                     <a:tint val="75000"/>
@@ -1319,7 +1424,7 @@
             </a:lvl4pPr>
             <a:lvl5pPr marL="1828800" indent="0">
               <a:buNone/>
-              <a:defRPr sz="1600">
+              <a:defRPr sz="1400">
                 <a:solidFill>
                   <a:schemeClr val="tx1">
                     <a:tint val="75000"/>
@@ -1329,7 +1434,7 @@
             </a:lvl5pPr>
             <a:lvl6pPr marL="2286000" indent="0">
               <a:buNone/>
-              <a:defRPr sz="1600">
+              <a:defRPr sz="1400">
                 <a:solidFill>
                   <a:schemeClr val="tx1">
                     <a:tint val="75000"/>
@@ -1339,7 +1444,7 @@
             </a:lvl6pPr>
             <a:lvl7pPr marL="2743200" indent="0">
               <a:buNone/>
-              <a:defRPr sz="1600">
+              <a:defRPr sz="1400">
                 <a:solidFill>
                   <a:schemeClr val="tx1">
                     <a:tint val="75000"/>
@@ -1349,7 +1454,7 @@
             </a:lvl7pPr>
             <a:lvl8pPr marL="3200400" indent="0">
               <a:buNone/>
-              <a:defRPr sz="1600">
+              <a:defRPr sz="1400">
                 <a:solidFill>
                   <a:schemeClr val="tx1">
                     <a:tint val="75000"/>
@@ -1359,7 +1464,7 @@
             </a:lvl8pPr>
             <a:lvl9pPr marL="3657600" indent="0">
               <a:buNone/>
-              <a:defRPr sz="1600">
+              <a:defRPr sz="1400">
                 <a:solidFill>
                   <a:schemeClr val="tx1">
                     <a:tint val="75000"/>
@@ -1394,7 +1499,7 @@
           <a:p>
             <a:fld id="{CC619CE8-1612-465A-97DA-DEB473179430}" type="datetime1">
               <a:rPr lang="id-ID" smtClean="0"/>
-              <a:t>20/05/2016</a:t>
+              <a:t>01/06/2016</a:t>
             </a:fld>
             <a:endParaRPr lang="id-ID"/>
           </a:p>
@@ -1449,7 +1554,7 @@
     </p:spTree>
     <p:extLst>
       <p:ext uri="{BB962C8B-B14F-4D97-AF65-F5344CB8AC3E}">
-        <p14:creationId xmlns:p14="http://schemas.microsoft.com/office/powerpoint/2010/main" val="2657164089"/>
+        <p14:creationId xmlns:p14="http://schemas.microsoft.com/office/powerpoint/2010/main" val="1617246311"/>
       </p:ext>
     </p:extLst>
   </p:cSld>
@@ -1495,7 +1600,7 @@
               <a:rPr lang="en-US" smtClean="0"/>
               <a:t>Click to edit Master title style</a:t>
             </a:r>
-            <a:endParaRPr lang="en-GB"/>
+            <a:endParaRPr lang="en-US" dirty="0"/>
           </a:p>
         </p:txBody>
       </p:sp>
@@ -1511,13 +1616,41 @@
         </p:nvSpPr>
         <p:spPr>
           <a:xfrm>
-            <a:off x="838200" y="1825625"/>
-            <a:ext cx="5181600" cy="4351338"/>
+            <a:off x="3867912" y="868680"/>
+            <a:ext cx="3474720" cy="5120640"/>
           </a:xfrm>
         </p:spPr>
         <p:txBody>
           <a:bodyPr/>
-          <a:lstStyle/>
+          <a:lstStyle>
+            <a:lvl1pPr>
+              <a:defRPr sz="2000"/>
+            </a:lvl1pPr>
+            <a:lvl2pPr>
+              <a:defRPr sz="1800"/>
+            </a:lvl2pPr>
+            <a:lvl3pPr>
+              <a:defRPr sz="1600"/>
+            </a:lvl3pPr>
+            <a:lvl4pPr>
+              <a:defRPr sz="1400"/>
+            </a:lvl4pPr>
+            <a:lvl5pPr>
+              <a:defRPr sz="1400"/>
+            </a:lvl5pPr>
+            <a:lvl6pPr>
+              <a:defRPr sz="1400"/>
+            </a:lvl6pPr>
+            <a:lvl7pPr>
+              <a:defRPr sz="1400"/>
+            </a:lvl7pPr>
+            <a:lvl8pPr>
+              <a:defRPr sz="1400"/>
+            </a:lvl8pPr>
+            <a:lvl9pPr>
+              <a:defRPr sz="1400"/>
+            </a:lvl9pPr>
+          </a:lstStyle>
           <a:p>
             <a:pPr lvl="0"/>
             <a:r>
@@ -1552,7 +1685,7 @@
               <a:rPr lang="en-US" smtClean="0"/>
               <a:t>Fifth level</a:t>
             </a:r>
-            <a:endParaRPr lang="en-GB"/>
+            <a:endParaRPr lang="en-US" dirty="0"/>
           </a:p>
         </p:txBody>
       </p:sp>
@@ -1568,13 +1701,41 @@
         </p:nvSpPr>
         <p:spPr>
           <a:xfrm>
-            <a:off x="6172200" y="1825625"/>
-            <a:ext cx="5181600" cy="4351338"/>
+            <a:off x="7818120" y="868680"/>
+            <a:ext cx="3474720" cy="5120640"/>
           </a:xfrm>
         </p:spPr>
         <p:txBody>
           <a:bodyPr/>
-          <a:lstStyle/>
+          <a:lstStyle>
+            <a:lvl1pPr>
+              <a:defRPr sz="2000"/>
+            </a:lvl1pPr>
+            <a:lvl2pPr>
+              <a:defRPr sz="1800"/>
+            </a:lvl2pPr>
+            <a:lvl3pPr>
+              <a:defRPr sz="1600"/>
+            </a:lvl3pPr>
+            <a:lvl4pPr>
+              <a:defRPr sz="1400"/>
+            </a:lvl4pPr>
+            <a:lvl5pPr>
+              <a:defRPr sz="1400"/>
+            </a:lvl5pPr>
+            <a:lvl6pPr>
+              <a:defRPr sz="1400"/>
+            </a:lvl6pPr>
+            <a:lvl7pPr>
+              <a:defRPr sz="1400"/>
+            </a:lvl7pPr>
+            <a:lvl8pPr>
+              <a:defRPr sz="1400"/>
+            </a:lvl8pPr>
+            <a:lvl9pPr>
+              <a:defRPr sz="1400"/>
+            </a:lvl9pPr>
+          </a:lstStyle>
           <a:p>
             <a:pPr lvl="0"/>
             <a:r>
@@ -1609,13 +1770,13 @@
               <a:rPr lang="en-US" smtClean="0"/>
               <a:t>Fifth level</a:t>
             </a:r>
-            <a:endParaRPr lang="en-GB"/>
-          </a:p>
-        </p:txBody>
-      </p:sp>
-      <p:sp>
-        <p:nvSpPr>
-          <p:cNvPr id="5" name="Date Placeholder 4"/>
+            <a:endParaRPr lang="en-US" dirty="0"/>
+          </a:p>
+        </p:txBody>
+      </p:sp>
+      <p:sp>
+        <p:nvSpPr>
+          <p:cNvPr id="8" name="Date Placeholder 7"/>
           <p:cNvSpPr>
             <a:spLocks noGrp="1"/>
           </p:cNvSpPr>
@@ -1630,7 +1791,7 @@
           <a:p>
             <a:fld id="{6FF48CCB-792E-4848-B432-D1AAB8CE10E9}" type="datetime1">
               <a:rPr lang="id-ID" smtClean="0"/>
-              <a:t>20/05/2016</a:t>
+              <a:t>01/06/2016</a:t>
             </a:fld>
             <a:endParaRPr lang="id-ID"/>
           </a:p>
@@ -1638,7 +1799,7 @@
       </p:sp>
       <p:sp>
         <p:nvSpPr>
-          <p:cNvPr id="6" name="Footer Placeholder 5"/>
+          <p:cNvPr id="9" name="Footer Placeholder 8"/>
           <p:cNvSpPr>
             <a:spLocks noGrp="1"/>
           </p:cNvSpPr>
@@ -1661,7 +1822,7 @@
       </p:sp>
       <p:sp>
         <p:nvSpPr>
-          <p:cNvPr id="7" name="Slide Number Placeholder 6"/>
+          <p:cNvPr id="10" name="Slide Number Placeholder 9"/>
           <p:cNvSpPr>
             <a:spLocks noGrp="1"/>
           </p:cNvSpPr>
@@ -1685,7 +1846,7 @@
     </p:spTree>
     <p:extLst>
       <p:ext uri="{BB962C8B-B14F-4D97-AF65-F5344CB8AC3E}">
-        <p14:creationId xmlns:p14="http://schemas.microsoft.com/office/powerpoint/2010/main" val="1637713300"/>
+        <p14:creationId xmlns:p14="http://schemas.microsoft.com/office/powerpoint/2010/main" val="3046525036"/>
       </p:ext>
     </p:extLst>
   </p:cSld>
@@ -1714,7 +1875,7 @@
       </p:grpSpPr>
       <p:sp>
         <p:nvSpPr>
-          <p:cNvPr id="2" name="Title 1"/>
+          <p:cNvPr id="10" name="Title 9"/>
           <p:cNvSpPr>
             <a:spLocks noGrp="1"/>
           </p:cNvSpPr>
@@ -1722,12 +1883,7 @@
             <p:ph type="title"/>
           </p:nvPr>
         </p:nvSpPr>
-        <p:spPr>
-          <a:xfrm>
-            <a:off x="839788" y="365125"/>
-            <a:ext cx="10515600" cy="1325563"/>
-          </a:xfrm>
-        </p:spPr>
+        <p:spPr/>
         <p:txBody>
           <a:bodyPr/>
           <a:lstStyle/>
@@ -1736,7 +1892,7 @@
               <a:rPr lang="en-US" smtClean="0"/>
               <a:t>Click to edit Master title style</a:t>
             </a:r>
-            <a:endParaRPr lang="en-GB"/>
+            <a:endParaRPr lang="en-US" dirty="0"/>
           </a:p>
         </p:txBody>
       </p:sp>
@@ -1752,16 +1908,28 @@
         </p:nvSpPr>
         <p:spPr>
           <a:xfrm>
-            <a:off x="839788" y="1681163"/>
-            <a:ext cx="5157787" cy="823912"/>
+            <a:off x="3867912" y="1023586"/>
+            <a:ext cx="3474720" cy="807720"/>
           </a:xfrm>
         </p:spPr>
         <p:txBody>
-          <a:bodyPr anchor="b"/>
+          <a:bodyPr anchor="b">
+            <a:normAutofit/>
+          </a:bodyPr>
           <a:lstStyle>
             <a:lvl1pPr marL="0" indent="0">
+              <a:spcBef>
+                <a:spcPts val="0"/>
+              </a:spcBef>
               <a:buNone/>
-              <a:defRPr sz="2400" b="1"/>
+              <a:defRPr sz="2000" b="1">
+                <a:solidFill>
+                  <a:schemeClr val="tx1">
+                    <a:lumMod val="65000"/>
+                    <a:lumOff val="35000"/>
+                  </a:schemeClr>
+                </a:solidFill>
+              </a:defRPr>
             </a:lvl1pPr>
             <a:lvl2pPr marL="457200" indent="0">
               <a:buNone/>
@@ -1817,13 +1985,41 @@
         </p:nvSpPr>
         <p:spPr>
           <a:xfrm>
-            <a:off x="839788" y="2505075"/>
-            <a:ext cx="5157787" cy="3684588"/>
+            <a:off x="3867912" y="1930936"/>
+            <a:ext cx="3474720" cy="4023360"/>
           </a:xfrm>
         </p:spPr>
         <p:txBody>
           <a:bodyPr/>
-          <a:lstStyle/>
+          <a:lstStyle>
+            <a:lvl1pPr>
+              <a:defRPr sz="2000"/>
+            </a:lvl1pPr>
+            <a:lvl2pPr>
+              <a:defRPr sz="1800"/>
+            </a:lvl2pPr>
+            <a:lvl3pPr>
+              <a:defRPr sz="1600"/>
+            </a:lvl3pPr>
+            <a:lvl4pPr>
+              <a:defRPr sz="1400"/>
+            </a:lvl4pPr>
+            <a:lvl5pPr>
+              <a:defRPr sz="1400"/>
+            </a:lvl5pPr>
+            <a:lvl6pPr>
+              <a:defRPr sz="1400"/>
+            </a:lvl6pPr>
+            <a:lvl7pPr>
+              <a:defRPr sz="1400"/>
+            </a:lvl7pPr>
+            <a:lvl8pPr>
+              <a:defRPr sz="1400"/>
+            </a:lvl8pPr>
+            <a:lvl9pPr>
+              <a:defRPr sz="1400"/>
+            </a:lvl9pPr>
+          </a:lstStyle>
           <a:p>
             <a:pPr lvl="0"/>
             <a:r>
@@ -1858,7 +2054,7 @@
               <a:rPr lang="en-US" smtClean="0"/>
               <a:t>Fifth level</a:t>
             </a:r>
-            <a:endParaRPr lang="en-GB"/>
+            <a:endParaRPr lang="en-US" dirty="0"/>
           </a:p>
         </p:txBody>
       </p:sp>
@@ -1874,16 +2070,28 @@
         </p:nvSpPr>
         <p:spPr>
           <a:xfrm>
-            <a:off x="6172200" y="1681163"/>
-            <a:ext cx="5183188" cy="823912"/>
+            <a:off x="7818463" y="1023586"/>
+            <a:ext cx="3474720" cy="813171"/>
           </a:xfrm>
         </p:spPr>
         <p:txBody>
-          <a:bodyPr anchor="b"/>
+          <a:bodyPr anchor="b">
+            <a:normAutofit/>
+          </a:bodyPr>
           <a:lstStyle>
             <a:lvl1pPr marL="0" indent="0">
+              <a:spcBef>
+                <a:spcPts val="0"/>
+              </a:spcBef>
               <a:buNone/>
-              <a:defRPr sz="2400" b="1"/>
+              <a:defRPr sz="2000" b="1">
+                <a:solidFill>
+                  <a:schemeClr val="tx1">
+                    <a:lumMod val="65000"/>
+                    <a:lumOff val="35000"/>
+                  </a:schemeClr>
+                </a:solidFill>
+              </a:defRPr>
             </a:lvl1pPr>
             <a:lvl2pPr marL="457200" indent="0">
               <a:buNone/>
@@ -1939,13 +2147,41 @@
         </p:nvSpPr>
         <p:spPr>
           <a:xfrm>
-            <a:off x="6172200" y="2505075"/>
-            <a:ext cx="5183188" cy="3684588"/>
+            <a:off x="7818463" y="1930936"/>
+            <a:ext cx="3474720" cy="4023360"/>
           </a:xfrm>
         </p:spPr>
         <p:txBody>
           <a:bodyPr/>
-          <a:lstStyle/>
+          <a:lstStyle>
+            <a:lvl1pPr>
+              <a:defRPr sz="2000"/>
+            </a:lvl1pPr>
+            <a:lvl2pPr>
+              <a:defRPr sz="1800"/>
+            </a:lvl2pPr>
+            <a:lvl3pPr>
+              <a:defRPr sz="1600"/>
+            </a:lvl3pPr>
+            <a:lvl4pPr>
+              <a:defRPr sz="1400"/>
+            </a:lvl4pPr>
+            <a:lvl5pPr>
+              <a:defRPr sz="1400"/>
+            </a:lvl5pPr>
+            <a:lvl6pPr>
+              <a:defRPr sz="1400"/>
+            </a:lvl6pPr>
+            <a:lvl7pPr>
+              <a:defRPr sz="1400"/>
+            </a:lvl7pPr>
+            <a:lvl8pPr>
+              <a:defRPr sz="1400"/>
+            </a:lvl8pPr>
+            <a:lvl9pPr>
+              <a:defRPr sz="1400"/>
+            </a:lvl9pPr>
+          </a:lstStyle>
           <a:p>
             <a:pPr lvl="0"/>
             <a:r>
@@ -1980,13 +2216,13 @@
               <a:rPr lang="en-US" smtClean="0"/>
               <a:t>Fifth level</a:t>
             </a:r>
-            <a:endParaRPr lang="en-GB"/>
-          </a:p>
-        </p:txBody>
-      </p:sp>
-      <p:sp>
-        <p:nvSpPr>
-          <p:cNvPr id="7" name="Date Placeholder 6"/>
+            <a:endParaRPr lang="en-US" dirty="0"/>
+          </a:p>
+        </p:txBody>
+      </p:sp>
+      <p:sp>
+        <p:nvSpPr>
+          <p:cNvPr id="2" name="Date Placeholder 1"/>
           <p:cNvSpPr>
             <a:spLocks noGrp="1"/>
           </p:cNvSpPr>
@@ -2001,7 +2237,7 @@
           <a:p>
             <a:fld id="{87F5A1AE-7864-4721-A42C-40FF4A273100}" type="datetime1">
               <a:rPr lang="id-ID" smtClean="0"/>
-              <a:t>20/05/2016</a:t>
+              <a:t>01/06/2016</a:t>
             </a:fld>
             <a:endParaRPr lang="id-ID"/>
           </a:p>
@@ -2009,7 +2245,7 @@
       </p:sp>
       <p:sp>
         <p:nvSpPr>
-          <p:cNvPr id="8" name="Footer Placeholder 7"/>
+          <p:cNvPr id="11" name="Footer Placeholder 10"/>
           <p:cNvSpPr>
             <a:spLocks noGrp="1"/>
           </p:cNvSpPr>
@@ -2032,7 +2268,7 @@
       </p:sp>
       <p:sp>
         <p:nvSpPr>
-          <p:cNvPr id="9" name="Slide Number Placeholder 8"/>
+          <p:cNvPr id="12" name="Slide Number Placeholder 11"/>
           <p:cNvSpPr>
             <a:spLocks noGrp="1"/>
           </p:cNvSpPr>
@@ -2056,7 +2292,7 @@
     </p:spTree>
     <p:extLst>
       <p:ext uri="{BB962C8B-B14F-4D97-AF65-F5344CB8AC3E}">
-        <p14:creationId xmlns:p14="http://schemas.microsoft.com/office/powerpoint/2010/main" val="1404836665"/>
+        <p14:creationId xmlns:p14="http://schemas.microsoft.com/office/powerpoint/2010/main" val="822542348"/>
       </p:ext>
     </p:extLst>
   </p:cSld>
@@ -2085,7 +2321,7 @@
       </p:grpSpPr>
       <p:sp>
         <p:nvSpPr>
-          <p:cNvPr id="2" name="Title 1"/>
+          <p:cNvPr id="6" name="Title 5"/>
           <p:cNvSpPr>
             <a:spLocks noGrp="1"/>
           </p:cNvSpPr>
@@ -2102,13 +2338,13 @@
               <a:rPr lang="en-US" smtClean="0"/>
               <a:t>Click to edit Master title style</a:t>
             </a:r>
-            <a:endParaRPr lang="en-GB"/>
-          </a:p>
-        </p:txBody>
-      </p:sp>
-      <p:sp>
-        <p:nvSpPr>
-          <p:cNvPr id="3" name="Date Placeholder 2"/>
+            <a:endParaRPr lang="en-US" dirty="0"/>
+          </a:p>
+        </p:txBody>
+      </p:sp>
+      <p:sp>
+        <p:nvSpPr>
+          <p:cNvPr id="2" name="Date Placeholder 1"/>
           <p:cNvSpPr>
             <a:spLocks noGrp="1"/>
           </p:cNvSpPr>
@@ -2123,7 +2359,7 @@
           <a:p>
             <a:fld id="{56AF0828-9494-46D1-9706-CB67E40F9273}" type="datetime1">
               <a:rPr lang="id-ID" smtClean="0"/>
-              <a:t>20/05/2016</a:t>
+              <a:t>01/06/2016</a:t>
             </a:fld>
             <a:endParaRPr lang="id-ID"/>
           </a:p>
@@ -2131,7 +2367,7 @@
       </p:sp>
       <p:sp>
         <p:nvSpPr>
-          <p:cNvPr id="4" name="Footer Placeholder 3"/>
+          <p:cNvPr id="7" name="Footer Placeholder 6"/>
           <p:cNvSpPr>
             <a:spLocks noGrp="1"/>
           </p:cNvSpPr>
@@ -2154,7 +2390,7 @@
       </p:sp>
       <p:sp>
         <p:nvSpPr>
-          <p:cNvPr id="5" name="Slide Number Placeholder 4"/>
+          <p:cNvPr id="8" name="Slide Number Placeholder 7"/>
           <p:cNvSpPr>
             <a:spLocks noGrp="1"/>
           </p:cNvSpPr>
@@ -2178,7 +2414,7 @@
     </p:spTree>
     <p:extLst>
       <p:ext uri="{BB962C8B-B14F-4D97-AF65-F5344CB8AC3E}">
-        <p14:creationId xmlns:p14="http://schemas.microsoft.com/office/powerpoint/2010/main" val="1634388440"/>
+        <p14:creationId xmlns:p14="http://schemas.microsoft.com/office/powerpoint/2010/main" val="2780612644"/>
       </p:ext>
     </p:extLst>
   </p:cSld>
@@ -2189,7 +2425,7 @@
 </file>
 
 <file path=ppt/slideLayouts/slideLayout7.xml><?xml version="1.0" encoding="utf-8"?>
-<p:sldLayout xmlns:a="http://schemas.openxmlformats.org/drawingml/2006/main" xmlns:r="http://schemas.openxmlformats.org/officeDocument/2006/relationships" xmlns:p="http://schemas.openxmlformats.org/presentationml/2006/main" type="blank" preserve="1">
+<p:sldLayout xmlns:a="http://schemas.openxmlformats.org/drawingml/2006/main" xmlns:r="http://schemas.openxmlformats.org/officeDocument/2006/relationships" xmlns:p="http://schemas.openxmlformats.org/presentationml/2006/main" showMasterSp="0" type="blank" preserve="1">
   <p:cSld name="Blank">
     <p:spTree>
       <p:nvGrpSpPr>
@@ -2207,7 +2443,7 @@
       </p:grpSpPr>
       <p:sp>
         <p:nvSpPr>
-          <p:cNvPr id="2" name="Date Placeholder 1"/>
+          <p:cNvPr id="5" name="Date Placeholder 4"/>
           <p:cNvSpPr>
             <a:spLocks noGrp="1"/>
           </p:cNvSpPr>
@@ -2222,7 +2458,7 @@
           <a:p>
             <a:fld id="{2C7F514A-436E-4CC1-9A79-95D802F74138}" type="datetime1">
               <a:rPr lang="id-ID" smtClean="0"/>
-              <a:t>20/05/2016</a:t>
+              <a:t>01/06/2016</a:t>
             </a:fld>
             <a:endParaRPr lang="id-ID"/>
           </a:p>
@@ -2230,7 +2466,7 @@
       </p:sp>
       <p:sp>
         <p:nvSpPr>
-          <p:cNvPr id="3" name="Footer Placeholder 2"/>
+          <p:cNvPr id="6" name="Footer Placeholder 5"/>
           <p:cNvSpPr>
             <a:spLocks noGrp="1"/>
           </p:cNvSpPr>
@@ -2253,7 +2489,7 @@
       </p:sp>
       <p:sp>
         <p:nvSpPr>
-          <p:cNvPr id="4" name="Slide Number Placeholder 3"/>
+          <p:cNvPr id="7" name="Slide Number Placeholder 6"/>
           <p:cNvSpPr>
             <a:spLocks noGrp="1"/>
           </p:cNvSpPr>
@@ -2277,13 +2513,18 @@
     </p:spTree>
     <p:extLst>
       <p:ext uri="{BB962C8B-B14F-4D97-AF65-F5344CB8AC3E}">
-        <p14:creationId xmlns:p14="http://schemas.microsoft.com/office/powerpoint/2010/main" val="3914856982"/>
+        <p14:creationId xmlns:p14="http://schemas.microsoft.com/office/powerpoint/2010/main" val="2658893427"/>
       </p:ext>
     </p:extLst>
   </p:cSld>
   <p:clrMapOvr>
     <a:masterClrMapping/>
   </p:clrMapOvr>
+  <p:extLst>
+    <p:ext uri="{DCECCB84-F9BA-43D5-87BE-67443E8EF086}">
+      <p15:sldGuideLst xmlns:p15="http://schemas.microsoft.com/office/powerpoint/2012/main"/>
+    </p:ext>
+  </p:extLst>
 </p:sldLayout>
 </file>
 
@@ -2316,15 +2557,17 @@
         </p:nvSpPr>
         <p:spPr>
           <a:xfrm>
-            <a:off x="839788" y="457200"/>
-            <a:ext cx="3932237" cy="1600200"/>
+            <a:off x="256032" y="1143000"/>
+            <a:ext cx="2834640" cy="2377440"/>
           </a:xfrm>
         </p:spPr>
         <p:txBody>
-          <a:bodyPr anchor="b"/>
+          <a:bodyPr anchor="b">
+            <a:normAutofit/>
+          </a:bodyPr>
           <a:lstStyle>
             <a:lvl1pPr>
-              <a:defRPr sz="3200"/>
+              <a:defRPr sz="3200" b="0" baseline="0"/>
             </a:lvl1pPr>
           </a:lstStyle>
           <a:p>
@@ -2332,7 +2575,7 @@
               <a:rPr lang="en-US" smtClean="0"/>
               <a:t>Click to edit Master title style</a:t>
             </a:r>
-            <a:endParaRPr lang="en-GB"/>
+            <a:endParaRPr lang="en-US" dirty="0"/>
           </a:p>
         </p:txBody>
       </p:sp>
@@ -2348,39 +2591,39 @@
         </p:nvSpPr>
         <p:spPr>
           <a:xfrm>
-            <a:off x="5183188" y="987425"/>
-            <a:ext cx="6172200" cy="4873625"/>
+            <a:off x="3867912" y="868680"/>
+            <a:ext cx="7315200" cy="5120640"/>
           </a:xfrm>
         </p:spPr>
         <p:txBody>
           <a:bodyPr/>
           <a:lstStyle>
             <a:lvl1pPr>
-              <a:defRPr sz="3200"/>
+              <a:defRPr sz="2000"/>
             </a:lvl1pPr>
             <a:lvl2pPr>
-              <a:defRPr sz="2800"/>
+              <a:defRPr sz="1800"/>
             </a:lvl2pPr>
             <a:lvl3pPr>
-              <a:defRPr sz="2400"/>
+              <a:defRPr sz="1600"/>
             </a:lvl3pPr>
             <a:lvl4pPr>
-              <a:defRPr sz="2000"/>
+              <a:defRPr sz="1400"/>
             </a:lvl4pPr>
             <a:lvl5pPr>
-              <a:defRPr sz="2000"/>
+              <a:defRPr sz="1400"/>
             </a:lvl5pPr>
             <a:lvl6pPr>
-              <a:defRPr sz="2000"/>
+              <a:defRPr sz="1400"/>
             </a:lvl6pPr>
             <a:lvl7pPr>
-              <a:defRPr sz="2000"/>
+              <a:defRPr sz="1400"/>
             </a:lvl7pPr>
             <a:lvl8pPr>
-              <a:defRPr sz="2000"/>
+              <a:defRPr sz="1400"/>
             </a:lvl8pPr>
             <a:lvl9pPr>
-              <a:defRPr sz="2000"/>
+              <a:defRPr sz="1400"/>
             </a:lvl9pPr>
           </a:lstStyle>
           <a:p>
@@ -2417,7 +2660,7 @@
               <a:rPr lang="en-US" smtClean="0"/>
               <a:t>Fifth level</a:t>
             </a:r>
-            <a:endParaRPr lang="en-GB"/>
+            <a:endParaRPr lang="en-US" dirty="0"/>
           </a:p>
         </p:txBody>
       </p:sp>
@@ -2433,48 +2676,57 @@
         </p:nvSpPr>
         <p:spPr>
           <a:xfrm>
-            <a:off x="839788" y="2057400"/>
-            <a:ext cx="3932237" cy="3811588"/>
+            <a:off x="256032" y="3494176"/>
+            <a:ext cx="2834640" cy="2321990"/>
           </a:xfrm>
         </p:spPr>
         <p:txBody>
-          <a:bodyPr/>
+          <a:bodyPr anchor="t">
+            <a:normAutofit/>
+          </a:bodyPr>
           <a:lstStyle>
             <a:lvl1pPr marL="0" indent="0">
+              <a:lnSpc>
+                <a:spcPct val="100000"/>
+              </a:lnSpc>
               <a:buNone/>
-              <a:defRPr sz="1600"/>
+              <a:defRPr sz="1400">
+                <a:solidFill>
+                  <a:srgbClr val="FFFFFF"/>
+                </a:solidFill>
+              </a:defRPr>
             </a:lvl1pPr>
             <a:lvl2pPr marL="457200" indent="0">
               <a:buNone/>
-              <a:defRPr sz="1400"/>
+              <a:defRPr sz="1200"/>
             </a:lvl2pPr>
             <a:lvl3pPr marL="914400" indent="0">
               <a:buNone/>
-              <a:defRPr sz="1200"/>
+              <a:defRPr sz="1000"/>
             </a:lvl3pPr>
             <a:lvl4pPr marL="1371600" indent="0">
               <a:buNone/>
-              <a:defRPr sz="1000"/>
+              <a:defRPr sz="900"/>
             </a:lvl4pPr>
             <a:lvl5pPr marL="1828800" indent="0">
               <a:buNone/>
-              <a:defRPr sz="1000"/>
+              <a:defRPr sz="900"/>
             </a:lvl5pPr>
             <a:lvl6pPr marL="2286000" indent="0">
               <a:buNone/>
-              <a:defRPr sz="1000"/>
+              <a:defRPr sz="900"/>
             </a:lvl6pPr>
             <a:lvl7pPr marL="2743200" indent="0">
               <a:buNone/>
-              <a:defRPr sz="1000"/>
+              <a:defRPr sz="900"/>
             </a:lvl7pPr>
             <a:lvl8pPr marL="3200400" indent="0">
               <a:buNone/>
-              <a:defRPr sz="1000"/>
+              <a:defRPr sz="900"/>
             </a:lvl8pPr>
             <a:lvl9pPr marL="3657600" indent="0">
               <a:buNone/>
-              <a:defRPr sz="1000"/>
+              <a:defRPr sz="900"/>
             </a:lvl9pPr>
           </a:lstStyle>
           <a:p>
@@ -2488,7 +2740,7 @@
       </p:sp>
       <p:sp>
         <p:nvSpPr>
-          <p:cNvPr id="5" name="Date Placeholder 4"/>
+          <p:cNvPr id="8" name="Date Placeholder 7"/>
           <p:cNvSpPr>
             <a:spLocks noGrp="1"/>
           </p:cNvSpPr>
@@ -2503,7 +2755,7 @@
           <a:p>
             <a:fld id="{9E89854E-E46E-4EFE-B88E-B96ADBBF1AE8}" type="datetime1">
               <a:rPr lang="id-ID" smtClean="0"/>
-              <a:t>20/05/2016</a:t>
+              <a:t>01/06/2016</a:t>
             </a:fld>
             <a:endParaRPr lang="id-ID"/>
           </a:p>
@@ -2511,7 +2763,7 @@
       </p:sp>
       <p:sp>
         <p:nvSpPr>
-          <p:cNvPr id="6" name="Footer Placeholder 5"/>
+          <p:cNvPr id="9" name="Footer Placeholder 8"/>
           <p:cNvSpPr>
             <a:spLocks noGrp="1"/>
           </p:cNvSpPr>
@@ -2534,7 +2786,7 @@
       </p:sp>
       <p:sp>
         <p:nvSpPr>
-          <p:cNvPr id="7" name="Slide Number Placeholder 6"/>
+          <p:cNvPr id="10" name="Slide Number Placeholder 9"/>
           <p:cNvSpPr>
             <a:spLocks noGrp="1"/>
           </p:cNvSpPr>
@@ -2558,13 +2810,18 @@
     </p:spTree>
     <p:extLst>
       <p:ext uri="{BB962C8B-B14F-4D97-AF65-F5344CB8AC3E}">
-        <p14:creationId xmlns:p14="http://schemas.microsoft.com/office/powerpoint/2010/main" val="1546707743"/>
+        <p14:creationId xmlns:p14="http://schemas.microsoft.com/office/powerpoint/2010/main" val="1608793855"/>
       </p:ext>
     </p:extLst>
   </p:cSld>
   <p:clrMapOvr>
     <a:masterClrMapping/>
   </p:clrMapOvr>
+  <p:extLst>
+    <p:ext uri="{DCECCB84-F9BA-43D5-87BE-67443E8EF086}">
+      <p15:sldGuideLst xmlns:p15="http://schemas.microsoft.com/office/powerpoint/2012/main"/>
+    </p:ext>
+  </p:extLst>
 </p:sldLayout>
 </file>
 
@@ -2597,15 +2854,17 @@
         </p:nvSpPr>
         <p:spPr>
           <a:xfrm>
-            <a:off x="839788" y="457200"/>
-            <a:ext cx="3932237" cy="1600200"/>
+            <a:off x="256032" y="1143000"/>
+            <a:ext cx="2834640" cy="2377440"/>
           </a:xfrm>
         </p:spPr>
         <p:txBody>
-          <a:bodyPr anchor="b"/>
+          <a:bodyPr anchor="b">
+            <a:normAutofit/>
+          </a:bodyPr>
           <a:lstStyle>
             <a:lvl1pPr>
-              <a:defRPr sz="3200"/>
+              <a:defRPr sz="3200" b="0"/>
             </a:lvl1pPr>
           </a:lstStyle>
           <a:p>
@@ -2613,7 +2872,7 @@
               <a:rPr lang="en-US" smtClean="0"/>
               <a:t>Click to edit Master title style</a:t>
             </a:r>
-            <a:endParaRPr lang="en-GB"/>
+            <a:endParaRPr lang="en-US" dirty="0"/>
           </a:p>
         </p:txBody>
       </p:sp>
@@ -2621,7 +2880,7 @@
         <p:nvSpPr>
           <p:cNvPr id="3" name="Picture Placeholder 2"/>
           <p:cNvSpPr>
-            <a:spLocks noGrp="1"/>
+            <a:spLocks noGrp="1" noChangeAspect="1"/>
           </p:cNvSpPr>
           <p:nvPr>
             <p:ph type="pic" idx="1"/>
@@ -2629,12 +2888,17 @@
         </p:nvSpPr>
         <p:spPr>
           <a:xfrm>
-            <a:off x="5183188" y="987425"/>
-            <a:ext cx="6172200" cy="4873625"/>
-          </a:xfrm>
+            <a:off x="3570644" y="767419"/>
+            <a:ext cx="8115230" cy="5330952"/>
+          </a:xfrm>
+          <a:solidFill>
+            <a:schemeClr val="bg1">
+              <a:lumMod val="75000"/>
+            </a:schemeClr>
+          </a:solidFill>
         </p:spPr>
         <p:txBody>
-          <a:bodyPr/>
+          <a:bodyPr anchor="t"/>
           <a:lstStyle>
             <a:lvl1pPr marL="0" indent="0">
               <a:buNone/>
@@ -2674,7 +2938,11 @@
             </a:lvl9pPr>
           </a:lstStyle>
           <a:p>
-            <a:endParaRPr lang="en-GB"/>
+            <a:r>
+              <a:rPr lang="en-US" smtClean="0"/>
+              <a:t>Click icon to add picture</a:t>
+            </a:r>
+            <a:endParaRPr lang="en-US" dirty="0"/>
           </a:p>
         </p:txBody>
       </p:sp>
@@ -2690,48 +2958,57 @@
         </p:nvSpPr>
         <p:spPr>
           <a:xfrm>
-            <a:off x="839788" y="2057400"/>
-            <a:ext cx="3932237" cy="3811588"/>
+            <a:off x="256032" y="3493008"/>
+            <a:ext cx="2834640" cy="2322576"/>
           </a:xfrm>
         </p:spPr>
         <p:txBody>
-          <a:bodyPr/>
+          <a:bodyPr anchor="t">
+            <a:normAutofit/>
+          </a:bodyPr>
           <a:lstStyle>
             <a:lvl1pPr marL="0" indent="0">
+              <a:lnSpc>
+                <a:spcPct val="100000"/>
+              </a:lnSpc>
               <a:buNone/>
-              <a:defRPr sz="1600"/>
+              <a:defRPr sz="1400">
+                <a:solidFill>
+                  <a:srgbClr val="FFFFFF"/>
+                </a:solidFill>
+              </a:defRPr>
             </a:lvl1pPr>
             <a:lvl2pPr marL="457200" indent="0">
               <a:buNone/>
-              <a:defRPr sz="1400"/>
+              <a:defRPr sz="1200"/>
             </a:lvl2pPr>
             <a:lvl3pPr marL="914400" indent="0">
               <a:buNone/>
-              <a:defRPr sz="1200"/>
+              <a:defRPr sz="1000"/>
             </a:lvl3pPr>
             <a:lvl4pPr marL="1371600" indent="0">
               <a:buNone/>
-              <a:defRPr sz="1000"/>
+              <a:defRPr sz="900"/>
             </a:lvl4pPr>
             <a:lvl5pPr marL="1828800" indent="0">
               <a:buNone/>
-              <a:defRPr sz="1000"/>
+              <a:defRPr sz="900"/>
             </a:lvl5pPr>
             <a:lvl6pPr marL="2286000" indent="0">
               <a:buNone/>
-              <a:defRPr sz="1000"/>
+              <a:defRPr sz="900"/>
             </a:lvl6pPr>
             <a:lvl7pPr marL="2743200" indent="0">
               <a:buNone/>
-              <a:defRPr sz="1000"/>
+              <a:defRPr sz="900"/>
             </a:lvl7pPr>
             <a:lvl8pPr marL="3200400" indent="0">
               <a:buNone/>
-              <a:defRPr sz="1000"/>
+              <a:defRPr sz="900"/>
             </a:lvl8pPr>
             <a:lvl9pPr marL="3657600" indent="0">
               <a:buNone/>
-              <a:defRPr sz="1000"/>
+              <a:defRPr sz="900"/>
             </a:lvl9pPr>
           </a:lstStyle>
           <a:p>
@@ -2745,7 +3022,7 @@
       </p:sp>
       <p:sp>
         <p:nvSpPr>
-          <p:cNvPr id="5" name="Date Placeholder 4"/>
+          <p:cNvPr id="8" name="Date Placeholder 7"/>
           <p:cNvSpPr>
             <a:spLocks noGrp="1"/>
           </p:cNvSpPr>
@@ -2760,7 +3037,7 @@
           <a:p>
             <a:fld id="{4E475413-7B4A-4987-9ED0-62FC6A327766}" type="datetime1">
               <a:rPr lang="id-ID" smtClean="0"/>
-              <a:t>20/05/2016</a:t>
+              <a:t>01/06/2016</a:t>
             </a:fld>
             <a:endParaRPr lang="id-ID"/>
           </a:p>
@@ -2768,7 +3045,7 @@
       </p:sp>
       <p:sp>
         <p:nvSpPr>
-          <p:cNvPr id="6" name="Footer Placeholder 5"/>
+          <p:cNvPr id="9" name="Footer Placeholder 8"/>
           <p:cNvSpPr>
             <a:spLocks noGrp="1"/>
           </p:cNvSpPr>
@@ -2776,7 +3053,12 @@
             <p:ph type="ftr" sz="quarter" idx="11"/>
           </p:nvPr>
         </p:nvSpPr>
-        <p:spPr/>
+        <p:spPr>
+          <a:xfrm>
+            <a:off x="3499101" y="6356350"/>
+            <a:ext cx="5911517" cy="365125"/>
+          </a:xfrm>
+        </p:spPr>
         <p:txBody>
           <a:bodyPr/>
           <a:lstStyle/>
@@ -2791,7 +3073,7 @@
       </p:sp>
       <p:sp>
         <p:nvSpPr>
-          <p:cNvPr id="7" name="Slide Number Placeholder 6"/>
+          <p:cNvPr id="10" name="Slide Number Placeholder 9"/>
           <p:cNvSpPr>
             <a:spLocks noGrp="1"/>
           </p:cNvSpPr>
@@ -2815,7 +3097,7 @@
     </p:spTree>
     <p:extLst>
       <p:ext uri="{BB962C8B-B14F-4D97-AF65-F5344CB8AC3E}">
-        <p14:creationId xmlns:p14="http://schemas.microsoft.com/office/powerpoint/2010/main" val="444466535"/>
+        <p14:creationId xmlns:p14="http://schemas.microsoft.com/office/powerpoint/2010/main" val="394221229"/>
       </p:ext>
     </p:extLst>
   </p:cSld>
@@ -2849,6 +3131,44 @@
       </p:grpSpPr>
       <p:sp>
         <p:nvSpPr>
+          <p:cNvPr id="7" name="Rectangle 6"/>
+          <p:cNvSpPr/>
+          <p:nvPr/>
+        </p:nvSpPr>
+        <p:spPr>
+          <a:xfrm>
+            <a:off x="1" y="758952"/>
+            <a:ext cx="3443590" cy="5330952"/>
+          </a:xfrm>
+          <a:prstGeom prst="rect">
+            <a:avLst/>
+          </a:prstGeom>
+          <a:solidFill>
+            <a:schemeClr val="accent1"/>
+          </a:solidFill>
+          <a:ln>
+            <a:noFill/>
+          </a:ln>
+        </p:spPr>
+        <p:style>
+          <a:lnRef idx="2">
+            <a:schemeClr val="accent1">
+              <a:shade val="50000"/>
+            </a:schemeClr>
+          </a:lnRef>
+          <a:fillRef idx="1">
+            <a:schemeClr val="accent1"/>
+          </a:fillRef>
+          <a:effectRef idx="0">
+            <a:schemeClr val="accent1"/>
+          </a:effectRef>
+          <a:fontRef idx="minor">
+            <a:schemeClr val="lt1"/>
+          </a:fontRef>
+        </p:style>
+      </p:sp>
+      <p:sp>
+        <p:nvSpPr>
           <p:cNvPr id="2" name="Title Placeholder 1"/>
           <p:cNvSpPr>
             <a:spLocks noGrp="1"/>
@@ -2859,8 +3179,8 @@
         </p:nvSpPr>
         <p:spPr>
           <a:xfrm>
-            <a:off x="838200" y="365125"/>
-            <a:ext cx="10515600" cy="1325563"/>
+            <a:off x="252919" y="1123837"/>
+            <a:ext cx="2947482" cy="4601183"/>
           </a:xfrm>
           <a:prstGeom prst="rect">
             <a:avLst/>
@@ -2876,9 +3196,49 @@
               <a:rPr lang="en-US" smtClean="0"/>
               <a:t>Click to edit Master title style</a:t>
             </a:r>
-            <a:endParaRPr lang="en-GB"/>
-          </a:p>
-        </p:txBody>
+            <a:endParaRPr lang="en-US" dirty="0"/>
+          </a:p>
+        </p:txBody>
+      </p:sp>
+      <p:sp>
+        <p:nvSpPr>
+          <p:cNvPr id="38" name="Rectangle 37"/>
+          <p:cNvSpPr/>
+          <p:nvPr/>
+        </p:nvSpPr>
+        <p:spPr>
+          <a:xfrm>
+            <a:off x="11815864" y="758952"/>
+            <a:ext cx="384048" cy="5330952"/>
+          </a:xfrm>
+          <a:prstGeom prst="rect">
+            <a:avLst/>
+          </a:prstGeom>
+          <a:solidFill>
+            <a:srgbClr val="C8C8C8">
+              <a:alpha val="49804"/>
+            </a:srgbClr>
+          </a:solidFill>
+          <a:ln>
+            <a:noFill/>
+          </a:ln>
+        </p:spPr>
+        <p:style>
+          <a:lnRef idx="2">
+            <a:schemeClr val="accent1">
+              <a:shade val="50000"/>
+            </a:schemeClr>
+          </a:lnRef>
+          <a:fillRef idx="1">
+            <a:schemeClr val="accent1"/>
+          </a:fillRef>
+          <a:effectRef idx="0">
+            <a:schemeClr val="accent1"/>
+          </a:effectRef>
+          <a:fontRef idx="minor">
+            <a:schemeClr val="lt1"/>
+          </a:fontRef>
+        </p:style>
       </p:sp>
       <p:sp>
         <p:nvSpPr>
@@ -2892,15 +3252,15 @@
         </p:nvSpPr>
         <p:spPr>
           <a:xfrm>
-            <a:off x="838200" y="1825625"/>
-            <a:ext cx="10515600" cy="4351338"/>
+            <a:off x="3869268" y="864108"/>
+            <a:ext cx="7315200" cy="5120640"/>
           </a:xfrm>
           <a:prstGeom prst="rect">
             <a:avLst/>
           </a:prstGeom>
         </p:spPr>
         <p:txBody>
-          <a:bodyPr vert="horz" lIns="91440" tIns="45720" rIns="91440" bIns="45720" rtlCol="0">
+          <a:bodyPr vert="horz" lIns="91440" tIns="45720" rIns="91440" bIns="45720" rtlCol="0" anchor="ctr">
             <a:normAutofit/>
           </a:bodyPr>
           <a:lstStyle/>
@@ -2938,7 +3298,7 @@
               <a:rPr lang="en-US" smtClean="0"/>
               <a:t>Fifth level</a:t>
             </a:r>
-            <a:endParaRPr lang="en-GB"/>
+            <a:endParaRPr lang="en-US" dirty="0"/>
           </a:p>
         </p:txBody>
       </p:sp>
@@ -2954,7 +3314,7 @@
         </p:nvSpPr>
         <p:spPr>
           <a:xfrm>
-            <a:off x="838200" y="6356350"/>
+            <a:off x="262465" y="6356350"/>
             <a:ext cx="2743200" cy="365125"/>
           </a:xfrm>
           <a:prstGeom prst="rect">
@@ -2965,10 +3325,11 @@
           <a:bodyPr vert="horz" lIns="91440" tIns="45720" rIns="91440" bIns="45720" rtlCol="0" anchor="ctr"/>
           <a:lstStyle>
             <a:lvl1pPr algn="l">
-              <a:defRPr sz="1200">
+              <a:defRPr sz="1100">
                 <a:solidFill>
                   <a:schemeClr val="tx1">
-                    <a:tint val="75000"/>
+                    <a:lumMod val="50000"/>
+                    <a:lumOff val="50000"/>
                   </a:schemeClr>
                 </a:solidFill>
               </a:defRPr>
@@ -2977,7 +3338,7 @@
           <a:p>
             <a:fld id="{E8C8CCD6-DCDF-4E70-B616-377EE6F0B817}" type="datetime1">
               <a:rPr lang="id-ID" smtClean="0"/>
-              <a:t>20/05/2016</a:t>
+              <a:t>01/06/2016</a:t>
             </a:fld>
             <a:endParaRPr lang="id-ID"/>
           </a:p>
@@ -2995,8 +3356,8 @@
         </p:nvSpPr>
         <p:spPr>
           <a:xfrm>
-            <a:off x="4038600" y="6356350"/>
-            <a:ext cx="4114800" cy="365125"/>
+            <a:off x="3869268" y="6356350"/>
+            <a:ext cx="5911517" cy="365125"/>
           </a:xfrm>
           <a:prstGeom prst="rect">
             <a:avLst/>
@@ -3005,11 +3366,12 @@
         <p:txBody>
           <a:bodyPr vert="horz" lIns="91440" tIns="45720" rIns="91440" bIns="45720" rtlCol="0" anchor="ctr"/>
           <a:lstStyle>
-            <a:lvl1pPr algn="ctr">
-              <a:defRPr sz="1200">
+            <a:lvl1pPr algn="l">
+              <a:defRPr sz="1100">
                 <a:solidFill>
                   <a:schemeClr val="tx1">
-                    <a:tint val="75000"/>
+                    <a:lumMod val="50000"/>
+                    <a:lumOff val="50000"/>
                   </a:schemeClr>
                 </a:solidFill>
               </a:defRPr>
@@ -3036,8 +3398,8 @@
         </p:nvSpPr>
         <p:spPr>
           <a:xfrm>
-            <a:off x="8610600" y="6356350"/>
-            <a:ext cx="2743200" cy="365125"/>
+            <a:off x="10634135" y="6356350"/>
+            <a:ext cx="1530927" cy="365125"/>
           </a:xfrm>
           <a:prstGeom prst="rect">
             <a:avLst/>
@@ -3047,11 +3409,9 @@
           <a:bodyPr vert="horz" lIns="91440" tIns="45720" rIns="91440" bIns="45720" rtlCol="0" anchor="ctr"/>
           <a:lstStyle>
             <a:lvl1pPr algn="r">
-              <a:defRPr sz="1200">
-                <a:solidFill>
-                  <a:schemeClr val="tx1">
-                    <a:tint val="75000"/>
-                  </a:schemeClr>
+              <a:defRPr sz="1200" b="1">
+                <a:solidFill>
+                  <a:schemeClr val="accent1"/>
                 </a:solidFill>
               </a:defRPr>
             </a:lvl1pPr>
@@ -3068,23 +3428,23 @@
     </p:spTree>
     <p:extLst>
       <p:ext uri="{BB962C8B-B14F-4D97-AF65-F5344CB8AC3E}">
-        <p14:creationId xmlns:p14="http://schemas.microsoft.com/office/powerpoint/2010/main" val="3086755071"/>
+        <p14:creationId xmlns:p14="http://schemas.microsoft.com/office/powerpoint/2010/main" val="2197866931"/>
       </p:ext>
     </p:extLst>
   </p:cSld>
   <p:clrMap bg1="lt1" tx1="dk1" bg2="lt2" tx2="dk2" accent1="accent1" accent2="accent2" accent3="accent3" accent4="accent4" accent5="accent5" accent6="accent6" hlink="hlink" folHlink="folHlink"/>
   <p:sldLayoutIdLst>
-    <p:sldLayoutId id="2147483801" r:id="rId1"/>
-    <p:sldLayoutId id="2147483802" r:id="rId2"/>
-    <p:sldLayoutId id="2147483803" r:id="rId3"/>
-    <p:sldLayoutId id="2147483804" r:id="rId4"/>
-    <p:sldLayoutId id="2147483805" r:id="rId5"/>
-    <p:sldLayoutId id="2147483806" r:id="rId6"/>
-    <p:sldLayoutId id="2147483807" r:id="rId7"/>
-    <p:sldLayoutId id="2147483808" r:id="rId8"/>
-    <p:sldLayoutId id="2147483809" r:id="rId9"/>
-    <p:sldLayoutId id="2147483810" r:id="rId10"/>
-    <p:sldLayoutId id="2147483811" r:id="rId11"/>
+    <p:sldLayoutId id="2147483885" r:id="rId1"/>
+    <p:sldLayoutId id="2147483886" r:id="rId2"/>
+    <p:sldLayoutId id="2147483887" r:id="rId3"/>
+    <p:sldLayoutId id="2147483888" r:id="rId4"/>
+    <p:sldLayoutId id="2147483889" r:id="rId5"/>
+    <p:sldLayoutId id="2147483890" r:id="rId6"/>
+    <p:sldLayoutId id="2147483891" r:id="rId7"/>
+    <p:sldLayoutId id="2147483892" r:id="rId8"/>
+    <p:sldLayoutId id="2147483893" r:id="rId9"/>
+    <p:sldLayoutId id="2147483894" r:id="rId10"/>
+    <p:sldLayoutId id="2147483895" r:id="rId11"/>
   </p:sldLayoutIdLst>
   <p:hf hdr="0"/>
   <p:txStyles>
@@ -3097,9 +3457,9 @@
           <a:spcPct val="0"/>
         </a:spcBef>
         <a:buNone/>
-        <a:defRPr sz="4400" kern="1200">
+        <a:defRPr sz="3600" kern="1200" spc="-60" baseline="0">
           <a:solidFill>
-            <a:schemeClr val="tx1"/>
+            <a:srgbClr val="FFFFFF"/>
           </a:solidFill>
           <a:latin typeface="+mj-lt"/>
           <a:ea typeface="+mj-ea"/>
@@ -3108,90 +3468,132 @@
       </a:lvl1pPr>
     </p:titleStyle>
     <p:bodyStyle>
-      <a:lvl1pPr marL="228600" indent="-228600" algn="l" defTabSz="914400" rtl="0" eaLnBrk="1" latinLnBrk="0" hangingPunct="1">
+      <a:lvl1pPr marL="182880" indent="-182880" algn="l" defTabSz="914400" rtl="0" eaLnBrk="1" latinLnBrk="0" hangingPunct="1">
         <a:lnSpc>
           <a:spcPct val="90000"/>
         </a:lnSpc>
         <a:spcBef>
-          <a:spcPts val="1000"/>
+          <a:spcPts val="1200"/>
         </a:spcBef>
-        <a:buFont typeface="Arial" panose="020B0604020202020204" pitchFamily="34" charset="0"/>
-        <a:buChar char="•"/>
-        <a:defRPr sz="2800" kern="1200">
+        <a:buClr>
+          <a:schemeClr val="accent1"/>
+        </a:buClr>
+        <a:buFont typeface="Wingdings 2" pitchFamily="18" charset="2"/>
+        <a:buChar char=""/>
+        <a:defRPr sz="2000" kern="1200">
           <a:solidFill>
-            <a:schemeClr val="tx1"/>
+            <a:schemeClr val="tx1">
+              <a:lumMod val="65000"/>
+              <a:lumOff val="35000"/>
+            </a:schemeClr>
           </a:solidFill>
           <a:latin typeface="+mn-lt"/>
           <a:ea typeface="+mn-ea"/>
           <a:cs typeface="+mn-cs"/>
         </a:defRPr>
       </a:lvl1pPr>
-      <a:lvl2pPr marL="685800" indent="-228600" algn="l" defTabSz="914400" rtl="0" eaLnBrk="1" latinLnBrk="0" hangingPunct="1">
+      <a:lvl2pPr marL="685800" indent="-182880" algn="l" defTabSz="914400" rtl="0" eaLnBrk="1" latinLnBrk="0" hangingPunct="1">
         <a:lnSpc>
           <a:spcPct val="90000"/>
         </a:lnSpc>
         <a:spcBef>
-          <a:spcPts val="500"/>
+          <a:spcPts val="250"/>
         </a:spcBef>
-        <a:buFont typeface="Arial" panose="020B0604020202020204" pitchFamily="34" charset="0"/>
-        <a:buChar char="•"/>
-        <a:defRPr sz="2400" kern="1200">
+        <a:spcAft>
+          <a:spcPts val="250"/>
+        </a:spcAft>
+        <a:buClr>
+          <a:schemeClr val="accent1"/>
+        </a:buClr>
+        <a:buFont typeface="Wingdings 2" pitchFamily="18" charset="2"/>
+        <a:buChar char=""/>
+        <a:defRPr sz="1800" kern="1200">
           <a:solidFill>
-            <a:schemeClr val="tx1"/>
+            <a:schemeClr val="tx1">
+              <a:lumMod val="65000"/>
+              <a:lumOff val="35000"/>
+            </a:schemeClr>
           </a:solidFill>
           <a:latin typeface="+mn-lt"/>
           <a:ea typeface="+mn-ea"/>
           <a:cs typeface="+mn-cs"/>
         </a:defRPr>
       </a:lvl2pPr>
-      <a:lvl3pPr marL="1143000" indent="-228600" algn="l" defTabSz="914400" rtl="0" eaLnBrk="1" latinLnBrk="0" hangingPunct="1">
+      <a:lvl3pPr marL="1143000" indent="-182880" algn="l" defTabSz="914400" rtl="0" eaLnBrk="1" latinLnBrk="0" hangingPunct="1">
         <a:lnSpc>
           <a:spcPct val="90000"/>
         </a:lnSpc>
         <a:spcBef>
-          <a:spcPts val="500"/>
+          <a:spcPts val="250"/>
         </a:spcBef>
-        <a:buFont typeface="Arial" panose="020B0604020202020204" pitchFamily="34" charset="0"/>
-        <a:buChar char="•"/>
-        <a:defRPr sz="2000" kern="1200">
+        <a:spcAft>
+          <a:spcPts val="250"/>
+        </a:spcAft>
+        <a:buClr>
+          <a:schemeClr val="accent1"/>
+        </a:buClr>
+        <a:buFont typeface="Wingdings 2" pitchFamily="18" charset="2"/>
+        <a:buChar char=""/>
+        <a:defRPr sz="1600" kern="1200">
           <a:solidFill>
-            <a:schemeClr val="tx1"/>
+            <a:schemeClr val="tx1">
+              <a:lumMod val="65000"/>
+              <a:lumOff val="35000"/>
+            </a:schemeClr>
           </a:solidFill>
           <a:latin typeface="+mn-lt"/>
           <a:ea typeface="+mn-ea"/>
           <a:cs typeface="+mn-cs"/>
         </a:defRPr>
       </a:lvl3pPr>
-      <a:lvl4pPr marL="1600200" indent="-228600" algn="l" defTabSz="914400" rtl="0" eaLnBrk="1" latinLnBrk="0" hangingPunct="1">
+      <a:lvl4pPr marL="1600200" indent="-182880" algn="l" defTabSz="914400" rtl="0" eaLnBrk="1" latinLnBrk="0" hangingPunct="1">
         <a:lnSpc>
           <a:spcPct val="90000"/>
         </a:lnSpc>
         <a:spcBef>
-          <a:spcPts val="500"/>
+          <a:spcPts val="250"/>
         </a:spcBef>
-        <a:buFont typeface="Arial" panose="020B0604020202020204" pitchFamily="34" charset="0"/>
-        <a:buChar char="•"/>
-        <a:defRPr sz="1800" kern="1200">
+        <a:spcAft>
+          <a:spcPts val="250"/>
+        </a:spcAft>
+        <a:buClr>
+          <a:schemeClr val="accent1"/>
+        </a:buClr>
+        <a:buFont typeface="Wingdings 2" pitchFamily="18" charset="2"/>
+        <a:buChar char=""/>
+        <a:defRPr sz="1400" kern="1200">
           <a:solidFill>
-            <a:schemeClr val="tx1"/>
+            <a:schemeClr val="tx1">
+              <a:lumMod val="65000"/>
+              <a:lumOff val="35000"/>
+            </a:schemeClr>
           </a:solidFill>
           <a:latin typeface="+mn-lt"/>
           <a:ea typeface="+mn-ea"/>
           <a:cs typeface="+mn-cs"/>
         </a:defRPr>
       </a:lvl4pPr>
-      <a:lvl5pPr marL="2057400" indent="-228600" algn="l" defTabSz="914400" rtl="0" eaLnBrk="1" latinLnBrk="0" hangingPunct="1">
+      <a:lvl5pPr marL="2057400" indent="-182880" algn="l" defTabSz="914400" rtl="0" eaLnBrk="1" latinLnBrk="0" hangingPunct="1">
         <a:lnSpc>
           <a:spcPct val="90000"/>
         </a:lnSpc>
         <a:spcBef>
-          <a:spcPts val="500"/>
+          <a:spcPts val="250"/>
         </a:spcBef>
-        <a:buFont typeface="Arial" panose="020B0604020202020204" pitchFamily="34" charset="0"/>
-        <a:buChar char="•"/>
-        <a:defRPr sz="1800" kern="1200">
+        <a:spcAft>
+          <a:spcPts val="250"/>
+        </a:spcAft>
+        <a:buClr>
+          <a:schemeClr val="accent1"/>
+        </a:buClr>
+        <a:buFont typeface="Wingdings 2" pitchFamily="18" charset="2"/>
+        <a:buChar char=""/>
+        <a:defRPr sz="1400" kern="1200">
           <a:solidFill>
-            <a:schemeClr val="tx1"/>
+            <a:schemeClr val="tx1">
+              <a:lumMod val="65000"/>
+              <a:lumOff val="35000"/>
+            </a:schemeClr>
           </a:solidFill>
           <a:latin typeface="+mn-lt"/>
           <a:ea typeface="+mn-ea"/>
@@ -3203,13 +3605,22 @@
           <a:spcPct val="90000"/>
         </a:lnSpc>
         <a:spcBef>
-          <a:spcPts val="500"/>
+          <a:spcPts val="250"/>
         </a:spcBef>
-        <a:buFont typeface="Arial" panose="020B0604020202020204" pitchFamily="34" charset="0"/>
-        <a:buChar char="•"/>
-        <a:defRPr sz="1800" kern="1200">
+        <a:spcAft>
+          <a:spcPts val="250"/>
+        </a:spcAft>
+        <a:buClr>
+          <a:schemeClr val="accent1"/>
+        </a:buClr>
+        <a:buFont typeface="Wingdings 2" pitchFamily="18" charset="2"/>
+        <a:buChar char=""/>
+        <a:defRPr sz="1400" kern="1200">
           <a:solidFill>
-            <a:schemeClr val="tx1"/>
+            <a:schemeClr val="tx1">
+              <a:lumMod val="65000"/>
+              <a:lumOff val="35000"/>
+            </a:schemeClr>
           </a:solidFill>
           <a:latin typeface="+mn-lt"/>
           <a:ea typeface="+mn-ea"/>
@@ -3221,13 +3632,22 @@
           <a:spcPct val="90000"/>
         </a:lnSpc>
         <a:spcBef>
-          <a:spcPts val="500"/>
+          <a:spcPts val="250"/>
         </a:spcBef>
-        <a:buFont typeface="Arial" panose="020B0604020202020204" pitchFamily="34" charset="0"/>
-        <a:buChar char="•"/>
-        <a:defRPr sz="1800" kern="1200">
+        <a:spcAft>
+          <a:spcPts val="250"/>
+        </a:spcAft>
+        <a:buClr>
+          <a:schemeClr val="accent1"/>
+        </a:buClr>
+        <a:buFont typeface="Wingdings 2" pitchFamily="18" charset="2"/>
+        <a:buChar char=""/>
+        <a:defRPr sz="1400" kern="1200">
           <a:solidFill>
-            <a:schemeClr val="tx1"/>
+            <a:schemeClr val="tx1">
+              <a:lumMod val="65000"/>
+              <a:lumOff val="35000"/>
+            </a:schemeClr>
           </a:solidFill>
           <a:latin typeface="+mn-lt"/>
           <a:ea typeface="+mn-ea"/>
@@ -3239,13 +3659,22 @@
           <a:spcPct val="90000"/>
         </a:lnSpc>
         <a:spcBef>
-          <a:spcPts val="500"/>
+          <a:spcPts val="250"/>
         </a:spcBef>
-        <a:buFont typeface="Arial" panose="020B0604020202020204" pitchFamily="34" charset="0"/>
-        <a:buChar char="•"/>
-        <a:defRPr sz="1800" kern="1200">
+        <a:spcAft>
+          <a:spcPts val="250"/>
+        </a:spcAft>
+        <a:buClr>
+          <a:schemeClr val="accent1"/>
+        </a:buClr>
+        <a:buFont typeface="Wingdings 2" pitchFamily="18" charset="2"/>
+        <a:buChar char=""/>
+        <a:defRPr sz="1400" kern="1200">
           <a:solidFill>
-            <a:schemeClr val="tx1"/>
+            <a:schemeClr val="tx1">
+              <a:lumMod val="65000"/>
+              <a:lumOff val="35000"/>
+            </a:schemeClr>
           </a:solidFill>
           <a:latin typeface="+mn-lt"/>
           <a:ea typeface="+mn-ea"/>
@@ -3257,13 +3686,22 @@
           <a:spcPct val="90000"/>
         </a:lnSpc>
         <a:spcBef>
-          <a:spcPts val="500"/>
+          <a:spcPts val="250"/>
         </a:spcBef>
-        <a:buFont typeface="Arial" panose="020B0604020202020204" pitchFamily="34" charset="0"/>
-        <a:buChar char="•"/>
-        <a:defRPr sz="1800" kern="1200">
+        <a:spcAft>
+          <a:spcPts val="250"/>
+        </a:spcAft>
+        <a:buClr>
+          <a:schemeClr val="accent1"/>
+        </a:buClr>
+        <a:buFont typeface="Wingdings 2" pitchFamily="18" charset="2"/>
+        <a:buChar char=""/>
+        <a:defRPr sz="1400" kern="1200">
           <a:solidFill>
-            <a:schemeClr val="tx1"/>
+            <a:schemeClr val="tx1">
+              <a:lumMod val="65000"/>
+              <a:lumOff val="35000"/>
+            </a:schemeClr>
           </a:solidFill>
           <a:latin typeface="+mn-lt"/>
           <a:ea typeface="+mn-ea"/>
@@ -3367,6 +3805,11 @@
       </a:lvl9pPr>
     </p:otherStyle>
   </p:txStyles>
+  <p:extLst>
+    <p:ext uri="{27BBF7A9-308A-43DC-89C8-2F10F3537804}">
+      <p15:sldGuideLst xmlns:p15="http://schemas.microsoft.com/office/powerpoint/2012/main"/>
+    </p:ext>
+  </p:extLst>
 </p:sldMaster>
 </file>
 
@@ -3399,8 +3842,8 @@
         </p:nvSpPr>
         <p:spPr>
           <a:xfrm>
-            <a:off x="1524000" y="1833002"/>
-            <a:ext cx="9144000" cy="2387600"/>
+            <a:off x="1524000" y="3108960"/>
+            <a:ext cx="3415273" cy="979714"/>
           </a:xfrm>
         </p:spPr>
         <p:txBody>
@@ -3408,26 +3851,18 @@
           <a:lstStyle/>
           <a:p>
             <a:r>
-              <a:rPr lang="id-ID" dirty="0" smtClean="0">
-                <a:latin typeface="Akbar" panose="00000400000000000000" pitchFamily="2" charset="0"/>
-              </a:rPr>
+              <a:rPr lang="id-ID" dirty="0" smtClean="0"/>
               <a:t>A</a:t>
             </a:r>
             <a:r>
-              <a:rPr lang="en-US" dirty="0" smtClean="0">
-                <a:latin typeface="Akbar" panose="00000400000000000000" pitchFamily="2" charset="0"/>
-              </a:rPr>
+              <a:rPr lang="en-US" dirty="0" smtClean="0"/>
               <a:t>DA</a:t>
             </a:r>
             <a:r>
-              <a:rPr lang="id-ID" dirty="0" smtClean="0">
-                <a:latin typeface="Akbar" panose="00000400000000000000" pitchFamily="2" charset="0"/>
-              </a:rPr>
+              <a:rPr lang="id-ID" dirty="0" smtClean="0"/>
               <a:t>florist</a:t>
             </a:r>
-            <a:endParaRPr lang="id-ID" dirty="0">
-              <a:latin typeface="Akbar" panose="00000400000000000000" pitchFamily="2" charset="0"/>
-            </a:endParaRPr>
+            <a:endParaRPr lang="id-ID" dirty="0"/>
           </a:p>
         </p:txBody>
       </p:sp>
@@ -3443,8 +3878,8 @@
         </p:nvSpPr>
         <p:spPr>
           <a:xfrm>
-            <a:off x="1524000" y="4220602"/>
-            <a:ext cx="9144000" cy="1655762"/>
+            <a:off x="1524000" y="3892579"/>
+            <a:ext cx="4406537" cy="416712"/>
           </a:xfrm>
         </p:spPr>
         <p:txBody>
@@ -3476,7 +3911,7 @@
           <a:p>
             <a:fld id="{E0EE8162-2A34-44B5-B8DE-FD07EF2F76DA}" type="datetime1">
               <a:rPr lang="id-ID" smtClean="0"/>
-              <a:t>20/05/2016</a:t>
+              <a:t>01/06/2016</a:t>
             </a:fld>
             <a:endParaRPr lang="id-ID"/>
           </a:p>
@@ -3550,14 +3985,56 @@
         </p:blipFill>
         <p:spPr>
           <a:xfrm>
-            <a:off x="4818011" y="1353016"/>
-            <a:ext cx="2555978" cy="1935965"/>
+            <a:off x="9261566" y="734391"/>
+            <a:ext cx="2930434" cy="2219588"/>
           </a:xfrm>
           <a:prstGeom prst="rect">
             <a:avLst/>
           </a:prstGeom>
         </p:spPr>
       </p:pic>
+      <p:sp>
+        <p:nvSpPr>
+          <p:cNvPr id="8" name="Rectangle 7"/>
+          <p:cNvSpPr/>
+          <p:nvPr/>
+        </p:nvSpPr>
+        <p:spPr>
+          <a:xfrm>
+            <a:off x="9213387" y="2878127"/>
+            <a:ext cx="3026791" cy="461665"/>
+          </a:xfrm>
+          <a:prstGeom prst="rect">
+            <a:avLst/>
+          </a:prstGeom>
+        </p:spPr>
+        <p:txBody>
+          <a:bodyPr wrap="none">
+            <a:spAutoFit/>
+          </a:bodyPr>
+          <a:lstStyle/>
+          <a:p>
+            <a:pPr algn="ctr"/>
+            <a:r>
+              <a:rPr lang="id-ID" sz="2400" dirty="0" smtClean="0">
+                <a:solidFill>
+                  <a:schemeClr val="tx2">
+                    <a:lumMod val="75000"/>
+                  </a:schemeClr>
+                </a:solidFill>
+              </a:rPr>
+              <a:t>http://adaflorist.hol.es</a:t>
+            </a:r>
+            <a:endParaRPr lang="id-ID" sz="4400" dirty="0">
+              <a:solidFill>
+                <a:schemeClr val="tx2">
+                  <a:lumMod val="75000"/>
+                </a:schemeClr>
+              </a:solidFill>
+            </a:endParaRPr>
+          </a:p>
+        </p:txBody>
+      </p:sp>
     </p:spTree>
     <p:extLst>
       <p:ext uri="{BB962C8B-B14F-4D97-AF65-F5344CB8AC3E}">
@@ -3597,58 +4074,47 @@
       </p:grpSpPr>
       <p:sp>
         <p:nvSpPr>
-          <p:cNvPr id="2" name="Title 1"/>
-          <p:cNvSpPr>
-            <a:spLocks noGrp="1"/>
-          </p:cNvSpPr>
-          <p:nvPr>
-            <p:ph type="title"/>
-          </p:nvPr>
-        </p:nvSpPr>
-        <p:spPr/>
-        <p:txBody>
-          <a:bodyPr/>
+          <p:cNvPr id="9" name="Rectangle 8"/>
+          <p:cNvSpPr/>
+          <p:nvPr/>
+        </p:nvSpPr>
+        <p:spPr>
+          <a:xfrm>
+            <a:off x="262464" y="666206"/>
+            <a:ext cx="3303695" cy="5473337"/>
+          </a:xfrm>
+          <a:prstGeom prst="rect">
+            <a:avLst/>
+          </a:prstGeom>
+          <a:solidFill>
+            <a:srgbClr val="FFFFFF"/>
+          </a:solidFill>
+          <a:ln>
+            <a:noFill/>
+          </a:ln>
+        </p:spPr>
+        <p:style>
+          <a:lnRef idx="2">
+            <a:schemeClr val="accent1">
+              <a:shade val="50000"/>
+            </a:schemeClr>
+          </a:lnRef>
+          <a:fillRef idx="1">
+            <a:schemeClr val="accent1"/>
+          </a:fillRef>
+          <a:effectRef idx="0">
+            <a:schemeClr val="accent1"/>
+          </a:effectRef>
+          <a:fontRef idx="minor">
+            <a:schemeClr val="lt1"/>
+          </a:fontRef>
+        </p:style>
+        <p:txBody>
+          <a:bodyPr rtlCol="0" anchor="ctr"/>
           <a:lstStyle/>
           <a:p>
             <a:pPr algn="ctr"/>
-            <a:r>
-              <a:rPr lang="id-ID" dirty="0" smtClean="0">
-                <a:solidFill>
-                  <a:schemeClr val="tx2">
-                    <a:lumMod val="50000"/>
-                  </a:schemeClr>
-                </a:solidFill>
-                <a:latin typeface="Akbar" panose="00000400000000000000" pitchFamily="2" charset="0"/>
-              </a:rPr>
-              <a:t>DFD level 1</a:t>
-            </a:r>
-            <a:endParaRPr lang="id-ID" dirty="0">
-              <a:solidFill>
-                <a:schemeClr val="tx2">
-                  <a:lumMod val="50000"/>
-                </a:schemeClr>
-              </a:solidFill>
-              <a:latin typeface="Akbar" panose="00000400000000000000" pitchFamily="2" charset="0"/>
-            </a:endParaRPr>
-          </a:p>
-        </p:txBody>
-      </p:sp>
-      <p:sp>
-        <p:nvSpPr>
-          <p:cNvPr id="3" name="Content Placeholder 2"/>
-          <p:cNvSpPr>
-            <a:spLocks noGrp="1"/>
-          </p:cNvSpPr>
-          <p:nvPr>
-            <p:ph idx="1"/>
-          </p:nvPr>
-        </p:nvSpPr>
-        <p:spPr/>
-        <p:txBody>
-          <a:bodyPr/>
-          <a:lstStyle/>
-          <a:p>
-            <a:endParaRPr lang="id-ID" dirty="0"/>
+            <a:endParaRPr lang="id-ID"/>
           </a:p>
         </p:txBody>
       </p:sp>
@@ -3669,7 +4135,7 @@
           <a:p>
             <a:fld id="{D1191335-85ED-4EF6-BD68-399A61CBE81A}" type="datetime1">
               <a:rPr lang="id-ID" smtClean="0"/>
-              <a:t>20/05/2016</a:t>
+              <a:t>01/06/2016</a:t>
             </a:fld>
             <a:endParaRPr lang="id-ID"/>
           </a:p>
@@ -3721,9 +4187,81 @@
           </a:p>
         </p:txBody>
       </p:sp>
+      <p:sp>
+        <p:nvSpPr>
+          <p:cNvPr id="10" name="Title 1"/>
+          <p:cNvSpPr txBox="1">
+            <a:spLocks/>
+          </p:cNvSpPr>
+          <p:nvPr/>
+        </p:nvSpPr>
+        <p:spPr>
+          <a:xfrm>
+            <a:off x="252919" y="171672"/>
+            <a:ext cx="4402335" cy="752145"/>
+          </a:xfrm>
+          <a:prstGeom prst="rect">
+            <a:avLst/>
+          </a:prstGeom>
+        </p:spPr>
+        <p:txBody>
+          <a:bodyPr vert="horz" lIns="91440" tIns="45720" rIns="91440" bIns="45720" rtlCol="0" anchor="ctr">
+            <a:normAutofit fontScale="77500" lnSpcReduction="20000"/>
+          </a:bodyPr>
+          <a:lstStyle>
+            <a:lvl1pPr algn="l" defTabSz="914400" rtl="0" eaLnBrk="1" latinLnBrk="0" hangingPunct="1">
+              <a:lnSpc>
+                <a:spcPct val="90000"/>
+              </a:lnSpc>
+              <a:spcBef>
+                <a:spcPct val="0"/>
+              </a:spcBef>
+              <a:buNone/>
+              <a:defRPr sz="3600" kern="1200" spc="-60" baseline="0">
+                <a:solidFill>
+                  <a:srgbClr val="FFFFFF"/>
+                </a:solidFill>
+                <a:latin typeface="+mj-lt"/>
+                <a:ea typeface="+mj-ea"/>
+                <a:cs typeface="+mj-cs"/>
+              </a:defRPr>
+            </a:lvl1pPr>
+          </a:lstStyle>
+          <a:p>
+            <a:pPr algn="ctr"/>
+            <a:r>
+              <a:rPr lang="id-ID" b="1" dirty="0" smtClean="0">
+                <a:solidFill>
+                  <a:schemeClr val="tx2">
+                    <a:lumMod val="50000"/>
+                  </a:schemeClr>
+                </a:solidFill>
+              </a:rPr>
+              <a:t>Data Flow Diagram – </a:t>
+            </a:r>
+            <a:r>
+              <a:rPr lang="id-ID" dirty="0" smtClean="0">
+                <a:solidFill>
+                  <a:schemeClr val="bg2">
+                    <a:lumMod val="25000"/>
+                  </a:schemeClr>
+                </a:solidFill>
+              </a:rPr>
+              <a:t>Level 1</a:t>
+            </a:r>
+            <a:endParaRPr lang="id-ID" dirty="0">
+              <a:solidFill>
+                <a:schemeClr val="bg2">
+                  <a:lumMod val="25000"/>
+                </a:schemeClr>
+              </a:solidFill>
+            </a:endParaRPr>
+          </a:p>
+        </p:txBody>
+      </p:sp>
       <p:pic>
         <p:nvPicPr>
-          <p:cNvPr id="8" name="Picture 7"/>
+          <p:cNvPr id="11" name="Picture 10"/>
           <p:cNvPicPr>
             <a:picLocks noChangeAspect="1"/>
           </p:cNvPicPr>
@@ -3743,7 +4281,7 @@
         </p:blipFill>
         <p:spPr>
           <a:xfrm>
-            <a:off x="5526116" y="5493061"/>
+            <a:off x="10725576" y="5871249"/>
             <a:ext cx="1139767" cy="863289"/>
           </a:xfrm>
           <a:prstGeom prst="rect">
@@ -3753,26 +4291,30 @@
       </p:pic>
       <p:pic>
         <p:nvPicPr>
-          <p:cNvPr id="9" name="image06.jpg"/>
-          <p:cNvPicPr/>
-          <p:nvPr/>
+          <p:cNvPr id="7" name="Content Placeholder 6"/>
+          <p:cNvPicPr>
+            <a:picLocks noGrp="1" noChangeAspect="1"/>
+          </p:cNvPicPr>
+          <p:nvPr>
+            <p:ph idx="1"/>
+          </p:nvPr>
         </p:nvPicPr>
-        <p:blipFill>
-          <a:blip r:embed="rId3"/>
-          <a:srcRect/>
-          <a:stretch>
-            <a:fillRect/>
-          </a:stretch>
+        <p:blipFill rotWithShape="1">
+          <a:blip r:embed="rId3">
+            <a:extLst>
+              <a:ext uri="{28A0092B-C50C-407E-A947-70E740481C1C}">
+                <a14:useLocalDpi xmlns:a14="http://schemas.microsoft.com/office/drawing/2010/main" val="0"/>
+              </a:ext>
+            </a:extLst>
+          </a:blip>
+          <a:srcRect b="2762"/>
+          <a:stretch/>
         </p:blipFill>
         <p:spPr>
           <a:xfrm>
-            <a:off x="2312895" y="1223683"/>
-            <a:ext cx="7194176" cy="4134441"/>
-          </a:xfrm>
-          <a:prstGeom prst="rect">
-            <a:avLst/>
-          </a:prstGeom>
-          <a:ln/>
+            <a:off x="1634064" y="707693"/>
+            <a:ext cx="8499921" cy="5627793"/>
+          </a:xfrm>
         </p:spPr>
       </p:pic>
     </p:spTree>
@@ -3814,61 +4356,78 @@
       </p:grpSpPr>
       <p:sp>
         <p:nvSpPr>
-          <p:cNvPr id="2" name="Title 1"/>
-          <p:cNvSpPr>
-            <a:spLocks noGrp="1"/>
-          </p:cNvSpPr>
-          <p:nvPr>
-            <p:ph type="title"/>
-          </p:nvPr>
-        </p:nvSpPr>
-        <p:spPr/>
-        <p:txBody>
-          <a:bodyPr/>
+          <p:cNvPr id="9" name="Rectangle 8"/>
+          <p:cNvSpPr/>
+          <p:nvPr/>
+        </p:nvSpPr>
+        <p:spPr>
+          <a:xfrm>
+            <a:off x="262464" y="666206"/>
+            <a:ext cx="3303695" cy="5473337"/>
+          </a:xfrm>
+          <a:prstGeom prst="rect">
+            <a:avLst/>
+          </a:prstGeom>
+          <a:solidFill>
+            <a:srgbClr val="FFFFFF"/>
+          </a:solidFill>
+          <a:ln>
+            <a:noFill/>
+          </a:ln>
+        </p:spPr>
+        <p:style>
+          <a:lnRef idx="2">
+            <a:schemeClr val="accent1">
+              <a:shade val="50000"/>
+            </a:schemeClr>
+          </a:lnRef>
+          <a:fillRef idx="1">
+            <a:schemeClr val="accent1"/>
+          </a:fillRef>
+          <a:effectRef idx="0">
+            <a:schemeClr val="accent1"/>
+          </a:effectRef>
+          <a:fontRef idx="minor">
+            <a:schemeClr val="lt1"/>
+          </a:fontRef>
+        </p:style>
+        <p:txBody>
+          <a:bodyPr rtlCol="0" anchor="ctr"/>
           <a:lstStyle/>
           <a:p>
             <a:pPr algn="ctr"/>
-            <a:r>
-              <a:rPr lang="id-ID" dirty="0" smtClean="0">
-                <a:solidFill>
-                  <a:schemeClr val="tx2">
-                    <a:lumMod val="50000"/>
-                  </a:schemeClr>
-                </a:solidFill>
-                <a:latin typeface="Akbar" panose="00000400000000000000" pitchFamily="2" charset="0"/>
-              </a:rPr>
-              <a:t>ERD</a:t>
-            </a:r>
-            <a:endParaRPr lang="id-ID" dirty="0">
-              <a:solidFill>
-                <a:schemeClr val="tx2">
-                  <a:lumMod val="50000"/>
-                </a:schemeClr>
-              </a:solidFill>
-              <a:latin typeface="Akbar" panose="00000400000000000000" pitchFamily="2" charset="0"/>
-            </a:endParaRPr>
-          </a:p>
-        </p:txBody>
-      </p:sp>
-      <p:sp>
-        <p:nvSpPr>
-          <p:cNvPr id="3" name="Content Placeholder 2"/>
-          <p:cNvSpPr>
-            <a:spLocks noGrp="1"/>
-          </p:cNvSpPr>
+            <a:endParaRPr lang="id-ID"/>
+          </a:p>
+        </p:txBody>
+      </p:sp>
+      <p:pic>
+        <p:nvPicPr>
+          <p:cNvPr id="7" name="Content Placeholder 6"/>
+          <p:cNvPicPr>
+            <a:picLocks noGrp="1" noChangeAspect="1"/>
+          </p:cNvPicPr>
           <p:nvPr>
             <p:ph idx="1"/>
           </p:nvPr>
-        </p:nvSpPr>
-        <p:spPr/>
-        <p:txBody>
-          <a:bodyPr/>
-          <a:lstStyle/>
-          <a:p>
-            <a:endParaRPr lang="id-ID"/>
-          </a:p>
-        </p:txBody>
-      </p:sp>
+        </p:nvPicPr>
+        <p:blipFill rotWithShape="1">
+          <a:blip r:embed="rId2">
+            <a:extLst>
+              <a:ext uri="{28A0092B-C50C-407E-A947-70E740481C1C}">
+                <a14:useLocalDpi xmlns:a14="http://schemas.microsoft.com/office/drawing/2010/main" val="0"/>
+              </a:ext>
+            </a:extLst>
+          </a:blip>
+          <a:srcRect l="2454" t="2877" r="7994" b="5260"/>
+          <a:stretch/>
+        </p:blipFill>
+        <p:spPr>
+          <a:xfrm>
+            <a:off x="1018900" y="739592"/>
+            <a:ext cx="9484163" cy="5229105"/>
+          </a:xfrm>
+        </p:spPr>
+      </p:pic>
       <p:sp>
         <p:nvSpPr>
           <p:cNvPr id="5" name="Date Placeholder 4"/>
@@ -3886,7 +4445,7 @@
           <a:p>
             <a:fld id="{4D3014AC-81E1-40F1-BC6E-D6E7657D0587}" type="datetime1">
               <a:rPr lang="id-ID" smtClean="0"/>
-              <a:t>20/05/2016</a:t>
+              <a:t>01/06/2016</a:t>
             </a:fld>
             <a:endParaRPr lang="id-ID"/>
           </a:p>
@@ -3938,16 +4497,88 @@
           </a:p>
         </p:txBody>
       </p:sp>
+      <p:sp>
+        <p:nvSpPr>
+          <p:cNvPr id="10" name="Title 1"/>
+          <p:cNvSpPr txBox="1">
+            <a:spLocks/>
+          </p:cNvSpPr>
+          <p:nvPr/>
+        </p:nvSpPr>
+        <p:spPr>
+          <a:xfrm>
+            <a:off x="252920" y="171672"/>
+            <a:ext cx="4972224" cy="752145"/>
+          </a:xfrm>
+          <a:prstGeom prst="rect">
+            <a:avLst/>
+          </a:prstGeom>
+        </p:spPr>
+        <p:txBody>
+          <a:bodyPr vert="horz" lIns="91440" tIns="45720" rIns="91440" bIns="45720" rtlCol="0" anchor="ctr">
+            <a:normAutofit/>
+          </a:bodyPr>
+          <a:lstStyle>
+            <a:lvl1pPr algn="l" defTabSz="914400" rtl="0" eaLnBrk="1" latinLnBrk="0" hangingPunct="1">
+              <a:lnSpc>
+                <a:spcPct val="90000"/>
+              </a:lnSpc>
+              <a:spcBef>
+                <a:spcPct val="0"/>
+              </a:spcBef>
+              <a:buNone/>
+              <a:defRPr sz="3600" kern="1200" spc="-60" baseline="0">
+                <a:solidFill>
+                  <a:srgbClr val="FFFFFF"/>
+                </a:solidFill>
+                <a:latin typeface="+mj-lt"/>
+                <a:ea typeface="+mj-ea"/>
+                <a:cs typeface="+mj-cs"/>
+              </a:defRPr>
+            </a:lvl1pPr>
+          </a:lstStyle>
+          <a:p>
+            <a:pPr algn="ctr"/>
+            <a:r>
+              <a:rPr lang="id-ID" sz="3200" b="1" dirty="0" smtClean="0">
+                <a:solidFill>
+                  <a:schemeClr val="tx2">
+                    <a:lumMod val="50000"/>
+                  </a:schemeClr>
+                </a:solidFill>
+              </a:rPr>
+              <a:t>Entity Relationship </a:t>
+            </a:r>
+            <a:r>
+              <a:rPr lang="id-ID" sz="3200" dirty="0" smtClean="0">
+                <a:solidFill>
+                  <a:schemeClr val="tx2">
+                    <a:lumMod val="50000"/>
+                  </a:schemeClr>
+                </a:solidFill>
+              </a:rPr>
+              <a:t>Diagram</a:t>
+            </a:r>
+            <a:endParaRPr lang="id-ID" sz="3200" dirty="0">
+              <a:solidFill>
+                <a:schemeClr val="bg2">
+                  <a:lumMod val="25000"/>
+                </a:schemeClr>
+              </a:solidFill>
+            </a:endParaRPr>
+          </a:p>
+        </p:txBody>
+      </p:sp>
       <p:pic>
         <p:nvPicPr>
-          <p:cNvPr id="8" name="Picture 7"/>
+          <p:cNvPr id="11" name="Picture 10"/>
           <p:cNvPicPr>
             <a:picLocks noChangeAspect="1"/>
           </p:cNvPicPr>
           <p:nvPr/>
         </p:nvPicPr>
         <p:blipFill>
-          <a:blip r:embed="rId2">
+          <a:blip r:embed="rId3">
             <a:extLst>
               <a:ext uri="{28A0092B-C50C-407E-A947-70E740481C1C}">
                 <a14:useLocalDpi xmlns:a14="http://schemas.microsoft.com/office/drawing/2010/main" val="0"/>
@@ -3960,36 +4591,12 @@
         </p:blipFill>
         <p:spPr>
           <a:xfrm>
-            <a:off x="5526116" y="5493061"/>
+            <a:off x="10725576" y="5871249"/>
             <a:ext cx="1139767" cy="863289"/>
           </a:xfrm>
           <a:prstGeom prst="rect">
             <a:avLst/>
           </a:prstGeom>
-        </p:spPr>
-      </p:pic>
-      <p:pic>
-        <p:nvPicPr>
-          <p:cNvPr id="9" name="image02.png" descr="ERD.png"/>
-          <p:cNvPicPr/>
-          <p:nvPr/>
-        </p:nvPicPr>
-        <p:blipFill>
-          <a:blip r:embed="rId3"/>
-          <a:srcRect/>
-          <a:stretch>
-            <a:fillRect/>
-          </a:stretch>
-        </p:blipFill>
-        <p:spPr>
-          <a:xfrm>
-            <a:off x="2191871" y="1385047"/>
-            <a:ext cx="7960658" cy="3973077"/>
-          </a:xfrm>
-          <a:prstGeom prst="rect">
-            <a:avLst/>
-          </a:prstGeom>
-          <a:ln/>
         </p:spPr>
       </p:pic>
     </p:spTree>
@@ -4031,6 +4638,78 @@
       </p:grpSpPr>
       <p:sp>
         <p:nvSpPr>
+          <p:cNvPr id="10" name="Title 1"/>
+          <p:cNvSpPr txBox="1">
+            <a:spLocks/>
+          </p:cNvSpPr>
+          <p:nvPr/>
+        </p:nvSpPr>
+        <p:spPr>
+          <a:xfrm>
+            <a:off x="262464" y="-33844"/>
+            <a:ext cx="4972224" cy="912503"/>
+          </a:xfrm>
+          <a:prstGeom prst="rect">
+            <a:avLst/>
+          </a:prstGeom>
+        </p:spPr>
+        <p:txBody>
+          <a:bodyPr vert="horz" lIns="91440" tIns="45720" rIns="91440" bIns="45720" rtlCol="0" anchor="ctr">
+            <a:normAutofit/>
+          </a:bodyPr>
+          <a:lstStyle>
+            <a:lvl1pPr algn="l" defTabSz="914400" rtl="0" eaLnBrk="1" latinLnBrk="0" hangingPunct="1">
+              <a:lnSpc>
+                <a:spcPct val="90000"/>
+              </a:lnSpc>
+              <a:spcBef>
+                <a:spcPct val="0"/>
+              </a:spcBef>
+              <a:buNone/>
+              <a:defRPr sz="3600" kern="1200" spc="-60" baseline="0">
+                <a:solidFill>
+                  <a:srgbClr val="FFFFFF"/>
+                </a:solidFill>
+                <a:latin typeface="+mj-lt"/>
+                <a:ea typeface="+mj-ea"/>
+                <a:cs typeface="+mj-cs"/>
+              </a:defRPr>
+            </a:lvl1pPr>
+          </a:lstStyle>
+          <a:p>
+            <a:pPr algn="ctr"/>
+            <a:r>
+              <a:rPr lang="id-ID" sz="3200" b="1" dirty="0" smtClean="0">
+                <a:solidFill>
+                  <a:schemeClr val="tx2">
+                    <a:lumMod val="50000"/>
+                  </a:schemeClr>
+                </a:solidFill>
+              </a:rPr>
+              <a:t>Demo Aplikasi – </a:t>
+            </a:r>
+            <a:r>
+              <a:rPr lang="id-ID" sz="1600" dirty="0" smtClean="0">
+                <a:solidFill>
+                  <a:schemeClr val="bg2">
+                    <a:lumMod val="25000"/>
+                  </a:schemeClr>
+                </a:solidFill>
+              </a:rPr>
+              <a:t>http://adaflorist.hol.es</a:t>
+            </a:r>
+            <a:endParaRPr lang="id-ID" sz="3200" dirty="0">
+              <a:solidFill>
+                <a:schemeClr val="bg2">
+                  <a:lumMod val="25000"/>
+                </a:schemeClr>
+              </a:solidFill>
+            </a:endParaRPr>
+          </a:p>
+        </p:txBody>
+      </p:sp>
+      <p:sp>
+        <p:nvSpPr>
           <p:cNvPr id="2" name="Title 1"/>
           <p:cNvSpPr>
             <a:spLocks noGrp="1"/>
@@ -4049,9 +4728,9 @@
               <a:rPr lang="en-US" dirty="0" smtClean="0">
                 <a:latin typeface="Akbar" panose="00000400000000000000" pitchFamily="2" charset="0"/>
               </a:rPr>
-              <a:t>User Guide</a:t>
-            </a:r>
-            <a:endParaRPr lang="id-ID" dirty="0">
+              <a:t>DEMO</a:t>
+            </a:r>
+            <a:endParaRPr lang="en-GB" dirty="0">
               <a:latin typeface="Akbar" panose="00000400000000000000" pitchFamily="2" charset="0"/>
             </a:endParaRPr>
           </a:p>
@@ -4059,7 +4738,7 @@
       </p:sp>
       <p:sp>
         <p:nvSpPr>
-          <p:cNvPr id="5" name="Date Placeholder 4"/>
+          <p:cNvPr id="4" name="Date Placeholder 3"/>
           <p:cNvSpPr>
             <a:spLocks noGrp="1"/>
           </p:cNvSpPr>
@@ -4072,9 +4751,9 @@
           <a:bodyPr/>
           <a:lstStyle/>
           <a:p>
-            <a:fld id="{B239C166-4514-4278-9615-13DBE81628A7}" type="datetime1">
+            <a:fld id="{41D63B76-0623-4321-BC42-4D137B8B4448}" type="datetime1">
               <a:rPr lang="id-ID" smtClean="0"/>
-              <a:t>20/05/2016</a:t>
+              <a:t>01/06/2016</a:t>
             </a:fld>
             <a:endParaRPr lang="id-ID"/>
           </a:p>
@@ -4082,7 +4761,7 @@
       </p:sp>
       <p:sp>
         <p:nvSpPr>
-          <p:cNvPr id="4" name="Footer Placeholder 3"/>
+          <p:cNvPr id="5" name="Footer Placeholder 4"/>
           <p:cNvSpPr>
             <a:spLocks noGrp="1"/>
           </p:cNvSpPr>
@@ -4148,7 +4827,7 @@
         </p:blipFill>
         <p:spPr>
           <a:xfrm>
-            <a:off x="5526116" y="5493061"/>
+            <a:off x="10725576" y="5871249"/>
             <a:ext cx="1139767" cy="863289"/>
           </a:xfrm>
           <a:prstGeom prst="rect">
@@ -4158,1866 +4837,67 @@
       </p:pic>
       <p:sp>
         <p:nvSpPr>
-          <p:cNvPr id="10" name="TextBox 9"/>
-          <p:cNvSpPr txBox="1"/>
+          <p:cNvPr id="9" name="Rectangle 8"/>
+          <p:cNvSpPr/>
           <p:nvPr/>
         </p:nvSpPr>
         <p:spPr>
           <a:xfrm>
-            <a:off x="2433918" y="4679576"/>
-            <a:ext cx="7180729" cy="369332"/>
+            <a:off x="262464" y="666206"/>
+            <a:ext cx="3303695" cy="5473337"/>
           </a:xfrm>
           <a:prstGeom prst="rect">
             <a:avLst/>
           </a:prstGeom>
-          <a:noFill/>
+          <a:solidFill>
+            <a:srgbClr val="FFFFFF"/>
+          </a:solidFill>
+          <a:ln>
+            <a:noFill/>
+          </a:ln>
         </p:spPr>
-        <p:txBody>
-          <a:bodyPr wrap="square" rtlCol="0">
-            <a:spAutoFit/>
-          </a:bodyPr>
-          <a:lstStyle/>
-          <a:p>
-            <a:r>
-              <a:rPr lang="en-US" dirty="0" smtClean="0"/>
-              <a:t>c</a:t>
-            </a:r>
-            <a:endParaRPr lang="en-GB" dirty="0"/>
-          </a:p>
-        </p:txBody>
-      </p:sp>
-      <p:sp>
-        <p:nvSpPr>
-          <p:cNvPr id="11" name="Content Placeholder 10"/>
-          <p:cNvSpPr>
-            <a:spLocks noGrp="1"/>
-          </p:cNvSpPr>
-          <p:nvPr>
-            <p:ph idx="1"/>
-          </p:nvPr>
-        </p:nvSpPr>
-        <p:spPr>
-          <a:xfrm>
-            <a:off x="838199" y="1351291"/>
-            <a:ext cx="10515600" cy="4351338"/>
-          </a:xfrm>
-        </p:spPr>
-        <p:txBody>
-          <a:bodyPr/>
-          <a:lstStyle/>
-          <a:p>
-            <a:pPr marL="514350" indent="-514350">
-              <a:buFont typeface="+mj-lt"/>
-              <a:buAutoNum type="arabicPeriod"/>
-            </a:pPr>
-            <a:r>
-              <a:rPr lang="en-US" dirty="0" err="1" smtClean="0">
-                <a:latin typeface="Akbar" panose="00000400000000000000" pitchFamily="2" charset="0"/>
-              </a:rPr>
-              <a:t>Lihat</a:t>
-            </a:r>
-            <a:r>
-              <a:rPr lang="en-US" dirty="0" smtClean="0">
-                <a:latin typeface="Akbar" panose="00000400000000000000" pitchFamily="2" charset="0"/>
-              </a:rPr>
-              <a:t> </a:t>
-            </a:r>
-            <a:r>
-              <a:rPr lang="en-US" dirty="0" err="1" smtClean="0">
-                <a:latin typeface="Akbar" panose="00000400000000000000" pitchFamily="2" charset="0"/>
-              </a:rPr>
-              <a:t>Tanaman</a:t>
-            </a:r>
-            <a:r>
-              <a:rPr lang="en-US" dirty="0" smtClean="0">
-                <a:latin typeface="Akbar" panose="00000400000000000000" pitchFamily="2" charset="0"/>
-              </a:rPr>
-              <a:t> </a:t>
-            </a:r>
-            <a:endParaRPr lang="en-GB" dirty="0" smtClean="0">
-              <a:latin typeface="Akbar" panose="00000400000000000000" pitchFamily="2" charset="0"/>
-            </a:endParaRPr>
-          </a:p>
-          <a:p>
-            <a:pPr marL="0" indent="0">
-              <a:buNone/>
-            </a:pPr>
-            <a:endParaRPr lang="en-US" dirty="0" smtClean="0">
-              <a:latin typeface="Akbar" panose="00000400000000000000" pitchFamily="2" charset="0"/>
-            </a:endParaRPr>
+        <p:style>
+          <a:lnRef idx="2">
+            <a:schemeClr val="accent1">
+              <a:shade val="50000"/>
+            </a:schemeClr>
+          </a:lnRef>
+          <a:fillRef idx="1">
+            <a:schemeClr val="accent1"/>
+          </a:fillRef>
+          <a:effectRef idx="0">
+            <a:schemeClr val="accent1"/>
+          </a:effectRef>
+          <a:fontRef idx="minor">
+            <a:schemeClr val="lt1"/>
+          </a:fontRef>
+        </p:style>
+        <p:txBody>
+          <a:bodyPr rtlCol="0" anchor="ctr"/>
+          <a:lstStyle/>
+          <a:p>
+            <a:pPr algn="ctr"/>
+            <a:endParaRPr lang="id-ID"/>
           </a:p>
         </p:txBody>
       </p:sp>
       <p:pic>
         <p:nvPicPr>
-          <p:cNvPr id="12" name="Picture 11"/>
+          <p:cNvPr id="11" name="Picture 10"/>
           <p:cNvPicPr>
             <a:picLocks noChangeAspect="1"/>
           </p:cNvPicPr>
           <p:nvPr/>
         </p:nvPicPr>
-        <p:blipFill>
-          <a:blip r:embed="rId3">
-            <a:extLst>
-              <a:ext uri="{28A0092B-C50C-407E-A947-70E740481C1C}">
-                <a14:useLocalDpi xmlns:a14="http://schemas.microsoft.com/office/drawing/2010/main" val="0"/>
-              </a:ext>
-            </a:extLst>
-          </a:blip>
-          <a:stretch>
-            <a:fillRect/>
-          </a:stretch>
+        <p:blipFill rotWithShape="1">
+          <a:blip r:embed="rId3"/>
+          <a:srcRect t="3930" b="5554"/>
+          <a:stretch/>
         </p:blipFill>
         <p:spPr>
           <a:xfrm>
-            <a:off x="2433917" y="1881188"/>
-            <a:ext cx="7181850" cy="3105150"/>
-          </a:xfrm>
-          <a:prstGeom prst="rect">
-            <a:avLst/>
-          </a:prstGeom>
-        </p:spPr>
-      </p:pic>
-      <p:sp>
-        <p:nvSpPr>
-          <p:cNvPr id="13" name="TextBox 12"/>
-          <p:cNvSpPr txBox="1"/>
-          <p:nvPr/>
-        </p:nvSpPr>
-        <p:spPr>
-          <a:xfrm>
-            <a:off x="2209800" y="4864242"/>
-            <a:ext cx="7404847" cy="646331"/>
-          </a:xfrm>
-          <a:prstGeom prst="rect">
-            <a:avLst/>
-          </a:prstGeom>
-          <a:noFill/>
-        </p:spPr>
-        <p:txBody>
-          <a:bodyPr wrap="square" rtlCol="0">
-            <a:spAutoFit/>
-          </a:bodyPr>
-          <a:lstStyle/>
-          <a:p>
-            <a:pPr algn="just"/>
-            <a:r>
-              <a:rPr lang="en-US" dirty="0" smtClean="0">
-                <a:latin typeface="Akbar" panose="00000400000000000000" pitchFamily="2" charset="0"/>
-              </a:rPr>
-              <a:t>Customer </a:t>
-            </a:r>
-            <a:r>
-              <a:rPr lang="en-GB" dirty="0" err="1">
-                <a:latin typeface="Akbar" panose="00000400000000000000" pitchFamily="2" charset="0"/>
-              </a:rPr>
-              <a:t>dapat</a:t>
-            </a:r>
-            <a:r>
-              <a:rPr lang="en-GB" dirty="0">
-                <a:latin typeface="Akbar" panose="00000400000000000000" pitchFamily="2" charset="0"/>
-              </a:rPr>
-              <a:t> </a:t>
-            </a:r>
-            <a:r>
-              <a:rPr lang="en-GB" dirty="0" err="1">
-                <a:latin typeface="Akbar" panose="00000400000000000000" pitchFamily="2" charset="0"/>
-              </a:rPr>
-              <a:t>melihat</a:t>
-            </a:r>
-            <a:r>
-              <a:rPr lang="en-GB" dirty="0">
-                <a:latin typeface="Akbar" panose="00000400000000000000" pitchFamily="2" charset="0"/>
-              </a:rPr>
-              <a:t> </a:t>
-            </a:r>
-            <a:r>
-              <a:rPr lang="en-GB" dirty="0" err="1">
-                <a:latin typeface="Akbar" panose="00000400000000000000" pitchFamily="2" charset="0"/>
-              </a:rPr>
-              <a:t>tanaman</a:t>
-            </a:r>
-            <a:r>
-              <a:rPr lang="en-GB" dirty="0">
-                <a:latin typeface="Akbar" panose="00000400000000000000" pitchFamily="2" charset="0"/>
-              </a:rPr>
-              <a:t> yang </a:t>
-            </a:r>
-            <a:r>
-              <a:rPr lang="en-GB" dirty="0" err="1">
-                <a:latin typeface="Akbar" panose="00000400000000000000" pitchFamily="2" charset="0"/>
-              </a:rPr>
-              <a:t>akan</a:t>
-            </a:r>
-            <a:r>
-              <a:rPr lang="en-GB" dirty="0">
-                <a:latin typeface="Akbar" panose="00000400000000000000" pitchFamily="2" charset="0"/>
-              </a:rPr>
-              <a:t> </a:t>
-            </a:r>
-            <a:r>
-              <a:rPr lang="en-GB" dirty="0" err="1">
-                <a:latin typeface="Akbar" panose="00000400000000000000" pitchFamily="2" charset="0"/>
-              </a:rPr>
-              <a:t>dibeli</a:t>
-            </a:r>
-            <a:r>
-              <a:rPr lang="en-GB" dirty="0">
-                <a:latin typeface="Akbar" panose="00000400000000000000" pitchFamily="2" charset="0"/>
-              </a:rPr>
-              <a:t> </a:t>
-            </a:r>
-            <a:r>
-              <a:rPr lang="en-GB" dirty="0" err="1">
-                <a:latin typeface="Akbar" panose="00000400000000000000" pitchFamily="2" charset="0"/>
-              </a:rPr>
-              <a:t>dari</a:t>
-            </a:r>
-            <a:r>
-              <a:rPr lang="en-GB" dirty="0">
-                <a:latin typeface="Akbar" panose="00000400000000000000" pitchFamily="2" charset="0"/>
-              </a:rPr>
-              <a:t> </a:t>
-            </a:r>
-            <a:r>
-              <a:rPr lang="en-GB" dirty="0" err="1">
-                <a:latin typeface="Akbar" panose="00000400000000000000" pitchFamily="2" charset="0"/>
-              </a:rPr>
-              <a:t>beberapa</a:t>
-            </a:r>
-            <a:r>
-              <a:rPr lang="en-GB" dirty="0">
-                <a:latin typeface="Akbar" panose="00000400000000000000" pitchFamily="2" charset="0"/>
-              </a:rPr>
-              <a:t> </a:t>
-            </a:r>
-            <a:r>
-              <a:rPr lang="en-GB" dirty="0" err="1">
-                <a:latin typeface="Akbar" panose="00000400000000000000" pitchFamily="2" charset="0"/>
-              </a:rPr>
-              <a:t>kategori</a:t>
-            </a:r>
-            <a:r>
-              <a:rPr lang="en-GB" dirty="0">
-                <a:latin typeface="Akbar" panose="00000400000000000000" pitchFamily="2" charset="0"/>
-              </a:rPr>
-              <a:t> yang </a:t>
-            </a:r>
-            <a:r>
-              <a:rPr lang="en-GB" dirty="0" err="1">
-                <a:latin typeface="Akbar" panose="00000400000000000000" pitchFamily="2" charset="0"/>
-              </a:rPr>
-              <a:t>telah</a:t>
-            </a:r>
-            <a:r>
-              <a:rPr lang="en-GB" dirty="0">
-                <a:latin typeface="Akbar" panose="00000400000000000000" pitchFamily="2" charset="0"/>
-              </a:rPr>
-              <a:t> </a:t>
-            </a:r>
-            <a:r>
-              <a:rPr lang="en-GB" dirty="0" err="1">
-                <a:latin typeface="Akbar" panose="00000400000000000000" pitchFamily="2" charset="0"/>
-              </a:rPr>
-              <a:t>disediakan</a:t>
-            </a:r>
-            <a:r>
-              <a:rPr lang="en-GB" dirty="0">
-                <a:latin typeface="Akbar" panose="00000400000000000000" pitchFamily="2" charset="0"/>
-              </a:rPr>
-              <a:t>.</a:t>
-            </a:r>
-          </a:p>
-        </p:txBody>
-      </p:sp>
-    </p:spTree>
-    <p:extLst>
-      <p:ext uri="{BB962C8B-B14F-4D97-AF65-F5344CB8AC3E}">
-        <p14:creationId xmlns:p14="http://schemas.microsoft.com/office/powerpoint/2010/main" val="1572352440"/>
-      </p:ext>
-    </p:extLst>
-  </p:cSld>
-  <p:clrMapOvr>
-    <a:masterClrMapping/>
-  </p:clrMapOvr>
-  <p:timing>
-    <p:tnLst>
-      <p:par>
-        <p:cTn id="1" dur="indefinite" restart="never" nodeType="tmRoot"/>
-      </p:par>
-    </p:tnLst>
-  </p:timing>
-</p:sld>
-</file>
-
-<file path=ppt/slides/slide13.xml><?xml version="1.0" encoding="utf-8"?>
-<p:sld xmlns:a="http://schemas.openxmlformats.org/drawingml/2006/main" xmlns:r="http://schemas.openxmlformats.org/officeDocument/2006/relationships" xmlns:p="http://schemas.openxmlformats.org/presentationml/2006/main">
-  <p:cSld>
-    <p:spTree>
-      <p:nvGrpSpPr>
-        <p:cNvPr id="1" name=""/>
-        <p:cNvGrpSpPr/>
-        <p:nvPr/>
-      </p:nvGrpSpPr>
-      <p:grpSpPr>
-        <a:xfrm>
-          <a:off x="0" y="0"/>
-          <a:ext cx="0" cy="0"/>
-          <a:chOff x="0" y="0"/>
-          <a:chExt cx="0" cy="0"/>
-        </a:xfrm>
-      </p:grpSpPr>
-      <p:sp>
-        <p:nvSpPr>
-          <p:cNvPr id="3" name="Content Placeholder 2"/>
-          <p:cNvSpPr>
-            <a:spLocks noGrp="1"/>
-          </p:cNvSpPr>
-          <p:nvPr>
-            <p:ph idx="1"/>
-          </p:nvPr>
-        </p:nvSpPr>
-        <p:spPr>
-          <a:xfrm>
-            <a:off x="838200" y="874853"/>
-            <a:ext cx="10515600" cy="4351338"/>
-          </a:xfrm>
-        </p:spPr>
-        <p:txBody>
-          <a:bodyPr/>
-          <a:lstStyle/>
-          <a:p>
-            <a:pPr marL="514350" indent="-514350">
-              <a:buFont typeface="+mj-lt"/>
-              <a:buAutoNum type="arabicPeriod" startAt="2"/>
-            </a:pPr>
-            <a:r>
-              <a:rPr lang="en-US" dirty="0" err="1" smtClean="0">
-                <a:latin typeface="Akbar" panose="00000400000000000000" pitchFamily="2" charset="0"/>
-              </a:rPr>
-              <a:t>Beli</a:t>
-            </a:r>
-            <a:r>
-              <a:rPr lang="en-US" dirty="0" smtClean="0">
-                <a:latin typeface="Akbar" panose="00000400000000000000" pitchFamily="2" charset="0"/>
-              </a:rPr>
-              <a:t> </a:t>
-            </a:r>
-            <a:r>
-              <a:rPr lang="en-US" dirty="0" err="1" smtClean="0">
-                <a:latin typeface="Akbar" panose="00000400000000000000" pitchFamily="2" charset="0"/>
-              </a:rPr>
-              <a:t>Tanaman</a:t>
-            </a:r>
-            <a:endParaRPr lang="en-US" dirty="0" smtClean="0">
-              <a:latin typeface="Akbar" panose="00000400000000000000" pitchFamily="2" charset="0"/>
-            </a:endParaRPr>
-          </a:p>
-          <a:p>
-            <a:pPr marL="0" indent="0">
-              <a:buNone/>
-            </a:pPr>
-            <a:endParaRPr lang="en-GB" dirty="0">
-              <a:latin typeface="Akbar" panose="00000400000000000000" pitchFamily="2" charset="0"/>
-            </a:endParaRPr>
-          </a:p>
-        </p:txBody>
-      </p:sp>
-      <p:sp>
-        <p:nvSpPr>
-          <p:cNvPr id="4" name="Date Placeholder 3"/>
-          <p:cNvSpPr>
-            <a:spLocks noGrp="1"/>
-          </p:cNvSpPr>
-          <p:nvPr>
-            <p:ph type="dt" sz="half" idx="10"/>
-          </p:nvPr>
-        </p:nvSpPr>
-        <p:spPr/>
-        <p:txBody>
-          <a:bodyPr/>
-          <a:lstStyle/>
-          <a:p>
-            <a:fld id="{41D63B76-0623-4321-BC42-4D137B8B4448}" type="datetime1">
-              <a:rPr lang="id-ID" smtClean="0"/>
-              <a:t>20/05/2016</a:t>
-            </a:fld>
-            <a:endParaRPr lang="id-ID"/>
-          </a:p>
-        </p:txBody>
-      </p:sp>
-      <p:sp>
-        <p:nvSpPr>
-          <p:cNvPr id="5" name="Footer Placeholder 4"/>
-          <p:cNvSpPr>
-            <a:spLocks noGrp="1"/>
-          </p:cNvSpPr>
-          <p:nvPr>
-            <p:ph type="ftr" sz="quarter" idx="11"/>
-          </p:nvPr>
-        </p:nvSpPr>
-        <p:spPr/>
-        <p:txBody>
-          <a:bodyPr/>
-          <a:lstStyle/>
-          <a:p>
-            <a:r>
-              <a:rPr lang="id-ID" sz="2400" dirty="0" smtClean="0"/>
-              <a:t>ADAFlorist</a:t>
-            </a:r>
-            <a:endParaRPr lang="id-ID" sz="2400" dirty="0"/>
-          </a:p>
-        </p:txBody>
-      </p:sp>
-      <p:sp>
-        <p:nvSpPr>
-          <p:cNvPr id="6" name="Slide Number Placeholder 5"/>
-          <p:cNvSpPr>
-            <a:spLocks noGrp="1"/>
-          </p:cNvSpPr>
-          <p:nvPr>
-            <p:ph type="sldNum" sz="quarter" idx="12"/>
-          </p:nvPr>
-        </p:nvSpPr>
-        <p:spPr/>
-        <p:txBody>
-          <a:bodyPr/>
-          <a:lstStyle/>
-          <a:p>
-            <a:fld id="{341160B5-8B05-4C1D-A560-A339698AF343}" type="slidenum">
-              <a:rPr lang="id-ID" smtClean="0"/>
-              <a:t>13</a:t>
-            </a:fld>
-            <a:endParaRPr lang="id-ID"/>
-          </a:p>
-        </p:txBody>
-      </p:sp>
-      <p:pic>
-        <p:nvPicPr>
-          <p:cNvPr id="7" name="Picture 6"/>
-          <p:cNvPicPr>
-            <a:picLocks noChangeAspect="1"/>
-          </p:cNvPicPr>
-          <p:nvPr/>
-        </p:nvPicPr>
-        <p:blipFill>
-          <a:blip r:embed="rId2">
-            <a:extLst>
-              <a:ext uri="{28A0092B-C50C-407E-A947-70E740481C1C}">
-                <a14:useLocalDpi xmlns:a14="http://schemas.microsoft.com/office/drawing/2010/main" val="0"/>
-              </a:ext>
-            </a:extLst>
-          </a:blip>
-          <a:stretch>
-            <a:fillRect/>
-          </a:stretch>
-        </p:blipFill>
-        <p:spPr>
-          <a:xfrm>
-            <a:off x="2471736" y="1340784"/>
-            <a:ext cx="7248525" cy="3419475"/>
-          </a:xfrm>
-          <a:prstGeom prst="rect">
-            <a:avLst/>
-          </a:prstGeom>
-        </p:spPr>
-      </p:pic>
-      <p:sp>
-        <p:nvSpPr>
-          <p:cNvPr id="8" name="TextBox 7"/>
-          <p:cNvSpPr txBox="1"/>
-          <p:nvPr/>
-        </p:nvSpPr>
-        <p:spPr>
-          <a:xfrm>
-            <a:off x="2471736" y="4903024"/>
-            <a:ext cx="7248525" cy="646331"/>
-          </a:xfrm>
-          <a:prstGeom prst="rect">
-            <a:avLst/>
-          </a:prstGeom>
-          <a:noFill/>
-        </p:spPr>
-        <p:txBody>
-          <a:bodyPr wrap="square" rtlCol="0">
-            <a:spAutoFit/>
-          </a:bodyPr>
-          <a:lstStyle/>
-          <a:p>
-            <a:pPr algn="just"/>
-            <a:r>
-              <a:rPr lang="en-GB" dirty="0" smtClean="0">
-                <a:latin typeface="Akbar" panose="00000400000000000000" pitchFamily="2" charset="0"/>
-              </a:rPr>
-              <a:t>Customer </a:t>
-            </a:r>
-            <a:r>
-              <a:rPr lang="en-GB" dirty="0" err="1" smtClean="0">
-                <a:latin typeface="Akbar" panose="00000400000000000000" pitchFamily="2" charset="0"/>
-              </a:rPr>
-              <a:t>memilih</a:t>
-            </a:r>
-            <a:r>
-              <a:rPr lang="en-GB" dirty="0" smtClean="0">
-                <a:latin typeface="Akbar" panose="00000400000000000000" pitchFamily="2" charset="0"/>
-              </a:rPr>
-              <a:t> </a:t>
-            </a:r>
-            <a:r>
-              <a:rPr lang="en-GB" dirty="0" err="1" smtClean="0">
-                <a:latin typeface="Akbar" panose="00000400000000000000" pitchFamily="2" charset="0"/>
-              </a:rPr>
-              <a:t>tanaman</a:t>
-            </a:r>
-            <a:r>
-              <a:rPr lang="en-GB" dirty="0" smtClean="0">
-                <a:latin typeface="Akbar" panose="00000400000000000000" pitchFamily="2" charset="0"/>
-              </a:rPr>
-              <a:t> yang </a:t>
-            </a:r>
-            <a:r>
-              <a:rPr lang="en-GB" dirty="0" err="1" smtClean="0">
-                <a:latin typeface="Akbar" panose="00000400000000000000" pitchFamily="2" charset="0"/>
-              </a:rPr>
-              <a:t>diinginkan</a:t>
-            </a:r>
-            <a:r>
-              <a:rPr lang="en-GB" dirty="0" smtClean="0">
-                <a:latin typeface="Akbar" panose="00000400000000000000" pitchFamily="2" charset="0"/>
-              </a:rPr>
-              <a:t> </a:t>
-            </a:r>
-            <a:r>
-              <a:rPr lang="en-GB" dirty="0" err="1">
-                <a:latin typeface="Akbar" panose="00000400000000000000" pitchFamily="2" charset="0"/>
-              </a:rPr>
-              <a:t>kemudian</a:t>
-            </a:r>
-            <a:r>
-              <a:rPr lang="en-GB" dirty="0">
-                <a:latin typeface="Akbar" panose="00000400000000000000" pitchFamily="2" charset="0"/>
-              </a:rPr>
-              <a:t> </a:t>
-            </a:r>
-            <a:r>
-              <a:rPr lang="en-GB" dirty="0" err="1">
-                <a:latin typeface="Akbar" panose="00000400000000000000" pitchFamily="2" charset="0"/>
-              </a:rPr>
-              <a:t>klik</a:t>
-            </a:r>
-            <a:r>
-              <a:rPr lang="en-GB" dirty="0">
-                <a:latin typeface="Akbar" panose="00000400000000000000" pitchFamily="2" charset="0"/>
-              </a:rPr>
-              <a:t> </a:t>
-            </a:r>
-            <a:r>
-              <a:rPr lang="en-GB" dirty="0" err="1">
-                <a:latin typeface="Akbar" panose="00000400000000000000" pitchFamily="2" charset="0"/>
-              </a:rPr>
-              <a:t>Beli</a:t>
-            </a:r>
-            <a:r>
-              <a:rPr lang="en-GB" dirty="0">
-                <a:latin typeface="Akbar" panose="00000400000000000000" pitchFamily="2" charset="0"/>
-              </a:rPr>
-              <a:t> </a:t>
-            </a:r>
-            <a:r>
-              <a:rPr lang="en-GB" dirty="0" err="1">
-                <a:latin typeface="Akbar" panose="00000400000000000000" pitchFamily="2" charset="0"/>
-              </a:rPr>
-              <a:t>Sekarang</a:t>
-            </a:r>
-            <a:r>
-              <a:rPr lang="en-GB" dirty="0">
-                <a:latin typeface="Akbar" panose="00000400000000000000" pitchFamily="2" charset="0"/>
-              </a:rPr>
-              <a:t>.</a:t>
-            </a:r>
-          </a:p>
-        </p:txBody>
-      </p:sp>
-      <p:pic>
-        <p:nvPicPr>
-          <p:cNvPr id="9" name="Picture 8"/>
-          <p:cNvPicPr>
-            <a:picLocks noChangeAspect="1"/>
-          </p:cNvPicPr>
-          <p:nvPr/>
-        </p:nvPicPr>
-        <p:blipFill>
-          <a:blip r:embed="rId3">
-            <a:extLst>
-              <a:ext uri="{28A0092B-C50C-407E-A947-70E740481C1C}">
-                <a14:useLocalDpi xmlns:a14="http://schemas.microsoft.com/office/drawing/2010/main" val="0"/>
-              </a:ext>
-            </a:extLst>
-          </a:blip>
-          <a:stretch>
-            <a:fillRect/>
-          </a:stretch>
-        </p:blipFill>
-        <p:spPr>
-          <a:xfrm>
-            <a:off x="5526116" y="5493061"/>
-            <a:ext cx="1139767" cy="863289"/>
-          </a:xfrm>
-          <a:prstGeom prst="rect">
-            <a:avLst/>
-          </a:prstGeom>
-        </p:spPr>
-      </p:pic>
-    </p:spTree>
-    <p:extLst>
-      <p:ext uri="{BB962C8B-B14F-4D97-AF65-F5344CB8AC3E}">
-        <p14:creationId xmlns:p14="http://schemas.microsoft.com/office/powerpoint/2010/main" val="389222012"/>
-      </p:ext>
-    </p:extLst>
-  </p:cSld>
-  <p:clrMapOvr>
-    <a:masterClrMapping/>
-  </p:clrMapOvr>
-  <p:timing>
-    <p:tnLst>
-      <p:par>
-        <p:cTn id="1" dur="indefinite" restart="never" nodeType="tmRoot"/>
-      </p:par>
-    </p:tnLst>
-  </p:timing>
-</p:sld>
-</file>
-
-<file path=ppt/slides/slide14.xml><?xml version="1.0" encoding="utf-8"?>
-<p:sld xmlns:a="http://schemas.openxmlformats.org/drawingml/2006/main" xmlns:r="http://schemas.openxmlformats.org/officeDocument/2006/relationships" xmlns:p="http://schemas.openxmlformats.org/presentationml/2006/main">
-  <p:cSld>
-    <p:spTree>
-      <p:nvGrpSpPr>
-        <p:cNvPr id="1" name=""/>
-        <p:cNvGrpSpPr/>
-        <p:nvPr/>
-      </p:nvGrpSpPr>
-      <p:grpSpPr>
-        <a:xfrm>
-          <a:off x="0" y="0"/>
-          <a:ext cx="0" cy="0"/>
-          <a:chOff x="0" y="0"/>
-          <a:chExt cx="0" cy="0"/>
-        </a:xfrm>
-      </p:grpSpPr>
-      <p:sp>
-        <p:nvSpPr>
-          <p:cNvPr id="3" name="Content Placeholder 2"/>
-          <p:cNvSpPr>
-            <a:spLocks noGrp="1"/>
-          </p:cNvSpPr>
-          <p:nvPr>
-            <p:ph idx="1"/>
-          </p:nvPr>
-        </p:nvSpPr>
-        <p:spPr>
-          <a:xfrm>
-            <a:off x="838200" y="874853"/>
-            <a:ext cx="10515600" cy="4351338"/>
-          </a:xfrm>
-        </p:spPr>
-        <p:txBody>
-          <a:bodyPr/>
-          <a:lstStyle/>
-          <a:p>
-            <a:pPr marL="514350" indent="-514350">
-              <a:buFont typeface="+mj-lt"/>
-              <a:buAutoNum type="arabicPeriod" startAt="3"/>
-            </a:pPr>
-            <a:r>
-              <a:rPr lang="en-US" dirty="0" smtClean="0">
-                <a:latin typeface="Akbar" panose="00000400000000000000" pitchFamily="2" charset="0"/>
-              </a:rPr>
-              <a:t>Isi </a:t>
-            </a:r>
-            <a:r>
-              <a:rPr lang="en-US" dirty="0" err="1" smtClean="0">
-                <a:latin typeface="Akbar" panose="00000400000000000000" pitchFamily="2" charset="0"/>
-              </a:rPr>
-              <a:t>Jumlah</a:t>
-            </a:r>
-            <a:r>
-              <a:rPr lang="en-US" dirty="0" smtClean="0">
-                <a:latin typeface="Akbar" panose="00000400000000000000" pitchFamily="2" charset="0"/>
-              </a:rPr>
-              <a:t> </a:t>
-            </a:r>
-            <a:r>
-              <a:rPr lang="en-US" dirty="0" err="1" smtClean="0">
-                <a:latin typeface="Akbar" panose="00000400000000000000" pitchFamily="2" charset="0"/>
-              </a:rPr>
-              <a:t>Pembelian</a:t>
-            </a:r>
-            <a:endParaRPr lang="en-US" dirty="0" smtClean="0">
-              <a:latin typeface="Akbar" panose="00000400000000000000" pitchFamily="2" charset="0"/>
-            </a:endParaRPr>
-          </a:p>
-          <a:p>
-            <a:pPr marL="0" indent="0">
-              <a:buNone/>
-            </a:pPr>
-            <a:endParaRPr lang="en-GB" dirty="0">
-              <a:latin typeface="Akbar" panose="00000400000000000000" pitchFamily="2" charset="0"/>
-            </a:endParaRPr>
-          </a:p>
-        </p:txBody>
-      </p:sp>
-      <p:sp>
-        <p:nvSpPr>
-          <p:cNvPr id="4" name="Date Placeholder 3"/>
-          <p:cNvSpPr>
-            <a:spLocks noGrp="1"/>
-          </p:cNvSpPr>
-          <p:nvPr>
-            <p:ph type="dt" sz="half" idx="10"/>
-          </p:nvPr>
-        </p:nvSpPr>
-        <p:spPr/>
-        <p:txBody>
-          <a:bodyPr/>
-          <a:lstStyle/>
-          <a:p>
-            <a:fld id="{41D63B76-0623-4321-BC42-4D137B8B4448}" type="datetime1">
-              <a:rPr lang="id-ID" smtClean="0"/>
-              <a:t>20/05/2016</a:t>
-            </a:fld>
-            <a:endParaRPr lang="id-ID"/>
-          </a:p>
-        </p:txBody>
-      </p:sp>
-      <p:sp>
-        <p:nvSpPr>
-          <p:cNvPr id="5" name="Footer Placeholder 4"/>
-          <p:cNvSpPr>
-            <a:spLocks noGrp="1"/>
-          </p:cNvSpPr>
-          <p:nvPr>
-            <p:ph type="ftr" sz="quarter" idx="11"/>
-          </p:nvPr>
-        </p:nvSpPr>
-        <p:spPr/>
-        <p:txBody>
-          <a:bodyPr/>
-          <a:lstStyle/>
-          <a:p>
-            <a:r>
-              <a:rPr lang="id-ID" sz="2400" dirty="0" smtClean="0"/>
-              <a:t>ADAFlorist</a:t>
-            </a:r>
-            <a:endParaRPr lang="id-ID" sz="2400" dirty="0"/>
-          </a:p>
-        </p:txBody>
-      </p:sp>
-      <p:sp>
-        <p:nvSpPr>
-          <p:cNvPr id="6" name="Slide Number Placeholder 5"/>
-          <p:cNvSpPr>
-            <a:spLocks noGrp="1"/>
-          </p:cNvSpPr>
-          <p:nvPr>
-            <p:ph type="sldNum" sz="quarter" idx="12"/>
-          </p:nvPr>
-        </p:nvSpPr>
-        <p:spPr/>
-        <p:txBody>
-          <a:bodyPr/>
-          <a:lstStyle/>
-          <a:p>
-            <a:fld id="{341160B5-8B05-4C1D-A560-A339698AF343}" type="slidenum">
-              <a:rPr lang="id-ID" smtClean="0"/>
-              <a:t>14</a:t>
-            </a:fld>
-            <a:endParaRPr lang="id-ID"/>
-          </a:p>
-        </p:txBody>
-      </p:sp>
-      <p:sp>
-        <p:nvSpPr>
-          <p:cNvPr id="8" name="TextBox 7"/>
-          <p:cNvSpPr txBox="1"/>
-          <p:nvPr/>
-        </p:nvSpPr>
-        <p:spPr>
-          <a:xfrm>
-            <a:off x="2471736" y="4903024"/>
-            <a:ext cx="7248525" cy="646331"/>
-          </a:xfrm>
-          <a:prstGeom prst="rect">
-            <a:avLst/>
-          </a:prstGeom>
-          <a:noFill/>
-        </p:spPr>
-        <p:txBody>
-          <a:bodyPr wrap="square" rtlCol="0">
-            <a:spAutoFit/>
-          </a:bodyPr>
-          <a:lstStyle/>
-          <a:p>
-            <a:pPr algn="just"/>
-            <a:r>
-              <a:rPr lang="en-GB" dirty="0">
-                <a:latin typeface="Akbar" panose="00000400000000000000" pitchFamily="2" charset="0"/>
-              </a:rPr>
-              <a:t>Isi </a:t>
-            </a:r>
-            <a:r>
-              <a:rPr lang="en-GB" dirty="0" err="1">
-                <a:latin typeface="Akbar" panose="00000400000000000000" pitchFamily="2" charset="0"/>
-              </a:rPr>
-              <a:t>jumlah</a:t>
-            </a:r>
-            <a:r>
-              <a:rPr lang="en-GB" dirty="0">
-                <a:latin typeface="Akbar" panose="00000400000000000000" pitchFamily="2" charset="0"/>
-              </a:rPr>
-              <a:t> </a:t>
-            </a:r>
-            <a:r>
-              <a:rPr lang="en-GB" dirty="0" err="1">
-                <a:latin typeface="Akbar" panose="00000400000000000000" pitchFamily="2" charset="0"/>
-              </a:rPr>
-              <a:t>tanaman</a:t>
-            </a:r>
-            <a:r>
-              <a:rPr lang="en-GB" dirty="0">
-                <a:latin typeface="Akbar" panose="00000400000000000000" pitchFamily="2" charset="0"/>
-              </a:rPr>
-              <a:t> yang </a:t>
-            </a:r>
-            <a:r>
-              <a:rPr lang="en-GB" dirty="0" err="1">
-                <a:latin typeface="Akbar" panose="00000400000000000000" pitchFamily="2" charset="0"/>
-              </a:rPr>
-              <a:t>akan</a:t>
-            </a:r>
-            <a:r>
-              <a:rPr lang="en-GB" dirty="0">
-                <a:latin typeface="Akbar" panose="00000400000000000000" pitchFamily="2" charset="0"/>
-              </a:rPr>
-              <a:t> </a:t>
-            </a:r>
-            <a:r>
-              <a:rPr lang="en-GB" dirty="0" err="1">
-                <a:latin typeface="Akbar" panose="00000400000000000000" pitchFamily="2" charset="0"/>
-              </a:rPr>
-              <a:t>dibeli</a:t>
-            </a:r>
-            <a:r>
-              <a:rPr lang="en-GB" dirty="0">
-                <a:latin typeface="Akbar" panose="00000400000000000000" pitchFamily="2" charset="0"/>
-              </a:rPr>
-              <a:t>, </a:t>
-            </a:r>
-            <a:r>
-              <a:rPr lang="en-GB" dirty="0" err="1">
-                <a:latin typeface="Akbar" panose="00000400000000000000" pitchFamily="2" charset="0"/>
-              </a:rPr>
-              <a:t>kemudian</a:t>
-            </a:r>
-            <a:r>
-              <a:rPr lang="en-GB" dirty="0">
-                <a:latin typeface="Akbar" panose="00000400000000000000" pitchFamily="2" charset="0"/>
-              </a:rPr>
-              <a:t> </a:t>
-            </a:r>
-            <a:r>
-              <a:rPr lang="en-GB" dirty="0" err="1">
-                <a:latin typeface="Akbar" panose="00000400000000000000" pitchFamily="2" charset="0"/>
-              </a:rPr>
-              <a:t>klik</a:t>
-            </a:r>
-            <a:r>
-              <a:rPr lang="en-GB" dirty="0">
-                <a:latin typeface="Akbar" panose="00000400000000000000" pitchFamily="2" charset="0"/>
-              </a:rPr>
-              <a:t> </a:t>
-            </a:r>
-            <a:r>
-              <a:rPr lang="en-GB" dirty="0" err="1">
-                <a:latin typeface="Akbar" panose="00000400000000000000" pitchFamily="2" charset="0"/>
-              </a:rPr>
-              <a:t>Tambahkan</a:t>
-            </a:r>
-            <a:r>
-              <a:rPr lang="en-GB" dirty="0">
-                <a:latin typeface="Akbar" panose="00000400000000000000" pitchFamily="2" charset="0"/>
-              </a:rPr>
-              <a:t> </a:t>
-            </a:r>
-            <a:r>
-              <a:rPr lang="en-GB" dirty="0" err="1">
-                <a:latin typeface="Akbar" panose="00000400000000000000" pitchFamily="2" charset="0"/>
-              </a:rPr>
-              <a:t>ke</a:t>
-            </a:r>
-            <a:r>
-              <a:rPr lang="en-GB" dirty="0">
-                <a:latin typeface="Akbar" panose="00000400000000000000" pitchFamily="2" charset="0"/>
-              </a:rPr>
-              <a:t> </a:t>
-            </a:r>
-            <a:r>
-              <a:rPr lang="en-GB" dirty="0" err="1">
-                <a:latin typeface="Akbar" panose="00000400000000000000" pitchFamily="2" charset="0"/>
-              </a:rPr>
-              <a:t>Keranjang</a:t>
-            </a:r>
-            <a:r>
-              <a:rPr lang="en-GB" dirty="0">
-                <a:latin typeface="Akbar" panose="00000400000000000000" pitchFamily="2" charset="0"/>
-              </a:rPr>
-              <a:t>.</a:t>
-            </a:r>
-          </a:p>
-        </p:txBody>
-      </p:sp>
-      <p:pic>
-        <p:nvPicPr>
-          <p:cNvPr id="9" name="Picture 8"/>
-          <p:cNvPicPr>
-            <a:picLocks noChangeAspect="1"/>
-          </p:cNvPicPr>
-          <p:nvPr/>
-        </p:nvPicPr>
-        <p:blipFill>
-          <a:blip r:embed="rId2">
-            <a:extLst>
-              <a:ext uri="{28A0092B-C50C-407E-A947-70E740481C1C}">
-                <a14:useLocalDpi xmlns:a14="http://schemas.microsoft.com/office/drawing/2010/main" val="0"/>
-              </a:ext>
-            </a:extLst>
-          </a:blip>
-          <a:stretch>
-            <a:fillRect/>
-          </a:stretch>
-        </p:blipFill>
-        <p:spPr>
-          <a:xfrm>
-            <a:off x="5526116" y="5493061"/>
-            <a:ext cx="1139767" cy="863289"/>
-          </a:xfrm>
-          <a:prstGeom prst="rect">
-            <a:avLst/>
-          </a:prstGeom>
-        </p:spPr>
-      </p:pic>
-      <p:pic>
-        <p:nvPicPr>
-          <p:cNvPr id="2" name="Picture 1"/>
-          <p:cNvPicPr>
-            <a:picLocks noChangeAspect="1"/>
-          </p:cNvPicPr>
-          <p:nvPr/>
-        </p:nvPicPr>
-        <p:blipFill>
-          <a:blip r:embed="rId3">
-            <a:extLst>
-              <a:ext uri="{28A0092B-C50C-407E-A947-70E740481C1C}">
-                <a14:useLocalDpi xmlns:a14="http://schemas.microsoft.com/office/drawing/2010/main" val="0"/>
-              </a:ext>
-            </a:extLst>
-          </a:blip>
-          <a:stretch>
-            <a:fillRect/>
-          </a:stretch>
-        </p:blipFill>
-        <p:spPr>
-          <a:xfrm>
-            <a:off x="2140275" y="1613647"/>
-            <a:ext cx="7218877" cy="3312871"/>
-          </a:xfrm>
-          <a:prstGeom prst="rect">
-            <a:avLst/>
-          </a:prstGeom>
-        </p:spPr>
-      </p:pic>
-    </p:spTree>
-    <p:extLst>
-      <p:ext uri="{BB962C8B-B14F-4D97-AF65-F5344CB8AC3E}">
-        <p14:creationId xmlns:p14="http://schemas.microsoft.com/office/powerpoint/2010/main" val="472826103"/>
-      </p:ext>
-    </p:extLst>
-  </p:cSld>
-  <p:clrMapOvr>
-    <a:masterClrMapping/>
-  </p:clrMapOvr>
-  <p:timing>
-    <p:tnLst>
-      <p:par>
-        <p:cTn id="1" dur="indefinite" restart="never" nodeType="tmRoot"/>
-      </p:par>
-    </p:tnLst>
-  </p:timing>
-</p:sld>
-</file>
-
-<file path=ppt/slides/slide15.xml><?xml version="1.0" encoding="utf-8"?>
-<p:sld xmlns:a="http://schemas.openxmlformats.org/drawingml/2006/main" xmlns:r="http://schemas.openxmlformats.org/officeDocument/2006/relationships" xmlns:p="http://schemas.openxmlformats.org/presentationml/2006/main">
-  <p:cSld>
-    <p:spTree>
-      <p:nvGrpSpPr>
-        <p:cNvPr id="1" name=""/>
-        <p:cNvGrpSpPr/>
-        <p:nvPr/>
-      </p:nvGrpSpPr>
-      <p:grpSpPr>
-        <a:xfrm>
-          <a:off x="0" y="0"/>
-          <a:ext cx="0" cy="0"/>
-          <a:chOff x="0" y="0"/>
-          <a:chExt cx="0" cy="0"/>
-        </a:xfrm>
-      </p:grpSpPr>
-      <p:sp>
-        <p:nvSpPr>
-          <p:cNvPr id="3" name="Content Placeholder 2"/>
-          <p:cNvSpPr>
-            <a:spLocks noGrp="1"/>
-          </p:cNvSpPr>
-          <p:nvPr>
-            <p:ph idx="1"/>
-          </p:nvPr>
-        </p:nvSpPr>
-        <p:spPr>
-          <a:xfrm>
-            <a:off x="838200" y="874853"/>
-            <a:ext cx="10515600" cy="4351338"/>
-          </a:xfrm>
-        </p:spPr>
-        <p:txBody>
-          <a:bodyPr/>
-          <a:lstStyle/>
-          <a:p>
-            <a:pPr marL="514350" indent="-514350">
-              <a:buFont typeface="+mj-lt"/>
-              <a:buAutoNum type="arabicPeriod" startAt="4"/>
-            </a:pPr>
-            <a:r>
-              <a:rPr lang="en-US" dirty="0" err="1" smtClean="0">
-                <a:latin typeface="Akbar" panose="00000400000000000000" pitchFamily="2" charset="0"/>
-              </a:rPr>
-              <a:t>Klik</a:t>
-            </a:r>
-            <a:r>
-              <a:rPr lang="en-US" dirty="0" smtClean="0">
-                <a:latin typeface="Akbar" panose="00000400000000000000" pitchFamily="2" charset="0"/>
-              </a:rPr>
-              <a:t> </a:t>
-            </a:r>
-            <a:r>
-              <a:rPr lang="en-US" dirty="0" err="1" smtClean="0">
-                <a:latin typeface="Akbar" panose="00000400000000000000" pitchFamily="2" charset="0"/>
-              </a:rPr>
-              <a:t>gambar</a:t>
-            </a:r>
-            <a:r>
-              <a:rPr lang="en-US" dirty="0" smtClean="0">
-                <a:latin typeface="Akbar" panose="00000400000000000000" pitchFamily="2" charset="0"/>
-              </a:rPr>
-              <a:t> </a:t>
-            </a:r>
-            <a:r>
-              <a:rPr lang="en-US" dirty="0" err="1" smtClean="0">
-                <a:latin typeface="Akbar" panose="00000400000000000000" pitchFamily="2" charset="0"/>
-              </a:rPr>
-              <a:t>keranjang</a:t>
-            </a:r>
-            <a:endParaRPr lang="en-US" dirty="0" smtClean="0">
-              <a:latin typeface="Akbar" panose="00000400000000000000" pitchFamily="2" charset="0"/>
-            </a:endParaRPr>
-          </a:p>
-          <a:p>
-            <a:pPr marL="0" indent="0">
-              <a:buNone/>
-            </a:pPr>
-            <a:endParaRPr lang="en-GB" dirty="0">
-              <a:latin typeface="Akbar" panose="00000400000000000000" pitchFamily="2" charset="0"/>
-            </a:endParaRPr>
-          </a:p>
-        </p:txBody>
-      </p:sp>
-      <p:sp>
-        <p:nvSpPr>
-          <p:cNvPr id="4" name="Date Placeholder 3"/>
-          <p:cNvSpPr>
-            <a:spLocks noGrp="1"/>
-          </p:cNvSpPr>
-          <p:nvPr>
-            <p:ph type="dt" sz="half" idx="10"/>
-          </p:nvPr>
-        </p:nvSpPr>
-        <p:spPr/>
-        <p:txBody>
-          <a:bodyPr/>
-          <a:lstStyle/>
-          <a:p>
-            <a:fld id="{41D63B76-0623-4321-BC42-4D137B8B4448}" type="datetime1">
-              <a:rPr lang="id-ID" smtClean="0"/>
-              <a:t>20/05/2016</a:t>
-            </a:fld>
-            <a:endParaRPr lang="id-ID"/>
-          </a:p>
-        </p:txBody>
-      </p:sp>
-      <p:sp>
-        <p:nvSpPr>
-          <p:cNvPr id="5" name="Footer Placeholder 4"/>
-          <p:cNvSpPr>
-            <a:spLocks noGrp="1"/>
-          </p:cNvSpPr>
-          <p:nvPr>
-            <p:ph type="ftr" sz="quarter" idx="11"/>
-          </p:nvPr>
-        </p:nvSpPr>
-        <p:spPr/>
-        <p:txBody>
-          <a:bodyPr/>
-          <a:lstStyle/>
-          <a:p>
-            <a:r>
-              <a:rPr lang="id-ID" sz="2400" dirty="0" smtClean="0"/>
-              <a:t>ADAFlorist</a:t>
-            </a:r>
-            <a:endParaRPr lang="id-ID" sz="2400" dirty="0"/>
-          </a:p>
-        </p:txBody>
-      </p:sp>
-      <p:sp>
-        <p:nvSpPr>
-          <p:cNvPr id="6" name="Slide Number Placeholder 5"/>
-          <p:cNvSpPr>
-            <a:spLocks noGrp="1"/>
-          </p:cNvSpPr>
-          <p:nvPr>
-            <p:ph type="sldNum" sz="quarter" idx="12"/>
-          </p:nvPr>
-        </p:nvSpPr>
-        <p:spPr/>
-        <p:txBody>
-          <a:bodyPr/>
-          <a:lstStyle/>
-          <a:p>
-            <a:fld id="{341160B5-8B05-4C1D-A560-A339698AF343}" type="slidenum">
-              <a:rPr lang="id-ID" smtClean="0"/>
-              <a:t>15</a:t>
-            </a:fld>
-            <a:endParaRPr lang="id-ID"/>
-          </a:p>
-        </p:txBody>
-      </p:sp>
-      <p:sp>
-        <p:nvSpPr>
-          <p:cNvPr id="8" name="TextBox 7"/>
-          <p:cNvSpPr txBox="1"/>
-          <p:nvPr/>
-        </p:nvSpPr>
-        <p:spPr>
-          <a:xfrm>
-            <a:off x="2471735" y="4281650"/>
-            <a:ext cx="7248525" cy="369332"/>
-          </a:xfrm>
-          <a:prstGeom prst="rect">
-            <a:avLst/>
-          </a:prstGeom>
-          <a:noFill/>
-        </p:spPr>
-        <p:txBody>
-          <a:bodyPr wrap="square" rtlCol="0">
-            <a:spAutoFit/>
-          </a:bodyPr>
-          <a:lstStyle/>
-          <a:p>
-            <a:pPr algn="just"/>
-            <a:r>
-              <a:rPr lang="en-GB" dirty="0" err="1" smtClean="0">
-                <a:latin typeface="Akbar" panose="00000400000000000000" pitchFamily="2" charset="0"/>
-              </a:rPr>
-              <a:t>Klik</a:t>
-            </a:r>
-            <a:r>
-              <a:rPr lang="en-GB" dirty="0" smtClean="0">
-                <a:latin typeface="Akbar" panose="00000400000000000000" pitchFamily="2" charset="0"/>
-              </a:rPr>
-              <a:t> </a:t>
-            </a:r>
-            <a:r>
-              <a:rPr lang="en-GB" dirty="0" err="1" smtClean="0">
-                <a:latin typeface="Akbar" panose="00000400000000000000" pitchFamily="2" charset="0"/>
-              </a:rPr>
-              <a:t>gambar</a:t>
-            </a:r>
-            <a:r>
-              <a:rPr lang="en-GB" dirty="0" smtClean="0">
-                <a:latin typeface="Akbar" panose="00000400000000000000" pitchFamily="2" charset="0"/>
-              </a:rPr>
-              <a:t> </a:t>
-            </a:r>
-            <a:r>
-              <a:rPr lang="en-GB" dirty="0" err="1" smtClean="0">
-                <a:latin typeface="Akbar" panose="00000400000000000000" pitchFamily="2" charset="0"/>
-              </a:rPr>
-              <a:t>keranjang</a:t>
-            </a:r>
-            <a:r>
-              <a:rPr lang="en-GB" dirty="0" smtClean="0">
-                <a:latin typeface="Akbar" panose="00000400000000000000" pitchFamily="2" charset="0"/>
-              </a:rPr>
-              <a:t> </a:t>
-            </a:r>
-            <a:r>
-              <a:rPr lang="en-GB" dirty="0" err="1" smtClean="0">
-                <a:latin typeface="Akbar" panose="00000400000000000000" pitchFamily="2" charset="0"/>
-              </a:rPr>
-              <a:t>disudut</a:t>
-            </a:r>
-            <a:r>
-              <a:rPr lang="en-GB" dirty="0" smtClean="0">
-                <a:latin typeface="Akbar" panose="00000400000000000000" pitchFamily="2" charset="0"/>
-              </a:rPr>
-              <a:t> </a:t>
-            </a:r>
-            <a:r>
-              <a:rPr lang="en-GB" dirty="0" err="1" smtClean="0">
-                <a:latin typeface="Akbar" panose="00000400000000000000" pitchFamily="2" charset="0"/>
-              </a:rPr>
-              <a:t>kanan</a:t>
-            </a:r>
-            <a:r>
-              <a:rPr lang="en-GB" dirty="0" smtClean="0">
-                <a:latin typeface="Akbar" panose="00000400000000000000" pitchFamily="2" charset="0"/>
-              </a:rPr>
-              <a:t> </a:t>
-            </a:r>
-            <a:r>
-              <a:rPr lang="en-GB" dirty="0" err="1" smtClean="0">
-                <a:latin typeface="Akbar" panose="00000400000000000000" pitchFamily="2" charset="0"/>
-              </a:rPr>
-              <a:t>atas</a:t>
-            </a:r>
-            <a:r>
-              <a:rPr lang="en-GB" dirty="0" smtClean="0">
-                <a:latin typeface="Akbar" panose="00000400000000000000" pitchFamily="2" charset="0"/>
-              </a:rPr>
-              <a:t>.</a:t>
-            </a:r>
-            <a:endParaRPr lang="en-GB" dirty="0">
-              <a:latin typeface="Akbar" panose="00000400000000000000" pitchFamily="2" charset="0"/>
-            </a:endParaRPr>
-          </a:p>
-        </p:txBody>
-      </p:sp>
-      <p:pic>
-        <p:nvPicPr>
-          <p:cNvPr id="9" name="Picture 8"/>
-          <p:cNvPicPr>
-            <a:picLocks noChangeAspect="1"/>
-          </p:cNvPicPr>
-          <p:nvPr/>
-        </p:nvPicPr>
-        <p:blipFill>
-          <a:blip r:embed="rId2">
-            <a:extLst>
-              <a:ext uri="{28A0092B-C50C-407E-A947-70E740481C1C}">
-                <a14:useLocalDpi xmlns:a14="http://schemas.microsoft.com/office/drawing/2010/main" val="0"/>
-              </a:ext>
-            </a:extLst>
-          </a:blip>
-          <a:stretch>
-            <a:fillRect/>
-          </a:stretch>
-        </p:blipFill>
-        <p:spPr>
-          <a:xfrm>
-            <a:off x="5526116" y="5493061"/>
-            <a:ext cx="1139767" cy="863289"/>
-          </a:xfrm>
-          <a:prstGeom prst="rect">
-            <a:avLst/>
-          </a:prstGeom>
-        </p:spPr>
-      </p:pic>
-      <p:pic>
-        <p:nvPicPr>
-          <p:cNvPr id="7" name="Picture 6"/>
-          <p:cNvPicPr>
-            <a:picLocks noChangeAspect="1"/>
-          </p:cNvPicPr>
-          <p:nvPr/>
-        </p:nvPicPr>
-        <p:blipFill>
-          <a:blip r:embed="rId3">
-            <a:extLst>
-              <a:ext uri="{28A0092B-C50C-407E-A947-70E740481C1C}">
-                <a14:useLocalDpi xmlns:a14="http://schemas.microsoft.com/office/drawing/2010/main" val="0"/>
-              </a:ext>
-            </a:extLst>
-          </a:blip>
-          <a:stretch>
-            <a:fillRect/>
-          </a:stretch>
-        </p:blipFill>
-        <p:spPr>
-          <a:xfrm>
-            <a:off x="2543173" y="2010054"/>
-            <a:ext cx="7105650" cy="2085975"/>
-          </a:xfrm>
-          <a:prstGeom prst="rect">
-            <a:avLst/>
-          </a:prstGeom>
-        </p:spPr>
-      </p:pic>
-    </p:spTree>
-    <p:extLst>
-      <p:ext uri="{BB962C8B-B14F-4D97-AF65-F5344CB8AC3E}">
-        <p14:creationId xmlns:p14="http://schemas.microsoft.com/office/powerpoint/2010/main" val="2415706874"/>
-      </p:ext>
-    </p:extLst>
-  </p:cSld>
-  <p:clrMapOvr>
-    <a:masterClrMapping/>
-  </p:clrMapOvr>
-  <p:timing>
-    <p:tnLst>
-      <p:par>
-        <p:cTn id="1" dur="indefinite" restart="never" nodeType="tmRoot"/>
-      </p:par>
-    </p:tnLst>
-  </p:timing>
-</p:sld>
-</file>
-
-<file path=ppt/slides/slide16.xml><?xml version="1.0" encoding="utf-8"?>
-<p:sld xmlns:a="http://schemas.openxmlformats.org/drawingml/2006/main" xmlns:r="http://schemas.openxmlformats.org/officeDocument/2006/relationships" xmlns:p="http://schemas.openxmlformats.org/presentationml/2006/main">
-  <p:cSld>
-    <p:spTree>
-      <p:nvGrpSpPr>
-        <p:cNvPr id="1" name=""/>
-        <p:cNvGrpSpPr/>
-        <p:nvPr/>
-      </p:nvGrpSpPr>
-      <p:grpSpPr>
-        <a:xfrm>
-          <a:off x="0" y="0"/>
-          <a:ext cx="0" cy="0"/>
-          <a:chOff x="0" y="0"/>
-          <a:chExt cx="0" cy="0"/>
-        </a:xfrm>
-      </p:grpSpPr>
-      <p:sp>
-        <p:nvSpPr>
-          <p:cNvPr id="3" name="Content Placeholder 2"/>
-          <p:cNvSpPr>
-            <a:spLocks noGrp="1"/>
-          </p:cNvSpPr>
-          <p:nvPr>
-            <p:ph idx="1"/>
-          </p:nvPr>
-        </p:nvSpPr>
-        <p:spPr>
-          <a:xfrm>
-            <a:off x="838200" y="874853"/>
-            <a:ext cx="10515600" cy="4351338"/>
-          </a:xfrm>
-        </p:spPr>
-        <p:txBody>
-          <a:bodyPr/>
-          <a:lstStyle/>
-          <a:p>
-            <a:pPr marL="514350" indent="-514350">
-              <a:buFont typeface="+mj-lt"/>
-              <a:buAutoNum type="arabicPeriod" startAt="5"/>
-            </a:pPr>
-            <a:r>
-              <a:rPr lang="en-US" dirty="0" smtClean="0">
-                <a:latin typeface="Akbar" panose="00000400000000000000" pitchFamily="2" charset="0"/>
-              </a:rPr>
-              <a:t>Review </a:t>
-            </a:r>
-            <a:r>
-              <a:rPr lang="en-US" dirty="0" err="1" smtClean="0">
-                <a:latin typeface="Akbar" panose="00000400000000000000" pitchFamily="2" charset="0"/>
-              </a:rPr>
-              <a:t>Belanja</a:t>
-            </a:r>
-            <a:endParaRPr lang="en-GB" dirty="0">
-              <a:latin typeface="Akbar" panose="00000400000000000000" pitchFamily="2" charset="0"/>
-            </a:endParaRPr>
-          </a:p>
-        </p:txBody>
-      </p:sp>
-      <p:sp>
-        <p:nvSpPr>
-          <p:cNvPr id="4" name="Date Placeholder 3"/>
-          <p:cNvSpPr>
-            <a:spLocks noGrp="1"/>
-          </p:cNvSpPr>
-          <p:nvPr>
-            <p:ph type="dt" sz="half" idx="10"/>
-          </p:nvPr>
-        </p:nvSpPr>
-        <p:spPr/>
-        <p:txBody>
-          <a:bodyPr/>
-          <a:lstStyle/>
-          <a:p>
-            <a:fld id="{41D63B76-0623-4321-BC42-4D137B8B4448}" type="datetime1">
-              <a:rPr lang="id-ID" smtClean="0"/>
-              <a:t>20/05/2016</a:t>
-            </a:fld>
-            <a:endParaRPr lang="id-ID"/>
-          </a:p>
-        </p:txBody>
-      </p:sp>
-      <p:sp>
-        <p:nvSpPr>
-          <p:cNvPr id="5" name="Footer Placeholder 4"/>
-          <p:cNvSpPr>
-            <a:spLocks noGrp="1"/>
-          </p:cNvSpPr>
-          <p:nvPr>
-            <p:ph type="ftr" sz="quarter" idx="11"/>
-          </p:nvPr>
-        </p:nvSpPr>
-        <p:spPr/>
-        <p:txBody>
-          <a:bodyPr/>
-          <a:lstStyle/>
-          <a:p>
-            <a:r>
-              <a:rPr lang="id-ID" sz="2400" dirty="0" smtClean="0"/>
-              <a:t>ADAFlorist</a:t>
-            </a:r>
-            <a:endParaRPr lang="id-ID" sz="2400" dirty="0"/>
-          </a:p>
-        </p:txBody>
-      </p:sp>
-      <p:sp>
-        <p:nvSpPr>
-          <p:cNvPr id="6" name="Slide Number Placeholder 5"/>
-          <p:cNvSpPr>
-            <a:spLocks noGrp="1"/>
-          </p:cNvSpPr>
-          <p:nvPr>
-            <p:ph type="sldNum" sz="quarter" idx="12"/>
-          </p:nvPr>
-        </p:nvSpPr>
-        <p:spPr/>
-        <p:txBody>
-          <a:bodyPr/>
-          <a:lstStyle/>
-          <a:p>
-            <a:fld id="{341160B5-8B05-4C1D-A560-A339698AF343}" type="slidenum">
-              <a:rPr lang="id-ID" smtClean="0"/>
-              <a:t>16</a:t>
-            </a:fld>
-            <a:endParaRPr lang="id-ID"/>
-          </a:p>
-        </p:txBody>
-      </p:sp>
-      <p:sp>
-        <p:nvSpPr>
-          <p:cNvPr id="8" name="TextBox 7"/>
-          <p:cNvSpPr txBox="1"/>
-          <p:nvPr/>
-        </p:nvSpPr>
-        <p:spPr>
-          <a:xfrm>
-            <a:off x="2471736" y="4662912"/>
-            <a:ext cx="7248525" cy="646331"/>
-          </a:xfrm>
-          <a:prstGeom prst="rect">
-            <a:avLst/>
-          </a:prstGeom>
-          <a:noFill/>
-        </p:spPr>
-        <p:txBody>
-          <a:bodyPr wrap="square" rtlCol="0">
-            <a:spAutoFit/>
-          </a:bodyPr>
-          <a:lstStyle/>
-          <a:p>
-            <a:pPr algn="just"/>
-            <a:r>
-              <a:rPr lang="en-GB" dirty="0" smtClean="0">
-                <a:latin typeface="Akbar" panose="00000400000000000000" pitchFamily="2" charset="0"/>
-              </a:rPr>
-              <a:t>Customer </a:t>
-            </a:r>
-            <a:r>
-              <a:rPr lang="en-GB" dirty="0" err="1">
-                <a:latin typeface="Akbar" panose="00000400000000000000" pitchFamily="2" charset="0"/>
-              </a:rPr>
-              <a:t>dapat</a:t>
-            </a:r>
-            <a:r>
-              <a:rPr lang="en-GB" dirty="0">
-                <a:latin typeface="Akbar" panose="00000400000000000000" pitchFamily="2" charset="0"/>
-              </a:rPr>
-              <a:t> </a:t>
-            </a:r>
-            <a:r>
-              <a:rPr lang="en-GB" dirty="0" err="1">
-                <a:latin typeface="Akbar" panose="00000400000000000000" pitchFamily="2" charset="0"/>
-              </a:rPr>
-              <a:t>melihat</a:t>
-            </a:r>
-            <a:r>
-              <a:rPr lang="en-GB" dirty="0">
-                <a:latin typeface="Akbar" panose="00000400000000000000" pitchFamily="2" charset="0"/>
-              </a:rPr>
-              <a:t> total </a:t>
-            </a:r>
-            <a:r>
-              <a:rPr lang="en-GB" dirty="0" err="1">
-                <a:latin typeface="Akbar" panose="00000400000000000000" pitchFamily="2" charset="0"/>
-              </a:rPr>
-              <a:t>belanja</a:t>
-            </a:r>
-            <a:r>
-              <a:rPr lang="en-GB" dirty="0">
-                <a:latin typeface="Akbar" panose="00000400000000000000" pitchFamily="2" charset="0"/>
-              </a:rPr>
-              <a:t> yang </a:t>
-            </a:r>
-            <a:r>
-              <a:rPr lang="en-GB" dirty="0" err="1">
-                <a:latin typeface="Akbar" panose="00000400000000000000" pitchFamily="2" charset="0"/>
-              </a:rPr>
-              <a:t>akan</a:t>
-            </a:r>
-            <a:r>
-              <a:rPr lang="en-GB" dirty="0">
-                <a:latin typeface="Akbar" panose="00000400000000000000" pitchFamily="2" charset="0"/>
-              </a:rPr>
-              <a:t> </a:t>
-            </a:r>
-            <a:r>
-              <a:rPr lang="en-GB" dirty="0" err="1">
-                <a:latin typeface="Akbar" panose="00000400000000000000" pitchFamily="2" charset="0"/>
-              </a:rPr>
-              <a:t>dibeli</a:t>
-            </a:r>
-            <a:r>
-              <a:rPr lang="en-GB" dirty="0">
-                <a:latin typeface="Akbar" panose="00000400000000000000" pitchFamily="2" charset="0"/>
-              </a:rPr>
-              <a:t>, </a:t>
-            </a:r>
-            <a:r>
-              <a:rPr lang="en-GB" dirty="0" err="1">
-                <a:latin typeface="Akbar" panose="00000400000000000000" pitchFamily="2" charset="0"/>
-              </a:rPr>
-              <a:t>kemudian</a:t>
-            </a:r>
-            <a:r>
-              <a:rPr lang="en-GB" dirty="0">
-                <a:latin typeface="Akbar" panose="00000400000000000000" pitchFamily="2" charset="0"/>
-              </a:rPr>
-              <a:t> </a:t>
-            </a:r>
-            <a:r>
-              <a:rPr lang="en-GB" dirty="0" err="1">
-                <a:latin typeface="Akbar" panose="00000400000000000000" pitchFamily="2" charset="0"/>
-              </a:rPr>
-              <a:t>klik</a:t>
-            </a:r>
-            <a:r>
-              <a:rPr lang="en-GB" dirty="0">
-                <a:latin typeface="Akbar" panose="00000400000000000000" pitchFamily="2" charset="0"/>
-              </a:rPr>
-              <a:t> </a:t>
-            </a:r>
-            <a:r>
-              <a:rPr lang="en-GB" dirty="0" err="1">
-                <a:latin typeface="Akbar" panose="00000400000000000000" pitchFamily="2" charset="0"/>
-              </a:rPr>
-              <a:t>Lanjut</a:t>
-            </a:r>
-            <a:r>
-              <a:rPr lang="en-GB" dirty="0">
-                <a:latin typeface="Akbar" panose="00000400000000000000" pitchFamily="2" charset="0"/>
-              </a:rPr>
-              <a:t> </a:t>
-            </a:r>
-            <a:r>
-              <a:rPr lang="en-GB" dirty="0" err="1">
-                <a:latin typeface="Akbar" panose="00000400000000000000" pitchFamily="2" charset="0"/>
-              </a:rPr>
-              <a:t>ke</a:t>
-            </a:r>
-            <a:r>
-              <a:rPr lang="en-GB" dirty="0">
-                <a:latin typeface="Akbar" panose="00000400000000000000" pitchFamily="2" charset="0"/>
-              </a:rPr>
-              <a:t> </a:t>
-            </a:r>
-            <a:r>
-              <a:rPr lang="en-GB" dirty="0" err="1">
-                <a:latin typeface="Akbar" panose="00000400000000000000" pitchFamily="2" charset="0"/>
-              </a:rPr>
-              <a:t>Pembayaran</a:t>
-            </a:r>
-            <a:r>
-              <a:rPr lang="en-GB" dirty="0">
-                <a:latin typeface="Akbar" panose="00000400000000000000" pitchFamily="2" charset="0"/>
-              </a:rPr>
-              <a:t>.</a:t>
-            </a:r>
-          </a:p>
-        </p:txBody>
-      </p:sp>
-      <p:pic>
-        <p:nvPicPr>
-          <p:cNvPr id="9" name="Picture 8"/>
-          <p:cNvPicPr>
-            <a:picLocks noChangeAspect="1"/>
-          </p:cNvPicPr>
-          <p:nvPr/>
-        </p:nvPicPr>
-        <p:blipFill>
-          <a:blip r:embed="rId2">
-            <a:extLst>
-              <a:ext uri="{28A0092B-C50C-407E-A947-70E740481C1C}">
-                <a14:useLocalDpi xmlns:a14="http://schemas.microsoft.com/office/drawing/2010/main" val="0"/>
-              </a:ext>
-            </a:extLst>
-          </a:blip>
-          <a:stretch>
-            <a:fillRect/>
-          </a:stretch>
-        </p:blipFill>
-        <p:spPr>
-          <a:xfrm>
-            <a:off x="5526116" y="5493061"/>
-            <a:ext cx="1139767" cy="863289"/>
-          </a:xfrm>
-          <a:prstGeom prst="rect">
-            <a:avLst/>
-          </a:prstGeom>
-        </p:spPr>
-      </p:pic>
-      <p:pic>
-        <p:nvPicPr>
-          <p:cNvPr id="2" name="Picture 1"/>
-          <p:cNvPicPr>
-            <a:picLocks noChangeAspect="1"/>
-          </p:cNvPicPr>
-          <p:nvPr/>
-        </p:nvPicPr>
-        <p:blipFill>
-          <a:blip r:embed="rId3">
-            <a:extLst>
-              <a:ext uri="{28A0092B-C50C-407E-A947-70E740481C1C}">
-                <a14:useLocalDpi xmlns:a14="http://schemas.microsoft.com/office/drawing/2010/main" val="0"/>
-              </a:ext>
-            </a:extLst>
-          </a:blip>
-          <a:stretch>
-            <a:fillRect/>
-          </a:stretch>
-        </p:blipFill>
-        <p:spPr>
-          <a:xfrm>
-            <a:off x="2307570" y="1552257"/>
-            <a:ext cx="6755180" cy="3122142"/>
-          </a:xfrm>
-          <a:prstGeom prst="rect">
-            <a:avLst/>
-          </a:prstGeom>
-        </p:spPr>
-      </p:pic>
-    </p:spTree>
-    <p:extLst>
-      <p:ext uri="{BB962C8B-B14F-4D97-AF65-F5344CB8AC3E}">
-        <p14:creationId xmlns:p14="http://schemas.microsoft.com/office/powerpoint/2010/main" val="1558943424"/>
-      </p:ext>
-    </p:extLst>
-  </p:cSld>
-  <p:clrMapOvr>
-    <a:masterClrMapping/>
-  </p:clrMapOvr>
-  <p:timing>
-    <p:tnLst>
-      <p:par>
-        <p:cTn id="1" dur="indefinite" restart="never" nodeType="tmRoot"/>
-      </p:par>
-    </p:tnLst>
-  </p:timing>
-</p:sld>
-</file>
-
-<file path=ppt/slides/slide17.xml><?xml version="1.0" encoding="utf-8"?>
-<p:sld xmlns:a="http://schemas.openxmlformats.org/drawingml/2006/main" xmlns:r="http://schemas.openxmlformats.org/officeDocument/2006/relationships" xmlns:p="http://schemas.openxmlformats.org/presentationml/2006/main">
-  <p:cSld>
-    <p:spTree>
-      <p:nvGrpSpPr>
-        <p:cNvPr id="1" name=""/>
-        <p:cNvGrpSpPr/>
-        <p:nvPr/>
-      </p:nvGrpSpPr>
-      <p:grpSpPr>
-        <a:xfrm>
-          <a:off x="0" y="0"/>
-          <a:ext cx="0" cy="0"/>
-          <a:chOff x="0" y="0"/>
-          <a:chExt cx="0" cy="0"/>
-        </a:xfrm>
-      </p:grpSpPr>
-      <p:sp>
-        <p:nvSpPr>
-          <p:cNvPr id="2" name="Title 1"/>
-          <p:cNvSpPr>
-            <a:spLocks noGrp="1"/>
-          </p:cNvSpPr>
-          <p:nvPr>
-            <p:ph type="title"/>
-          </p:nvPr>
-        </p:nvSpPr>
-        <p:spPr/>
-        <p:txBody>
-          <a:bodyPr/>
-          <a:lstStyle/>
-          <a:p>
-            <a:pPr algn="ctr"/>
-            <a:r>
-              <a:rPr lang="en-US" dirty="0" smtClean="0">
-                <a:latin typeface="Akbar" panose="00000400000000000000" pitchFamily="2" charset="0"/>
-              </a:rPr>
-              <a:t>DEMO</a:t>
-            </a:r>
-            <a:endParaRPr lang="en-GB" dirty="0">
-              <a:latin typeface="Akbar" panose="00000400000000000000" pitchFamily="2" charset="0"/>
-            </a:endParaRPr>
-          </a:p>
-        </p:txBody>
-      </p:sp>
-      <p:pic>
-        <p:nvPicPr>
-          <p:cNvPr id="7" name="Content Placeholder 6"/>
-          <p:cNvPicPr>
-            <a:picLocks noGrp="1" noChangeAspect="1"/>
-          </p:cNvPicPr>
-          <p:nvPr>
-            <p:ph idx="1"/>
-          </p:nvPr>
-        </p:nvPicPr>
-        <p:blipFill>
-          <a:blip r:embed="rId2">
-            <a:extLst>
-              <a:ext uri="{28A0092B-C50C-407E-A947-70E740481C1C}">
-                <a14:useLocalDpi xmlns:a14="http://schemas.microsoft.com/office/drawing/2010/main" val="0"/>
-              </a:ext>
-            </a:extLst>
-          </a:blip>
-          <a:stretch>
-            <a:fillRect/>
-          </a:stretch>
-        </p:blipFill>
-        <p:spPr>
-          <a:xfrm>
-            <a:off x="1224265" y="1690688"/>
-            <a:ext cx="9743469" cy="3765175"/>
-          </a:xfrm>
-        </p:spPr>
-      </p:pic>
-      <p:sp>
-        <p:nvSpPr>
-          <p:cNvPr id="4" name="Date Placeholder 3"/>
-          <p:cNvSpPr>
-            <a:spLocks noGrp="1"/>
-          </p:cNvSpPr>
-          <p:nvPr>
-            <p:ph type="dt" sz="half" idx="10"/>
-          </p:nvPr>
-        </p:nvSpPr>
-        <p:spPr/>
-        <p:txBody>
-          <a:bodyPr/>
-          <a:lstStyle/>
-          <a:p>
-            <a:fld id="{41D63B76-0623-4321-BC42-4D137B8B4448}" type="datetime1">
-              <a:rPr lang="id-ID" smtClean="0"/>
-              <a:t>20/05/2016</a:t>
-            </a:fld>
-            <a:endParaRPr lang="id-ID"/>
-          </a:p>
-        </p:txBody>
-      </p:sp>
-      <p:sp>
-        <p:nvSpPr>
-          <p:cNvPr id="5" name="Footer Placeholder 4"/>
-          <p:cNvSpPr>
-            <a:spLocks noGrp="1"/>
-          </p:cNvSpPr>
-          <p:nvPr>
-            <p:ph type="ftr" sz="quarter" idx="11"/>
-          </p:nvPr>
-        </p:nvSpPr>
-        <p:spPr/>
-        <p:txBody>
-          <a:bodyPr/>
-          <a:lstStyle/>
-          <a:p>
-            <a:r>
-              <a:rPr lang="id-ID" sz="2400" dirty="0" smtClean="0"/>
-              <a:t>ADAFlorist</a:t>
-            </a:r>
-            <a:endParaRPr lang="id-ID" sz="2400" dirty="0"/>
-          </a:p>
-        </p:txBody>
-      </p:sp>
-      <p:sp>
-        <p:nvSpPr>
-          <p:cNvPr id="6" name="Slide Number Placeholder 5"/>
-          <p:cNvSpPr>
-            <a:spLocks noGrp="1"/>
-          </p:cNvSpPr>
-          <p:nvPr>
-            <p:ph type="sldNum" sz="quarter" idx="12"/>
-          </p:nvPr>
-        </p:nvSpPr>
-        <p:spPr/>
-        <p:txBody>
-          <a:bodyPr/>
-          <a:lstStyle/>
-          <a:p>
-            <a:fld id="{341160B5-8B05-4C1D-A560-A339698AF343}" type="slidenum">
-              <a:rPr lang="id-ID" smtClean="0"/>
-              <a:t>17</a:t>
-            </a:fld>
-            <a:endParaRPr lang="id-ID"/>
-          </a:p>
-        </p:txBody>
-      </p:sp>
-      <p:pic>
-        <p:nvPicPr>
-          <p:cNvPr id="8" name="Picture 7"/>
-          <p:cNvPicPr>
-            <a:picLocks noChangeAspect="1"/>
-          </p:cNvPicPr>
-          <p:nvPr/>
-        </p:nvPicPr>
-        <p:blipFill>
-          <a:blip r:embed="rId3">
-            <a:extLst>
-              <a:ext uri="{28A0092B-C50C-407E-A947-70E740481C1C}">
-                <a14:useLocalDpi xmlns:a14="http://schemas.microsoft.com/office/drawing/2010/main" val="0"/>
-              </a:ext>
-            </a:extLst>
-          </a:blip>
-          <a:stretch>
-            <a:fillRect/>
-          </a:stretch>
-        </p:blipFill>
-        <p:spPr>
-          <a:xfrm>
-            <a:off x="5526116" y="5493061"/>
-            <a:ext cx="1139767" cy="863289"/>
+            <a:off x="570137" y="878659"/>
+            <a:ext cx="10363235" cy="5273947"/>
           </a:xfrm>
           <a:prstGeom prst="rect">
             <a:avLst/>
@@ -6061,155 +4941,36 @@
           <a:chExt cx="0" cy="0"/>
         </a:xfrm>
       </p:grpSpPr>
-      <p:pic>
-        <p:nvPicPr>
-          <p:cNvPr id="4" name="Picture 3"/>
-          <p:cNvPicPr>
-            <a:picLocks noChangeAspect="1"/>
-          </p:cNvPicPr>
-          <p:nvPr/>
-        </p:nvPicPr>
-        <p:blipFill>
-          <a:blip r:embed="rId2" cstate="print">
-            <a:extLst>
-              <a:ext uri="{28A0092B-C50C-407E-A947-70E740481C1C}">
-                <a14:useLocalDpi xmlns:a14="http://schemas.microsoft.com/office/drawing/2010/main" val="0"/>
-              </a:ext>
-            </a:extLst>
-          </a:blip>
-          <a:stretch>
-            <a:fillRect/>
-          </a:stretch>
-        </p:blipFill>
+      <p:sp>
+        <p:nvSpPr>
+          <p:cNvPr id="3" name="Title 2"/>
+          <p:cNvSpPr>
+            <a:spLocks noGrp="1"/>
+          </p:cNvSpPr>
+          <p:nvPr>
+            <p:ph type="title"/>
+          </p:nvPr>
+        </p:nvSpPr>
         <p:spPr>
           <a:xfrm>
-            <a:off x="1002665" y="1684925"/>
-            <a:ext cx="1738431" cy="1681299"/>
-          </a:xfrm>
-          <a:prstGeom prst="flowChartConnector">
-            <a:avLst/>
-          </a:prstGeom>
+            <a:off x="160324" y="1084535"/>
+            <a:ext cx="2947482" cy="4601183"/>
+          </a:xfrm>
         </p:spPr>
-      </p:pic>
-      <p:pic>
-        <p:nvPicPr>
-          <p:cNvPr id="5" name="Picture 4"/>
-          <p:cNvPicPr>
-            <a:picLocks noChangeAspect="1"/>
-          </p:cNvPicPr>
-          <p:nvPr/>
-        </p:nvPicPr>
-        <p:blipFill>
-          <a:blip r:embed="rId3" cstate="print">
-            <a:extLst>
-              <a:ext uri="{28A0092B-C50C-407E-A947-70E740481C1C}">
-                <a14:useLocalDpi xmlns:a14="http://schemas.microsoft.com/office/drawing/2010/main" val="0"/>
-              </a:ext>
-            </a:extLst>
-          </a:blip>
-          <a:stretch>
-            <a:fillRect/>
-          </a:stretch>
-        </p:blipFill>
-        <p:spPr>
-          <a:xfrm>
-            <a:off x="3936311" y="1631217"/>
-            <a:ext cx="1740810" cy="1740810"/>
-          </a:xfrm>
-          <a:prstGeom prst="rect">
-            <a:avLst/>
-          </a:prstGeom>
-        </p:spPr>
-      </p:pic>
-      <p:pic>
-        <p:nvPicPr>
-          <p:cNvPr id="7" name="Picture 6"/>
-          <p:cNvPicPr>
-            <a:picLocks noChangeAspect="1"/>
-          </p:cNvPicPr>
-          <p:nvPr/>
-        </p:nvPicPr>
-        <p:blipFill rotWithShape="1">
-          <a:blip r:embed="rId4" cstate="print">
-            <a:extLst>
-              <a:ext uri="{28A0092B-C50C-407E-A947-70E740481C1C}">
-                <a14:useLocalDpi xmlns:a14="http://schemas.microsoft.com/office/drawing/2010/main" val="0"/>
-              </a:ext>
-            </a:extLst>
-          </a:blip>
-          <a:srcRect l="32036" t="10640" r="34000" b="29510"/>
-          <a:stretch/>
-        </p:blipFill>
-        <p:spPr>
-          <a:xfrm>
-            <a:off x="9356219" y="1580648"/>
-            <a:ext cx="1802636" cy="1785576"/>
-          </a:xfrm>
-          <a:prstGeom prst="flowChartConnector">
-            <a:avLst/>
-          </a:prstGeom>
-        </p:spPr>
-      </p:pic>
-      <p:pic>
-        <p:nvPicPr>
-          <p:cNvPr id="11" name="Picture 10"/>
-          <p:cNvPicPr>
-            <a:picLocks noChangeAspect="1"/>
-          </p:cNvPicPr>
-          <p:nvPr/>
-        </p:nvPicPr>
-        <p:blipFill rotWithShape="1">
-          <a:blip r:embed="rId5" cstate="print">
-            <a:extLst>
-              <a:ext uri="{28A0092B-C50C-407E-A947-70E740481C1C}">
-                <a14:useLocalDpi xmlns:a14="http://schemas.microsoft.com/office/drawing/2010/main" val="0"/>
-              </a:ext>
-            </a:extLst>
-          </a:blip>
-          <a:srcRect l="14392" t="211" r="476" b="10794"/>
-          <a:stretch/>
-        </p:blipFill>
-        <p:spPr>
-          <a:xfrm>
-            <a:off x="6715580" y="1640771"/>
-            <a:ext cx="1737312" cy="1721702"/>
-          </a:xfrm>
-          <a:prstGeom prst="flowChartConnector">
-            <a:avLst/>
-          </a:prstGeom>
-        </p:spPr>
-      </p:pic>
-      <p:sp>
-        <p:nvSpPr>
-          <p:cNvPr id="3" name="Title 2"/>
-          <p:cNvSpPr>
-            <a:spLocks noGrp="1"/>
-          </p:cNvSpPr>
-          <p:nvPr>
-            <p:ph type="title"/>
-          </p:nvPr>
-        </p:nvSpPr>
-        <p:spPr/>
         <p:txBody>
           <a:bodyPr/>
           <a:lstStyle/>
           <a:p>
             <a:pPr algn="ctr"/>
             <a:r>
-              <a:rPr lang="en-US" dirty="0" err="1" smtClean="0">
-                <a:latin typeface="Akbar" panose="00000400000000000000" pitchFamily="2" charset="0"/>
-              </a:rPr>
+              <a:rPr lang="en-US" dirty="0" err="1" smtClean="0"/>
               <a:t>Kelompok</a:t>
             </a:r>
             <a:r>
-              <a:rPr lang="en-US" dirty="0" smtClean="0">
-                <a:latin typeface="Akbar" panose="00000400000000000000" pitchFamily="2" charset="0"/>
-              </a:rPr>
+              <a:rPr lang="en-US" dirty="0" smtClean="0"/>
               <a:t> 10</a:t>
             </a:r>
-            <a:endParaRPr lang="en-GB" dirty="0">
-              <a:latin typeface="Akbar" panose="00000400000000000000" pitchFamily="2" charset="0"/>
-            </a:endParaRPr>
+            <a:endParaRPr lang="en-GB" dirty="0"/>
           </a:p>
         </p:txBody>
       </p:sp>
@@ -6236,7 +4997,7 @@
                   </a:schemeClr>
                 </a:solidFill>
               </a:rPr>
-              <a:t>20/05/2016</a:t>
+              <a:t>01/06/2016</a:t>
             </a:fld>
             <a:endParaRPr lang="id-ID" dirty="0">
               <a:solidFill>
@@ -6318,531 +5079,327 @@
           </a:p>
         </p:txBody>
       </p:sp>
-      <p:sp>
-        <p:nvSpPr>
-          <p:cNvPr id="12" name="Rounded Rectangle 11"/>
-          <p:cNvSpPr/>
+      <p:grpSp>
+        <p:nvGrpSpPr>
+          <p:cNvPr id="13" name="Group 12"/>
+          <p:cNvGrpSpPr/>
           <p:nvPr/>
-        </p:nvSpPr>
-        <p:spPr>
-          <a:xfrm>
-            <a:off x="720761" y="3701319"/>
-            <a:ext cx="2302238" cy="966925"/>
-          </a:xfrm>
-          <a:prstGeom prst="roundRect">
-            <a:avLst/>
-          </a:prstGeom>
-          <a:solidFill>
-            <a:schemeClr val="accent6"/>
-          </a:solidFill>
-          <a:ln>
-            <a:solidFill>
-              <a:schemeClr val="accent6"/>
-            </a:solidFill>
-          </a:ln>
-        </p:spPr>
-        <p:style>
-          <a:lnRef idx="2">
-            <a:schemeClr val="accent1">
-              <a:shade val="50000"/>
-            </a:schemeClr>
-          </a:lnRef>
-          <a:fillRef idx="1">
-            <a:schemeClr val="accent1"/>
-          </a:fillRef>
-          <a:effectRef idx="0">
-            <a:schemeClr val="accent1"/>
-          </a:effectRef>
-          <a:fontRef idx="minor">
-            <a:schemeClr val="lt1"/>
-          </a:fontRef>
-        </p:style>
-        <p:txBody>
-          <a:bodyPr rtlCol="0" anchor="ctr"/>
-          <a:lstStyle/>
-          <a:p>
-            <a:pPr algn="ctr"/>
-            <a:r>
-              <a:rPr lang="id-ID" dirty="0" smtClean="0">
-                <a:ln w="0"/>
-                <a:solidFill>
-                  <a:schemeClr val="tx1"/>
-                </a:solidFill>
-                <a:effectLst>
-                  <a:outerShdw blurRad="38100" dist="19050" dir="2700000" algn="tl" rotWithShape="0">
-                    <a:schemeClr val="dk1">
-                      <a:alpha val="40000"/>
-                    </a:schemeClr>
-                  </a:outerShdw>
-                </a:effectLst>
-                <a:latin typeface="Akbar" panose="00000400000000000000" pitchFamily="2" charset="0"/>
-              </a:rPr>
-              <a:t>Iqbal Abiyoga</a:t>
-            </a:r>
-          </a:p>
-          <a:p>
-            <a:pPr algn="ctr"/>
-            <a:r>
-              <a:rPr lang="id-ID" dirty="0" smtClean="0">
-                <a:ln w="0"/>
-                <a:solidFill>
-                  <a:schemeClr val="tx1"/>
-                </a:solidFill>
-                <a:effectLst>
-                  <a:outerShdw blurRad="38100" dist="19050" dir="2700000" algn="tl" rotWithShape="0">
-                    <a:schemeClr val="dk1">
-                      <a:alpha val="40000"/>
-                    </a:schemeClr>
-                  </a:outerShdw>
-                </a:effectLst>
-                <a:latin typeface="Akbar" panose="00000400000000000000" pitchFamily="2" charset="0"/>
-              </a:rPr>
-              <a:t>G64140014</a:t>
-            </a:r>
-            <a:endParaRPr lang="id-ID" dirty="0">
-              <a:ln w="0"/>
-              <a:solidFill>
-                <a:schemeClr val="tx1"/>
-              </a:solidFill>
-              <a:effectLst>
-                <a:outerShdw blurRad="38100" dist="19050" dir="2700000" algn="tl" rotWithShape="0">
-                  <a:schemeClr val="dk1">
-                    <a:alpha val="40000"/>
-                  </a:schemeClr>
-                </a:outerShdw>
-              </a:effectLst>
-              <a:latin typeface="Akbar" panose="00000400000000000000" pitchFamily="2" charset="0"/>
-            </a:endParaRPr>
-          </a:p>
-        </p:txBody>
-      </p:sp>
-      <p:sp>
-        <p:nvSpPr>
-          <p:cNvPr id="15" name="Rounded Rectangle 14"/>
-          <p:cNvSpPr/>
+        </p:nvGrpSpPr>
+        <p:grpSpPr>
+          <a:xfrm>
+            <a:off x="3869268" y="762211"/>
+            <a:ext cx="2398447" cy="2577713"/>
+            <a:chOff x="3869268" y="265823"/>
+            <a:chExt cx="2398447" cy="2577713"/>
+          </a:xfrm>
+        </p:grpSpPr>
+        <p:pic>
+          <p:nvPicPr>
+            <p:cNvPr id="4" name="Picture 3"/>
+            <p:cNvPicPr>
+              <a:picLocks noChangeAspect="1"/>
+            </p:cNvPicPr>
+            <p:nvPr/>
+          </p:nvPicPr>
+          <p:blipFill>
+            <a:blip r:embed="rId2" cstate="print">
+              <a:extLst>
+                <a:ext uri="{28A0092B-C50C-407E-A947-70E740481C1C}">
+                  <a14:useLocalDpi xmlns:a14="http://schemas.microsoft.com/office/drawing/2010/main" val="0"/>
+                </a:ext>
+              </a:extLst>
+            </a:blip>
+            <a:stretch>
+              <a:fillRect/>
+            </a:stretch>
+          </p:blipFill>
+          <p:spPr>
+            <a:xfrm>
+              <a:off x="3998337" y="265823"/>
+              <a:ext cx="1738431" cy="1740549"/>
+            </a:xfrm>
+            <a:prstGeom prst="flowChartConnector">
+              <a:avLst/>
+            </a:prstGeom>
+          </p:spPr>
+        </p:pic>
+        <p:sp>
+          <p:nvSpPr>
+            <p:cNvPr id="2" name="TextBox 1"/>
+            <p:cNvSpPr txBox="1"/>
+            <p:nvPr/>
+          </p:nvSpPr>
+          <p:spPr>
+            <a:xfrm>
+              <a:off x="3869268" y="2012539"/>
+              <a:ext cx="2398447" cy="830997"/>
+            </a:xfrm>
+            <a:prstGeom prst="rect">
+              <a:avLst/>
+            </a:prstGeom>
+            <a:noFill/>
+          </p:spPr>
+          <p:txBody>
+            <a:bodyPr wrap="square" rtlCol="0">
+              <a:spAutoFit/>
+            </a:bodyPr>
+            <a:lstStyle/>
+            <a:p>
+              <a:r>
+                <a:rPr lang="id-ID" sz="2800" dirty="0" smtClean="0"/>
+                <a:t>Iqbal Abiyoga</a:t>
+              </a:r>
+            </a:p>
+            <a:p>
+              <a:r>
+                <a:rPr lang="id-ID" sz="2000" dirty="0" smtClean="0"/>
+                <a:t>G64140014</a:t>
+              </a:r>
+            </a:p>
+          </p:txBody>
+        </p:sp>
+      </p:grpSp>
+      <p:grpSp>
+        <p:nvGrpSpPr>
+          <p:cNvPr id="8" name="Group 7"/>
+          <p:cNvGrpSpPr/>
           <p:nvPr/>
-        </p:nvSpPr>
-        <p:spPr>
-          <a:xfrm>
-            <a:off x="9138531" y="3701318"/>
-            <a:ext cx="2302238" cy="966925"/>
-          </a:xfrm>
-          <a:prstGeom prst="roundRect">
-            <a:avLst/>
-          </a:prstGeom>
-          <a:solidFill>
-            <a:schemeClr val="accent6"/>
-          </a:solidFill>
-          <a:ln>
-            <a:solidFill>
-              <a:schemeClr val="accent6"/>
-            </a:solidFill>
-          </a:ln>
-        </p:spPr>
-        <p:style>
-          <a:lnRef idx="2">
-            <a:schemeClr val="accent1">
-              <a:shade val="50000"/>
-            </a:schemeClr>
-          </a:lnRef>
-          <a:fillRef idx="1">
-            <a:schemeClr val="accent1"/>
-          </a:fillRef>
-          <a:effectRef idx="0">
-            <a:schemeClr val="accent1"/>
-          </a:effectRef>
-          <a:fontRef idx="minor">
-            <a:schemeClr val="lt1"/>
-          </a:fontRef>
-        </p:style>
-        <p:txBody>
-          <a:bodyPr rtlCol="0" anchor="ctr"/>
-          <a:lstStyle/>
-          <a:p>
-            <a:pPr algn="ctr"/>
-            <a:r>
-              <a:rPr lang="id-ID" dirty="0" smtClean="0">
-                <a:ln w="0"/>
-                <a:solidFill>
-                  <a:schemeClr val="tx1"/>
-                </a:solidFill>
-                <a:effectLst>
-                  <a:outerShdw blurRad="38100" dist="19050" dir="2700000" algn="tl" rotWithShape="0">
-                    <a:schemeClr val="dk1">
-                      <a:alpha val="40000"/>
-                    </a:schemeClr>
-                  </a:outerShdw>
-                </a:effectLst>
-                <a:latin typeface="Akbar" panose="00000400000000000000" pitchFamily="2" charset="0"/>
-              </a:rPr>
-              <a:t>Ra</a:t>
-            </a:r>
-            <a:r>
-              <a:rPr lang="en-US" dirty="0" smtClean="0">
-                <a:ln w="0"/>
-                <a:solidFill>
-                  <a:schemeClr val="tx1"/>
-                </a:solidFill>
-                <a:effectLst>
-                  <a:outerShdw blurRad="38100" dist="19050" dir="2700000" algn="tl" rotWithShape="0">
-                    <a:schemeClr val="dk1">
-                      <a:alpha val="40000"/>
-                    </a:schemeClr>
-                  </a:outerShdw>
-                </a:effectLst>
-                <a:latin typeface="Akbar" panose="00000400000000000000" pitchFamily="2" charset="0"/>
-              </a:rPr>
-              <a:t>h</a:t>
-            </a:r>
-            <a:r>
-              <a:rPr lang="id-ID" dirty="0" smtClean="0">
-                <a:ln w="0"/>
-                <a:solidFill>
-                  <a:schemeClr val="tx1"/>
-                </a:solidFill>
-                <a:effectLst>
-                  <a:outerShdw blurRad="38100" dist="19050" dir="2700000" algn="tl" rotWithShape="0">
-                    <a:schemeClr val="dk1">
-                      <a:alpha val="40000"/>
-                    </a:schemeClr>
-                  </a:outerShdw>
-                </a:effectLst>
-                <a:latin typeface="Akbar" panose="00000400000000000000" pitchFamily="2" charset="0"/>
-              </a:rPr>
-              <a:t>mad Ilham</a:t>
-            </a:r>
-            <a:r>
-              <a:rPr lang="en-US" dirty="0" smtClean="0">
-                <a:ln w="0"/>
-                <a:solidFill>
-                  <a:schemeClr val="tx1"/>
-                </a:solidFill>
-                <a:effectLst>
-                  <a:outerShdw blurRad="38100" dist="19050" dir="2700000" algn="tl" rotWithShape="0">
-                    <a:schemeClr val="dk1">
-                      <a:alpha val="40000"/>
-                    </a:schemeClr>
-                  </a:outerShdw>
-                </a:effectLst>
-                <a:latin typeface="Akbar" panose="00000400000000000000" pitchFamily="2" charset="0"/>
-              </a:rPr>
-              <a:t> P</a:t>
-            </a:r>
-            <a:endParaRPr lang="id-ID" dirty="0" smtClean="0">
-              <a:ln w="0"/>
-              <a:solidFill>
-                <a:schemeClr val="tx1"/>
-              </a:solidFill>
-              <a:effectLst>
-                <a:outerShdw blurRad="38100" dist="19050" dir="2700000" algn="tl" rotWithShape="0">
-                  <a:schemeClr val="dk1">
-                    <a:alpha val="40000"/>
-                  </a:schemeClr>
-                </a:outerShdw>
-              </a:effectLst>
-              <a:latin typeface="Akbar" panose="00000400000000000000" pitchFamily="2" charset="0"/>
-            </a:endParaRPr>
-          </a:p>
-          <a:p>
-            <a:pPr algn="ctr"/>
-            <a:r>
-              <a:rPr lang="id-ID" dirty="0" smtClean="0">
-                <a:ln w="0"/>
-                <a:solidFill>
-                  <a:schemeClr val="tx1"/>
-                </a:solidFill>
-                <a:effectLst>
-                  <a:outerShdw blurRad="38100" dist="19050" dir="2700000" algn="tl" rotWithShape="0">
-                    <a:schemeClr val="dk1">
-                      <a:alpha val="40000"/>
-                    </a:schemeClr>
-                  </a:outerShdw>
-                </a:effectLst>
-                <a:latin typeface="Akbar" panose="00000400000000000000" pitchFamily="2" charset="0"/>
-              </a:rPr>
-              <a:t>G64140016</a:t>
-            </a:r>
-            <a:endParaRPr lang="id-ID" dirty="0">
-              <a:ln w="0"/>
-              <a:solidFill>
-                <a:schemeClr val="tx1"/>
-              </a:solidFill>
-              <a:effectLst>
-                <a:outerShdw blurRad="38100" dist="19050" dir="2700000" algn="tl" rotWithShape="0">
-                  <a:schemeClr val="dk1">
-                    <a:alpha val="40000"/>
-                  </a:schemeClr>
-                </a:outerShdw>
-              </a:effectLst>
-              <a:latin typeface="Akbar" panose="00000400000000000000" pitchFamily="2" charset="0"/>
-            </a:endParaRPr>
-          </a:p>
-        </p:txBody>
-      </p:sp>
-      <p:sp>
-        <p:nvSpPr>
-          <p:cNvPr id="16" name="Rounded Rectangle 15"/>
-          <p:cNvSpPr/>
+        </p:nvGrpSpPr>
+        <p:grpSpPr>
+          <a:xfrm>
+            <a:off x="3851425" y="3404793"/>
+            <a:ext cx="2973601" cy="2545912"/>
+            <a:chOff x="5647885" y="1451095"/>
+            <a:chExt cx="2973601" cy="2545912"/>
+          </a:xfrm>
+        </p:grpSpPr>
+        <p:pic>
+          <p:nvPicPr>
+            <p:cNvPr id="5" name="Picture 4"/>
+            <p:cNvPicPr>
+              <a:picLocks noChangeAspect="1"/>
+            </p:cNvPicPr>
+            <p:nvPr/>
+          </p:nvPicPr>
+          <p:blipFill>
+            <a:blip r:embed="rId3" cstate="print">
+              <a:extLst>
+                <a:ext uri="{28A0092B-C50C-407E-A947-70E740481C1C}">
+                  <a14:useLocalDpi xmlns:a14="http://schemas.microsoft.com/office/drawing/2010/main" val="0"/>
+                </a:ext>
+              </a:extLst>
+            </a:blip>
+            <a:stretch>
+              <a:fillRect/>
+            </a:stretch>
+          </p:blipFill>
+          <p:spPr>
+            <a:xfrm>
+              <a:off x="5849659" y="1451095"/>
+              <a:ext cx="1767080" cy="1740810"/>
+            </a:xfrm>
+            <a:prstGeom prst="rect">
+              <a:avLst/>
+            </a:prstGeom>
+          </p:spPr>
+        </p:pic>
+        <p:sp>
+          <p:nvSpPr>
+            <p:cNvPr id="21" name="TextBox 20"/>
+            <p:cNvSpPr txBox="1"/>
+            <p:nvPr/>
+          </p:nvSpPr>
+          <p:spPr>
+            <a:xfrm>
+              <a:off x="5647885" y="3227566"/>
+              <a:ext cx="2973601" cy="769441"/>
+            </a:xfrm>
+            <a:prstGeom prst="rect">
+              <a:avLst/>
+            </a:prstGeom>
+            <a:noFill/>
+          </p:spPr>
+          <p:txBody>
+            <a:bodyPr wrap="square" rtlCol="0">
+              <a:spAutoFit/>
+            </a:bodyPr>
+            <a:lstStyle/>
+            <a:p>
+              <a:r>
+                <a:rPr lang="id-ID" sz="2400" dirty="0" smtClean="0"/>
+                <a:t>David Tahi Ulubalang</a:t>
+              </a:r>
+            </a:p>
+            <a:p>
+              <a:r>
+                <a:rPr lang="id-ID" sz="2000" dirty="0" smtClean="0"/>
+                <a:t>G64140060</a:t>
+              </a:r>
+            </a:p>
+          </p:txBody>
+        </p:sp>
+      </p:grpSp>
+      <p:grpSp>
+        <p:nvGrpSpPr>
+          <p:cNvPr id="9" name="Group 8"/>
+          <p:cNvGrpSpPr/>
           <p:nvPr/>
-        </p:nvSpPr>
-        <p:spPr>
-          <a:xfrm>
-            <a:off x="6433117" y="3701319"/>
-            <a:ext cx="2302238" cy="966925"/>
-          </a:xfrm>
-          <a:prstGeom prst="roundRect">
-            <a:avLst/>
-          </a:prstGeom>
-          <a:solidFill>
-            <a:schemeClr val="accent6"/>
-          </a:solidFill>
-          <a:ln>
-            <a:solidFill>
-              <a:schemeClr val="accent6"/>
-            </a:solidFill>
-          </a:ln>
-        </p:spPr>
-        <p:style>
-          <a:lnRef idx="2">
-            <a:schemeClr val="accent1">
-              <a:shade val="50000"/>
-            </a:schemeClr>
-          </a:lnRef>
-          <a:fillRef idx="1">
-            <a:schemeClr val="accent1"/>
-          </a:fillRef>
-          <a:effectRef idx="0">
-            <a:schemeClr val="accent1"/>
-          </a:effectRef>
-          <a:fontRef idx="minor">
-            <a:schemeClr val="lt1"/>
-          </a:fontRef>
-        </p:style>
-        <p:txBody>
-          <a:bodyPr rtlCol="0" anchor="ctr"/>
-          <a:lstStyle/>
-          <a:p>
-            <a:pPr algn="ctr"/>
-            <a:r>
-              <a:rPr lang="id-ID" dirty="0" smtClean="0">
-                <a:ln w="0"/>
-                <a:solidFill>
-                  <a:schemeClr val="tx1"/>
-                </a:solidFill>
-                <a:effectLst>
-                  <a:outerShdw blurRad="38100" dist="19050" dir="2700000" algn="tl" rotWithShape="0">
-                    <a:schemeClr val="dk1">
-                      <a:alpha val="40000"/>
-                    </a:schemeClr>
-                  </a:outerShdw>
-                </a:effectLst>
-                <a:latin typeface="Akbar" panose="00000400000000000000" pitchFamily="2" charset="0"/>
-              </a:rPr>
-              <a:t>Wulan Maulida</a:t>
-            </a:r>
-          </a:p>
-          <a:p>
-            <a:pPr algn="ctr"/>
-            <a:r>
-              <a:rPr lang="id-ID" dirty="0" smtClean="0">
-                <a:ln w="0"/>
-                <a:solidFill>
-                  <a:schemeClr val="tx1"/>
-                </a:solidFill>
-                <a:effectLst>
-                  <a:outerShdw blurRad="38100" dist="19050" dir="2700000" algn="tl" rotWithShape="0">
-                    <a:schemeClr val="dk1">
-                      <a:alpha val="40000"/>
-                    </a:schemeClr>
-                  </a:outerShdw>
-                </a:effectLst>
-                <a:latin typeface="Akbar" panose="00000400000000000000" pitchFamily="2" charset="0"/>
-              </a:rPr>
-              <a:t>G64140061</a:t>
-            </a:r>
-            <a:endParaRPr lang="id-ID" dirty="0">
-              <a:ln w="0"/>
-              <a:solidFill>
-                <a:schemeClr val="tx1"/>
-              </a:solidFill>
-              <a:effectLst>
-                <a:outerShdw blurRad="38100" dist="19050" dir="2700000" algn="tl" rotWithShape="0">
-                  <a:schemeClr val="dk1">
-                    <a:alpha val="40000"/>
-                  </a:schemeClr>
-                </a:outerShdw>
-              </a:effectLst>
-              <a:latin typeface="Akbar" panose="00000400000000000000" pitchFamily="2" charset="0"/>
-            </a:endParaRPr>
-          </a:p>
-        </p:txBody>
-      </p:sp>
-      <p:sp>
-        <p:nvSpPr>
-          <p:cNvPr id="17" name="Rounded Rectangle 16"/>
-          <p:cNvSpPr/>
+        </p:nvGrpSpPr>
+        <p:grpSpPr>
+          <a:xfrm>
+            <a:off x="8421852" y="675733"/>
+            <a:ext cx="2194948" cy="2559128"/>
+            <a:chOff x="8046332" y="1517307"/>
+            <a:chExt cx="2194948" cy="2559128"/>
+          </a:xfrm>
+        </p:grpSpPr>
+        <p:pic>
+          <p:nvPicPr>
+            <p:cNvPr id="11" name="Picture 10"/>
+            <p:cNvPicPr>
+              <a:picLocks noChangeAspect="1"/>
+            </p:cNvPicPr>
+            <p:nvPr/>
+          </p:nvPicPr>
+          <p:blipFill rotWithShape="1">
+            <a:blip r:embed="rId4" cstate="print">
+              <a:extLst>
+                <a:ext uri="{28A0092B-C50C-407E-A947-70E740481C1C}">
+                  <a14:useLocalDpi xmlns:a14="http://schemas.microsoft.com/office/drawing/2010/main" val="0"/>
+                </a:ext>
+              </a:extLst>
+            </a:blip>
+            <a:srcRect l="14392" t="211" r="476" b="10794"/>
+            <a:stretch/>
+          </p:blipFill>
+          <p:spPr>
+            <a:xfrm>
+              <a:off x="8275150" y="1517307"/>
+              <a:ext cx="1737312" cy="1721702"/>
+            </a:xfrm>
+            <a:prstGeom prst="flowChartConnector">
+              <a:avLst/>
+            </a:prstGeom>
+          </p:spPr>
+        </p:pic>
+        <p:sp>
+          <p:nvSpPr>
+            <p:cNvPr id="22" name="TextBox 21"/>
+            <p:cNvSpPr txBox="1"/>
+            <p:nvPr/>
+          </p:nvSpPr>
+          <p:spPr>
+            <a:xfrm>
+              <a:off x="8046332" y="3306994"/>
+              <a:ext cx="2194948" cy="769441"/>
+            </a:xfrm>
+            <a:prstGeom prst="rect">
+              <a:avLst/>
+            </a:prstGeom>
+            <a:noFill/>
+          </p:spPr>
+          <p:txBody>
+            <a:bodyPr wrap="square" rtlCol="0">
+              <a:spAutoFit/>
+            </a:bodyPr>
+            <a:lstStyle/>
+            <a:p>
+              <a:r>
+                <a:rPr lang="id-ID" sz="2400" dirty="0" smtClean="0"/>
+                <a:t>Wulan Maulida</a:t>
+              </a:r>
+            </a:p>
+            <a:p>
+              <a:r>
+                <a:rPr lang="id-ID" sz="2000" dirty="0" smtClean="0"/>
+                <a:t>G64140061</a:t>
+              </a:r>
+            </a:p>
+          </p:txBody>
+        </p:sp>
+      </p:grpSp>
+      <p:grpSp>
+        <p:nvGrpSpPr>
+          <p:cNvPr id="10" name="Group 9"/>
+          <p:cNvGrpSpPr/>
           <p:nvPr/>
-        </p:nvSpPr>
-        <p:spPr>
-          <a:xfrm>
-            <a:off x="3304903" y="3701317"/>
-            <a:ext cx="2899954" cy="966925"/>
-          </a:xfrm>
-          <a:prstGeom prst="roundRect">
-            <a:avLst/>
-          </a:prstGeom>
-          <a:solidFill>
-            <a:schemeClr val="accent6"/>
-          </a:solidFill>
-          <a:ln>
-            <a:solidFill>
-              <a:schemeClr val="accent6"/>
-            </a:solidFill>
-          </a:ln>
-        </p:spPr>
-        <p:style>
-          <a:lnRef idx="2">
-            <a:schemeClr val="accent1">
-              <a:shade val="50000"/>
-            </a:schemeClr>
-          </a:lnRef>
-          <a:fillRef idx="1">
-            <a:schemeClr val="accent1"/>
-          </a:fillRef>
-          <a:effectRef idx="0">
-            <a:schemeClr val="accent1"/>
-          </a:effectRef>
-          <a:fontRef idx="minor">
-            <a:schemeClr val="lt1"/>
-          </a:fontRef>
-        </p:style>
-        <p:txBody>
-          <a:bodyPr rtlCol="0" anchor="ctr"/>
-          <a:lstStyle/>
-          <a:p>
-            <a:pPr algn="ctr"/>
-            <a:r>
-              <a:rPr lang="id-ID" dirty="0">
-                <a:ln w="0"/>
-                <a:solidFill>
-                  <a:schemeClr val="tx1"/>
-                </a:solidFill>
-                <a:effectLst>
-                  <a:outerShdw blurRad="38100" dist="19050" dir="2700000" algn="tl" rotWithShape="0">
-                    <a:schemeClr val="dk1">
-                      <a:alpha val="40000"/>
-                    </a:schemeClr>
-                  </a:outerShdw>
-                </a:effectLst>
-                <a:latin typeface="Akbar" panose="00000400000000000000" pitchFamily="2" charset="0"/>
-              </a:rPr>
-              <a:t>David </a:t>
-            </a:r>
-            <a:r>
-              <a:rPr lang="id-ID" dirty="0" smtClean="0">
-                <a:ln w="0"/>
-                <a:solidFill>
-                  <a:schemeClr val="tx1"/>
-                </a:solidFill>
-                <a:effectLst>
-                  <a:outerShdw blurRad="38100" dist="19050" dir="2700000" algn="tl" rotWithShape="0">
-                    <a:schemeClr val="dk1">
-                      <a:alpha val="40000"/>
-                    </a:schemeClr>
-                  </a:outerShdw>
-                </a:effectLst>
-                <a:latin typeface="Akbar" panose="00000400000000000000" pitchFamily="2" charset="0"/>
-              </a:rPr>
-              <a:t>Tahi</a:t>
-            </a:r>
-            <a:r>
-              <a:rPr lang="en-US" dirty="0" smtClean="0">
-                <a:ln w="0"/>
-                <a:solidFill>
-                  <a:schemeClr val="tx1"/>
-                </a:solidFill>
-                <a:effectLst>
-                  <a:outerShdw blurRad="38100" dist="19050" dir="2700000" algn="tl" rotWithShape="0">
-                    <a:schemeClr val="dk1">
-                      <a:alpha val="40000"/>
-                    </a:schemeClr>
-                  </a:outerShdw>
-                </a:effectLst>
-                <a:latin typeface="Akbar" panose="00000400000000000000" pitchFamily="2" charset="0"/>
-              </a:rPr>
-              <a:t> </a:t>
-            </a:r>
-            <a:r>
-              <a:rPr lang="id-ID" dirty="0" smtClean="0">
-                <a:ln w="0"/>
-                <a:solidFill>
-                  <a:schemeClr val="tx1"/>
-                </a:solidFill>
-                <a:effectLst>
-                  <a:outerShdw blurRad="38100" dist="19050" dir="2700000" algn="tl" rotWithShape="0">
-                    <a:schemeClr val="dk1">
-                      <a:alpha val="40000"/>
-                    </a:schemeClr>
-                  </a:outerShdw>
-                </a:effectLst>
-                <a:latin typeface="Akbar" panose="00000400000000000000" pitchFamily="2" charset="0"/>
-              </a:rPr>
-              <a:t>Ulubalang</a:t>
-            </a:r>
-            <a:endParaRPr lang="id-ID" dirty="0">
-              <a:ln w="0"/>
-              <a:solidFill>
-                <a:schemeClr val="tx1"/>
-              </a:solidFill>
-              <a:effectLst>
-                <a:outerShdw blurRad="38100" dist="19050" dir="2700000" algn="tl" rotWithShape="0">
-                  <a:schemeClr val="dk1">
-                    <a:alpha val="40000"/>
-                  </a:schemeClr>
-                </a:outerShdw>
-              </a:effectLst>
-              <a:latin typeface="Akbar" panose="00000400000000000000" pitchFamily="2" charset="0"/>
-            </a:endParaRPr>
-          </a:p>
-          <a:p>
-            <a:pPr algn="ctr"/>
-            <a:r>
-              <a:rPr lang="id-ID" dirty="0" smtClean="0">
-                <a:ln w="0"/>
-                <a:solidFill>
-                  <a:schemeClr val="tx1"/>
-                </a:solidFill>
-                <a:effectLst>
-                  <a:outerShdw blurRad="38100" dist="19050" dir="2700000" algn="tl" rotWithShape="0">
-                    <a:schemeClr val="dk1">
-                      <a:alpha val="40000"/>
-                    </a:schemeClr>
-                  </a:outerShdw>
-                </a:effectLst>
-                <a:latin typeface="Akbar" panose="00000400000000000000" pitchFamily="2" charset="0"/>
-              </a:rPr>
-              <a:t>G6414060</a:t>
-            </a:r>
-            <a:endParaRPr lang="id-ID" dirty="0">
-              <a:ln w="0"/>
-              <a:solidFill>
-                <a:schemeClr val="tx1"/>
-              </a:solidFill>
-              <a:effectLst>
-                <a:outerShdw blurRad="38100" dist="19050" dir="2700000" algn="tl" rotWithShape="0">
-                  <a:schemeClr val="dk1">
-                    <a:alpha val="40000"/>
-                  </a:schemeClr>
-                </a:outerShdw>
-              </a:effectLst>
-              <a:latin typeface="Akbar" panose="00000400000000000000" pitchFamily="2" charset="0"/>
-            </a:endParaRPr>
-          </a:p>
-        </p:txBody>
-      </p:sp>
+        </p:nvGrpSpPr>
+        <p:grpSpPr>
+          <a:xfrm>
+            <a:off x="8421852" y="3339924"/>
+            <a:ext cx="3446890" cy="2647586"/>
+            <a:chOff x="8357571" y="3647208"/>
+            <a:chExt cx="3446890" cy="2647586"/>
+          </a:xfrm>
+        </p:grpSpPr>
+        <p:pic>
+          <p:nvPicPr>
+            <p:cNvPr id="7" name="Picture 6"/>
+            <p:cNvPicPr>
+              <a:picLocks noChangeAspect="1"/>
+            </p:cNvPicPr>
+            <p:nvPr/>
+          </p:nvPicPr>
+          <p:blipFill rotWithShape="1">
+            <a:blip r:embed="rId5" cstate="print">
+              <a:extLst>
+                <a:ext uri="{28A0092B-C50C-407E-A947-70E740481C1C}">
+                  <a14:useLocalDpi xmlns:a14="http://schemas.microsoft.com/office/drawing/2010/main" val="0"/>
+                </a:ext>
+              </a:extLst>
+            </a:blip>
+            <a:srcRect l="32036" t="10640" r="34000" b="29510"/>
+            <a:stretch/>
+          </p:blipFill>
+          <p:spPr>
+            <a:xfrm>
+              <a:off x="8357571" y="3647208"/>
+              <a:ext cx="1802636" cy="1785576"/>
+            </a:xfrm>
+            <a:prstGeom prst="flowChartConnector">
+              <a:avLst/>
+            </a:prstGeom>
+          </p:spPr>
+        </p:pic>
+        <p:sp>
+          <p:nvSpPr>
+            <p:cNvPr id="23" name="TextBox 22"/>
+            <p:cNvSpPr txBox="1"/>
+            <p:nvPr/>
+          </p:nvSpPr>
+          <p:spPr>
+            <a:xfrm>
+              <a:off x="8357571" y="5525353"/>
+              <a:ext cx="3446890" cy="769441"/>
+            </a:xfrm>
+            <a:prstGeom prst="rect">
+              <a:avLst/>
+            </a:prstGeom>
+            <a:noFill/>
+          </p:spPr>
+          <p:txBody>
+            <a:bodyPr wrap="square" rtlCol="0">
+              <a:spAutoFit/>
+            </a:bodyPr>
+            <a:lstStyle/>
+            <a:p>
+              <a:r>
+                <a:rPr lang="id-ID" sz="2400" dirty="0" smtClean="0"/>
+                <a:t>Rahmad Ilham Pratama</a:t>
+              </a:r>
+            </a:p>
+            <a:p>
+              <a:r>
+                <a:rPr lang="id-ID" sz="2000" dirty="0" smtClean="0"/>
+                <a:t>G64140016</a:t>
+              </a:r>
+            </a:p>
+          </p:txBody>
+        </p:sp>
+      </p:grpSp>
       <p:pic>
         <p:nvPicPr>
-          <p:cNvPr id="14" name="Picture 13"/>
+          <p:cNvPr id="24" name="Picture 23"/>
           <p:cNvPicPr>
             <a:picLocks noChangeAspect="1"/>
           </p:cNvPicPr>
@@ -6862,7 +5419,7 @@
         </p:blipFill>
         <p:spPr>
           <a:xfrm>
-            <a:off x="5526116" y="5493061"/>
+            <a:off x="10725576" y="5871249"/>
             <a:ext cx="1139767" cy="863289"/>
           </a:xfrm>
           <a:prstGeom prst="rect">
@@ -6909,6 +5466,52 @@
       </p:grpSpPr>
       <p:sp>
         <p:nvSpPr>
+          <p:cNvPr id="5" name="Rectangle 4"/>
+          <p:cNvSpPr/>
+          <p:nvPr/>
+        </p:nvSpPr>
+        <p:spPr>
+          <a:xfrm>
+            <a:off x="262464" y="666206"/>
+            <a:ext cx="3303695" cy="5473337"/>
+          </a:xfrm>
+          <a:prstGeom prst="rect">
+            <a:avLst/>
+          </a:prstGeom>
+          <a:solidFill>
+            <a:srgbClr val="FFFFFF"/>
+          </a:solidFill>
+          <a:ln>
+            <a:noFill/>
+          </a:ln>
+        </p:spPr>
+        <p:style>
+          <a:lnRef idx="2">
+            <a:schemeClr val="accent1">
+              <a:shade val="50000"/>
+            </a:schemeClr>
+          </a:lnRef>
+          <a:fillRef idx="1">
+            <a:schemeClr val="accent1"/>
+          </a:fillRef>
+          <a:effectRef idx="0">
+            <a:schemeClr val="accent1"/>
+          </a:effectRef>
+          <a:fontRef idx="minor">
+            <a:schemeClr val="lt1"/>
+          </a:fontRef>
+        </p:style>
+        <p:txBody>
+          <a:bodyPr rtlCol="0" anchor="ctr"/>
+          <a:lstStyle/>
+          <a:p>
+            <a:pPr algn="ctr"/>
+            <a:endParaRPr lang="id-ID"/>
+          </a:p>
+        </p:txBody>
+      </p:sp>
+      <p:sp>
+        <p:nvSpPr>
           <p:cNvPr id="2" name="Title 1"/>
           <p:cNvSpPr>
             <a:spLocks noGrp="1"/>
@@ -6917,7 +5520,12 @@
             <p:ph type="title"/>
           </p:nvPr>
         </p:nvSpPr>
-        <p:spPr/>
+        <p:spPr>
+          <a:xfrm>
+            <a:off x="262465" y="1054952"/>
+            <a:ext cx="3399588" cy="752145"/>
+          </a:xfrm>
+        </p:spPr>
         <p:txBody>
           <a:bodyPr/>
           <a:lstStyle/>
@@ -6930,17 +5538,25 @@
                     <a:lumMod val="50000"/>
                   </a:schemeClr>
                 </a:solidFill>
-                <a:latin typeface="Akbar" panose="00000400000000000000" pitchFamily="2" charset="0"/>
               </a:rPr>
-              <a:t>Latar Belakang</a:t>
-            </a:r>
-            <a:endParaRPr lang="id-ID" dirty="0">
+              <a:t>Latar </a:t>
+            </a:r>
+            <a:r>
+              <a:rPr lang="id-ID" b="1" dirty="0" smtClean="0">
+                <a:solidFill>
+                  <a:schemeClr val="tx2">
+                    <a:lumMod val="50000"/>
+                  </a:schemeClr>
+                </a:solidFill>
+              </a:rPr>
+              <a:t>Belakang</a:t>
+            </a:r>
+            <a:endParaRPr lang="id-ID" b="1" dirty="0">
               <a:solidFill>
                 <a:schemeClr val="tx2">
                   <a:lumMod val="50000"/>
                 </a:schemeClr>
               </a:solidFill>
-              <a:latin typeface="Akbar" panose="00000400000000000000" pitchFamily="2" charset="0"/>
             </a:endParaRPr>
           </a:p>
         </p:txBody>
@@ -6968,7 +5584,7 @@
                   </a:schemeClr>
                 </a:solidFill>
               </a:rPr>
-              <a:t>20/05/2016</a:t>
+              <a:t>01/06/2016</a:t>
             </a:fld>
             <a:endParaRPr lang="id-ID" dirty="0">
               <a:solidFill>
@@ -7429,8 +6045,8 @@
         </p:nvSpPr>
         <p:spPr>
           <a:xfrm>
-            <a:off x="3186529" y="4227223"/>
-            <a:ext cx="2138727" cy="646331"/>
+            <a:off x="3286717" y="4227223"/>
+            <a:ext cx="1938351" cy="646331"/>
           </a:xfrm>
           <a:prstGeom prst="rect">
             <a:avLst/>
@@ -7452,8 +6068,16 @@
                 </a:solidFill>
                 <a:latin typeface="Futura Md BT" panose="020B0602020204020303" pitchFamily="34" charset="0"/>
               </a:rPr>
-              <a:t>KEBUTUHAN BIBIT</a:t>
-            </a:r>
+              <a:t>KEBUTUHAN</a:t>
+            </a:r>
+            <a:endParaRPr lang="en-US" dirty="0" smtClean="0">
+              <a:solidFill>
+                <a:schemeClr val="tx2">
+                  <a:lumMod val="50000"/>
+                </a:schemeClr>
+              </a:solidFill>
+              <a:latin typeface="Futura Md BT" panose="020B0602020204020303" pitchFamily="34" charset="0"/>
+            </a:endParaRPr>
           </a:p>
           <a:p>
             <a:pPr algn="ctr"/>
@@ -7481,7 +6105,7 @@
       </p:sp>
       <p:pic>
         <p:nvPicPr>
-          <p:cNvPr id="22" name="Picture 21"/>
+          <p:cNvPr id="23" name="Picture 22"/>
           <p:cNvPicPr>
             <a:picLocks noChangeAspect="1"/>
           </p:cNvPicPr>
@@ -7501,7 +6125,7 @@
         </p:blipFill>
         <p:spPr>
           <a:xfrm>
-            <a:off x="5526116" y="5493061"/>
+            <a:off x="10725576" y="5871249"/>
             <a:ext cx="1139767" cy="863289"/>
           </a:xfrm>
           <a:prstGeom prst="rect">
@@ -7558,8 +6182,8 @@
         </p:nvSpPr>
         <p:spPr>
           <a:xfrm>
-            <a:off x="1323513" y="939800"/>
-            <a:ext cx="9712234" cy="1356360"/>
+            <a:off x="179908" y="2736538"/>
+            <a:ext cx="2908314" cy="1356360"/>
           </a:xfrm>
         </p:spPr>
         <p:txBody>
@@ -7569,220 +6193,222 @@
             <a:pPr algn="ctr"/>
             <a:r>
               <a:rPr lang="id-ID" dirty="0" smtClean="0">
+                <a:solidFill>
+                  <a:schemeClr val="bg1"/>
+                </a:solidFill>
+              </a:rPr>
+              <a:t>Rumusan </a:t>
+            </a:r>
+            <a:r>
+              <a:rPr lang="id-ID" b="1" dirty="0" smtClean="0">
+                <a:solidFill>
+                  <a:schemeClr val="bg1"/>
+                </a:solidFill>
+              </a:rPr>
+              <a:t>Masalah</a:t>
+            </a:r>
+            <a:endParaRPr lang="id-ID" b="1" dirty="0">
+              <a:solidFill>
+                <a:schemeClr val="bg1"/>
+              </a:solidFill>
+            </a:endParaRPr>
+          </a:p>
+        </p:txBody>
+      </p:sp>
+      <p:sp>
+        <p:nvSpPr>
+          <p:cNvPr id="3" name="Content Placeholder 2"/>
+          <p:cNvSpPr>
+            <a:spLocks noGrp="1"/>
+          </p:cNvSpPr>
+          <p:nvPr>
+            <p:ph idx="1"/>
+          </p:nvPr>
+        </p:nvSpPr>
+        <p:spPr>
+          <a:xfrm>
+            <a:off x="3671202" y="2090057"/>
+            <a:ext cx="7560488" cy="3304903"/>
+          </a:xfrm>
+        </p:spPr>
+        <p:txBody>
+          <a:bodyPr>
+            <a:noAutofit/>
+          </a:bodyPr>
+          <a:lstStyle/>
+          <a:p>
+            <a:pPr algn="just">
+              <a:buFont typeface="Arial" panose="020B0604020202020204" pitchFamily="34" charset="0"/>
+              <a:buChar char="•"/>
+            </a:pPr>
+            <a:r>
+              <a:rPr lang="id-ID" sz="2400" dirty="0">
                 <a:solidFill>
                   <a:schemeClr val="tx2">
                     <a:lumMod val="50000"/>
                   </a:schemeClr>
                 </a:solidFill>
-                <a:latin typeface="Akbar" panose="00000400000000000000" pitchFamily="2" charset="0"/>
+                <a:latin typeface="+mj-lt"/>
               </a:rPr>
-              <a:t>Rumusan Masalah</a:t>
-            </a:r>
-            <a:endParaRPr lang="id-ID" dirty="0">
+              <a:t>Apakah aplikasi ini dapat digunakan oleh masyarakat umum</a:t>
+            </a:r>
+            <a:r>
+              <a:rPr lang="id-ID" sz="2400" dirty="0" smtClean="0">
+                <a:solidFill>
+                  <a:schemeClr val="tx2">
+                    <a:lumMod val="50000"/>
+                  </a:schemeClr>
+                </a:solidFill>
+                <a:latin typeface="+mj-lt"/>
+              </a:rPr>
+              <a:t>?</a:t>
+            </a:r>
+            <a:endParaRPr lang="id-ID" sz="2400" dirty="0">
               <a:solidFill>
                 <a:schemeClr val="tx2">
                   <a:lumMod val="50000"/>
                 </a:schemeClr>
               </a:solidFill>
-              <a:latin typeface="Akbar" panose="00000400000000000000" pitchFamily="2" charset="0"/>
+              <a:latin typeface="+mj-lt"/>
             </a:endParaRPr>
           </a:p>
-        </p:txBody>
-      </p:sp>
-      <p:sp>
-        <p:nvSpPr>
-          <p:cNvPr id="3" name="Content Placeholder 2"/>
-          <p:cNvSpPr>
-            <a:spLocks noGrp="1"/>
-          </p:cNvSpPr>
-          <p:nvPr>
-            <p:ph idx="1"/>
-          </p:nvPr>
-        </p:nvSpPr>
-        <p:spPr>
-          <a:xfrm>
-            <a:off x="2527791" y="2296160"/>
-            <a:ext cx="7560488" cy="2006600"/>
-          </a:xfrm>
-        </p:spPr>
-        <p:txBody>
-          <a:bodyPr>
-            <a:noAutofit/>
-          </a:bodyPr>
-          <a:lstStyle/>
           <a:p>
             <a:pPr algn="just">
-              <a:buFont typeface="Wingdings" panose="05000000000000000000" pitchFamily="2" charset="2"/>
-              <a:buChar char="Ø"/>
+              <a:buFont typeface="Arial" panose="020B0604020202020204" pitchFamily="34" charset="0"/>
+              <a:buChar char="•"/>
             </a:pPr>
             <a:r>
-              <a:rPr lang="id-ID" sz="1900" dirty="0">
+              <a:rPr lang="id-ID" sz="2400" dirty="0">
                 <a:solidFill>
                   <a:schemeClr val="tx2">
                     <a:lumMod val="50000"/>
                   </a:schemeClr>
                 </a:solidFill>
-                <a:latin typeface="Akbar" panose="00000400000000000000" pitchFamily="2" charset="0"/>
+                <a:latin typeface="+mj-lt"/>
               </a:rPr>
-              <a:t>Apakah aplikasi ini dapat digunakan oleh masyarakat umum</a:t>
-            </a:r>
-            <a:r>
-              <a:rPr lang="id-ID" sz="1900" dirty="0" smtClean="0">
+              <a:t>Apakah jual beli tanaman online dapat menambah nilai jual</a:t>
+            </a:r>
+            <a:r>
+              <a:rPr lang="id-ID" sz="2400" dirty="0" smtClean="0">
                 <a:solidFill>
                   <a:schemeClr val="tx2">
                     <a:lumMod val="50000"/>
                   </a:schemeClr>
                 </a:solidFill>
-                <a:latin typeface="Akbar" panose="00000400000000000000" pitchFamily="2" charset="0"/>
+                <a:latin typeface="+mj-lt"/>
               </a:rPr>
               <a:t>?</a:t>
             </a:r>
-            <a:endParaRPr lang="id-ID" sz="1900" dirty="0">
+            <a:endParaRPr lang="id-ID" sz="2400" dirty="0">
               <a:solidFill>
                 <a:schemeClr val="tx2">
                   <a:lumMod val="50000"/>
                 </a:schemeClr>
               </a:solidFill>
-              <a:latin typeface="Akbar" panose="00000400000000000000" pitchFamily="2" charset="0"/>
+              <a:latin typeface="+mj-lt"/>
             </a:endParaRPr>
           </a:p>
           <a:p>
             <a:pPr algn="just">
-              <a:buFont typeface="Wingdings" panose="05000000000000000000" pitchFamily="2" charset="2"/>
-              <a:buChar char="Ø"/>
+              <a:buFont typeface="Arial" panose="020B0604020202020204" pitchFamily="34" charset="0"/>
+              <a:buChar char="•"/>
             </a:pPr>
             <a:r>
-              <a:rPr lang="id-ID" sz="1900" dirty="0">
+              <a:rPr lang="id-ID" sz="2400" dirty="0">
                 <a:solidFill>
                   <a:schemeClr val="tx2">
                     <a:lumMod val="50000"/>
                   </a:schemeClr>
                 </a:solidFill>
-                <a:latin typeface="Akbar" panose="00000400000000000000" pitchFamily="2" charset="0"/>
+                <a:latin typeface="+mj-lt"/>
               </a:rPr>
-              <a:t>Apakah jual beli tanaman online dapat menambah nilai jual</a:t>
-            </a:r>
-            <a:r>
-              <a:rPr lang="id-ID" sz="1900" dirty="0" smtClean="0">
+              <a:t>Apakah dengan adanya jual beli bibit </a:t>
+            </a:r>
+            <a:r>
+              <a:rPr lang="id-ID" sz="2400" dirty="0" smtClean="0">
                 <a:solidFill>
                   <a:schemeClr val="tx2">
                     <a:lumMod val="50000"/>
                   </a:schemeClr>
                 </a:solidFill>
-                <a:latin typeface="Akbar" panose="00000400000000000000" pitchFamily="2" charset="0"/>
+                <a:latin typeface="+mj-lt"/>
               </a:rPr>
-              <a:t>?</a:t>
-            </a:r>
-            <a:endParaRPr lang="id-ID" sz="1900" dirty="0">
+              <a:t>tanaman </a:t>
+            </a:r>
+            <a:r>
+              <a:rPr lang="id-ID" sz="2400" dirty="0">
+                <a:solidFill>
+                  <a:schemeClr val="tx2">
+                    <a:lumMod val="50000"/>
+                  </a:schemeClr>
+                </a:solidFill>
+                <a:latin typeface="+mj-lt"/>
+              </a:rPr>
+              <a:t>online dapat </a:t>
+            </a:r>
+            <a:r>
+              <a:rPr lang="id-ID" sz="2400" dirty="0" smtClean="0">
+                <a:solidFill>
+                  <a:schemeClr val="tx2">
+                    <a:lumMod val="50000"/>
+                  </a:schemeClr>
+                </a:solidFill>
+                <a:latin typeface="+mj-lt"/>
+              </a:rPr>
+              <a:t>mempermudah?</a:t>
+            </a:r>
+            <a:endParaRPr lang="id-ID" sz="2400" dirty="0">
               <a:solidFill>
                 <a:schemeClr val="tx2">
                   <a:lumMod val="50000"/>
                 </a:schemeClr>
               </a:solidFill>
-              <a:latin typeface="Akbar" panose="00000400000000000000" pitchFamily="2" charset="0"/>
+              <a:latin typeface="+mj-lt"/>
             </a:endParaRPr>
           </a:p>
           <a:p>
             <a:pPr algn="just">
-              <a:buFont typeface="Wingdings" panose="05000000000000000000" pitchFamily="2" charset="2"/>
-              <a:buChar char="Ø"/>
+              <a:buFont typeface="Arial" panose="020B0604020202020204" pitchFamily="34" charset="0"/>
+              <a:buChar char="•"/>
             </a:pPr>
             <a:r>
-              <a:rPr lang="id-ID" sz="1900" dirty="0">
+              <a:rPr lang="id-ID" sz="2400" dirty="0">
                 <a:solidFill>
                   <a:schemeClr val="tx2">
                     <a:lumMod val="50000"/>
                   </a:schemeClr>
                 </a:solidFill>
-                <a:latin typeface="Akbar" panose="00000400000000000000" pitchFamily="2" charset="0"/>
+                <a:latin typeface="+mj-lt"/>
               </a:rPr>
-              <a:t>Apakah dengan adanya jual beli bibit </a:t>
-            </a:r>
-            <a:r>
-              <a:rPr lang="id-ID" sz="1900" dirty="0" smtClean="0">
+              <a:t>masyarakat menemukan bibit tanaman yang dibutuhkan?</a:t>
+            </a:r>
+          </a:p>
+        </p:txBody>
+      </p:sp>
+      <p:sp>
+        <p:nvSpPr>
+          <p:cNvPr id="5" name="Date Placeholder 4"/>
+          <p:cNvSpPr>
+            <a:spLocks noGrp="1"/>
+          </p:cNvSpPr>
+          <p:nvPr>
+            <p:ph type="dt" sz="half" idx="10"/>
+          </p:nvPr>
+        </p:nvSpPr>
+        <p:spPr/>
+        <p:txBody>
+          <a:bodyPr/>
+          <a:lstStyle/>
+          <a:p>
+            <a:fld id="{7CAAAE10-84F1-409C-9EBD-1617D6BE29AF}" type="datetime1">
+              <a:rPr lang="id-ID" smtClean="0">
                 <a:solidFill>
                   <a:schemeClr val="tx2">
                     <a:lumMod val="50000"/>
                   </a:schemeClr>
                 </a:solidFill>
-                <a:latin typeface="Akbar" panose="00000400000000000000" pitchFamily="2" charset="0"/>
               </a:rPr>
-              <a:t>tanaman </a:t>
-            </a:r>
-            <a:r>
-              <a:rPr lang="id-ID" sz="1900" dirty="0">
-                <a:solidFill>
-                  <a:schemeClr val="tx2">
-                    <a:lumMod val="50000"/>
-                  </a:schemeClr>
-                </a:solidFill>
-                <a:latin typeface="Akbar" panose="00000400000000000000" pitchFamily="2" charset="0"/>
-              </a:rPr>
-              <a:t>online dapat </a:t>
-            </a:r>
-            <a:r>
-              <a:rPr lang="id-ID" sz="1900" dirty="0" smtClean="0">
-                <a:solidFill>
-                  <a:schemeClr val="tx2">
-                    <a:lumMod val="50000"/>
-                  </a:schemeClr>
-                </a:solidFill>
-                <a:latin typeface="Akbar" panose="00000400000000000000" pitchFamily="2" charset="0"/>
-              </a:rPr>
-              <a:t>mempermudah?</a:t>
-            </a:r>
-            <a:endParaRPr lang="id-ID" sz="1900" dirty="0">
-              <a:solidFill>
-                <a:schemeClr val="tx2">
-                  <a:lumMod val="50000"/>
-                </a:schemeClr>
-              </a:solidFill>
-              <a:latin typeface="Akbar" panose="00000400000000000000" pitchFamily="2" charset="0"/>
-            </a:endParaRPr>
-          </a:p>
-          <a:p>
-            <a:pPr algn="just">
-              <a:buFont typeface="Wingdings" panose="05000000000000000000" pitchFamily="2" charset="2"/>
-              <a:buChar char="Ø"/>
-            </a:pPr>
-            <a:r>
-              <a:rPr lang="id-ID" sz="1900" dirty="0">
-                <a:solidFill>
-                  <a:schemeClr val="tx2">
-                    <a:lumMod val="50000"/>
-                  </a:schemeClr>
-                </a:solidFill>
-                <a:latin typeface="Akbar" panose="00000400000000000000" pitchFamily="2" charset="0"/>
-              </a:rPr>
-              <a:t>masyarakat menemukan bibit tanaman yang dibutuhkan?</a:t>
-            </a:r>
-          </a:p>
-        </p:txBody>
-      </p:sp>
-      <p:sp>
-        <p:nvSpPr>
-          <p:cNvPr id="5" name="Date Placeholder 4"/>
-          <p:cNvSpPr>
-            <a:spLocks noGrp="1"/>
-          </p:cNvSpPr>
-          <p:nvPr>
-            <p:ph type="dt" sz="half" idx="10"/>
-          </p:nvPr>
-        </p:nvSpPr>
-        <p:spPr/>
-        <p:txBody>
-          <a:bodyPr/>
-          <a:lstStyle/>
-          <a:p>
-            <a:fld id="{7CAAAE10-84F1-409C-9EBD-1617D6BE29AF}" type="datetime1">
-              <a:rPr lang="id-ID" smtClean="0">
-                <a:solidFill>
-                  <a:schemeClr val="tx2">
-                    <a:lumMod val="50000"/>
-                  </a:schemeClr>
-                </a:solidFill>
-              </a:rPr>
-              <a:t>20/05/2016</a:t>
+              <a:t>01/06/2016</a:t>
             </a:fld>
             <a:endParaRPr lang="id-ID" dirty="0">
               <a:solidFill>
@@ -7866,7 +6492,7 @@
       </p:sp>
       <p:pic>
         <p:nvPicPr>
-          <p:cNvPr id="7" name="Picture 6"/>
+          <p:cNvPr id="8" name="Picture 7"/>
           <p:cNvPicPr>
             <a:picLocks noChangeAspect="1"/>
           </p:cNvPicPr>
@@ -7886,7 +6512,7 @@
         </p:blipFill>
         <p:spPr>
           <a:xfrm>
-            <a:off x="5526116" y="5493061"/>
+            <a:off x="10725576" y="5871249"/>
             <a:ext cx="1139767" cy="863289"/>
           </a:xfrm>
           <a:prstGeom prst="rect">
@@ -7933,244 +6559,189 @@
       </p:grpSpPr>
       <p:sp>
         <p:nvSpPr>
-          <p:cNvPr id="4" name="Title 3"/>
-          <p:cNvSpPr>
-            <a:spLocks noGrp="1"/>
-          </p:cNvSpPr>
-          <p:nvPr>
-            <p:ph type="title"/>
+          <p:cNvPr id="5" name="Content Placeholder 4"/>
+          <p:cNvSpPr>
+            <a:spLocks noGrp="1"/>
+          </p:cNvSpPr>
+          <p:nvPr>
+            <p:ph idx="1"/>
           </p:nvPr>
         </p:nvSpPr>
         <p:spPr>
           <a:xfrm>
-            <a:off x="838200" y="897011"/>
-            <a:ext cx="10515600" cy="1325563"/>
+            <a:off x="4075611" y="1621776"/>
+            <a:ext cx="7048263" cy="3585884"/>
           </a:xfrm>
         </p:spPr>
         <p:txBody>
-          <a:bodyPr/>
-          <a:lstStyle/>
-          <a:p>
-            <a:pPr algn="ctr"/>
-            <a:r>
-              <a:rPr lang="id-ID" dirty="0" smtClean="0">
+          <a:bodyPr>
+            <a:noAutofit/>
+          </a:bodyPr>
+          <a:lstStyle/>
+          <a:p>
+            <a:pPr>
+              <a:buFont typeface="Arial" panose="020B0604020202020204" pitchFamily="34" charset="0"/>
+              <a:buChar char="•"/>
+            </a:pPr>
+            <a:r>
+              <a:rPr lang="id-ID" sz="2400" dirty="0" smtClean="0">
                 <a:solidFill>
                   <a:schemeClr val="tx2">
                     <a:lumMod val="50000"/>
                   </a:schemeClr>
                 </a:solidFill>
-                <a:latin typeface="Akbar" panose="00000400000000000000" pitchFamily="2" charset="0"/>
               </a:rPr>
-              <a:t>Tujuan</a:t>
-            </a:r>
-            <a:endParaRPr lang="id-ID" dirty="0">
-              <a:solidFill>
-                <a:schemeClr val="tx2">
-                  <a:lumMod val="50000"/>
-                </a:schemeClr>
-              </a:solidFill>
-              <a:latin typeface="Akbar" panose="00000400000000000000" pitchFamily="2" charset="0"/>
-            </a:endParaRPr>
-          </a:p>
-        </p:txBody>
-      </p:sp>
-      <p:sp>
-        <p:nvSpPr>
-          <p:cNvPr id="5" name="Content Placeholder 4"/>
-          <p:cNvSpPr>
-            <a:spLocks noGrp="1"/>
-          </p:cNvSpPr>
-          <p:nvPr>
-            <p:ph idx="1"/>
-          </p:nvPr>
-        </p:nvSpPr>
-        <p:spPr>
-          <a:xfrm>
-            <a:off x="1159563" y="2368342"/>
-            <a:ext cx="9872871" cy="2370909"/>
-          </a:xfrm>
-        </p:spPr>
-        <p:txBody>
-          <a:bodyPr>
-            <a:normAutofit fontScale="77500" lnSpcReduction="20000"/>
-          </a:bodyPr>
-          <a:lstStyle/>
-          <a:p>
-            <a:pPr>
-              <a:buFont typeface="Wingdings" panose="05000000000000000000" pitchFamily="2" charset="2"/>
-              <a:buChar char="Ø"/>
-            </a:pPr>
-            <a:r>
-              <a:rPr lang="id-ID" dirty="0" smtClean="0">
+              <a:t>Menciptakan </a:t>
+            </a:r>
+            <a:r>
+              <a:rPr lang="id-ID" sz="2400" dirty="0">
                 <a:solidFill>
                   <a:schemeClr val="tx2">
                     <a:lumMod val="50000"/>
                   </a:schemeClr>
                 </a:solidFill>
-                <a:latin typeface="Akbar" panose="00000400000000000000" pitchFamily="2" charset="0"/>
               </a:rPr>
-              <a:t>Menciptakan </a:t>
-            </a:r>
-            <a:r>
-              <a:rPr lang="id-ID" dirty="0">
+              <a:t>aplikasi yang mempermudah para kolektor tanaman hias untuk </a:t>
+            </a:r>
+            <a:r>
+              <a:rPr lang="id-ID" sz="2400" dirty="0" smtClean="0">
                 <a:solidFill>
                   <a:schemeClr val="tx2">
                     <a:lumMod val="50000"/>
                   </a:schemeClr>
                 </a:solidFill>
-                <a:latin typeface="Akbar" panose="00000400000000000000" pitchFamily="2" charset="0"/>
               </a:rPr>
-              <a:t>aplikasi yang mempermudah para kolektor tanaman hias untuk </a:t>
-            </a:r>
-            <a:r>
-              <a:rPr lang="id-ID" dirty="0" smtClean="0">
+              <a:t>mendapatkan jenis </a:t>
+            </a:r>
+            <a:r>
+              <a:rPr lang="id-ID" sz="2400" dirty="0">
                 <a:solidFill>
                   <a:schemeClr val="tx2">
                     <a:lumMod val="50000"/>
                   </a:schemeClr>
                 </a:solidFill>
-                <a:latin typeface="Akbar" panose="00000400000000000000" pitchFamily="2" charset="0"/>
               </a:rPr>
-              <a:t>mendapatkan jenis </a:t>
-            </a:r>
-            <a:r>
-              <a:rPr lang="id-ID" dirty="0">
+              <a:t>tanaman hias yang diinginkan</a:t>
+            </a:r>
+            <a:r>
+              <a:rPr lang="id-ID" sz="2400" dirty="0" smtClean="0">
                 <a:solidFill>
                   <a:schemeClr val="tx2">
                     <a:lumMod val="50000"/>
                   </a:schemeClr>
                 </a:solidFill>
-                <a:latin typeface="Akbar" panose="00000400000000000000" pitchFamily="2" charset="0"/>
               </a:rPr>
-              <a:t>tanaman hias yang diinginkan</a:t>
-            </a:r>
-            <a:r>
-              <a:rPr lang="id-ID" dirty="0" smtClean="0">
+              <a:t>.</a:t>
+            </a:r>
+          </a:p>
+          <a:p>
+            <a:pPr>
+              <a:buFont typeface="Arial" panose="020B0604020202020204" pitchFamily="34" charset="0"/>
+              <a:buChar char="•"/>
+            </a:pPr>
+            <a:r>
+              <a:rPr lang="id-ID" sz="2400" dirty="0">
                 <a:solidFill>
                   <a:schemeClr val="tx2">
                     <a:lumMod val="50000"/>
                   </a:schemeClr>
                 </a:solidFill>
-                <a:latin typeface="Akbar" panose="00000400000000000000" pitchFamily="2" charset="0"/>
               </a:rPr>
-              <a:t>.</a:t>
-            </a:r>
-          </a:p>
-          <a:p>
-            <a:pPr>
-              <a:buFont typeface="Wingdings" panose="05000000000000000000" pitchFamily="2" charset="2"/>
-              <a:buChar char="Ø"/>
-            </a:pPr>
-            <a:r>
-              <a:rPr lang="id-ID" dirty="0">
+              <a:t>Memberikan data yang berupa manfaat dengan menampilkan produk dan memberikan </a:t>
+            </a:r>
+            <a:r>
+              <a:rPr lang="id-ID" sz="2400" dirty="0" smtClean="0">
                 <a:solidFill>
                   <a:schemeClr val="tx2">
                     <a:lumMod val="50000"/>
                   </a:schemeClr>
                 </a:solidFill>
-                <a:latin typeface="Akbar" panose="00000400000000000000" pitchFamily="2" charset="0"/>
               </a:rPr>
-              <a:t>Memberikan data yang berupa manfaat dengan menampilkan produk dan memberikan </a:t>
-            </a:r>
-            <a:r>
-              <a:rPr lang="id-ID" dirty="0" smtClean="0">
+              <a:t>informasi </a:t>
+            </a:r>
+            <a:r>
+              <a:rPr lang="id-ID" sz="2400" dirty="0">
                 <a:solidFill>
                   <a:schemeClr val="tx2">
                     <a:lumMod val="50000"/>
                   </a:schemeClr>
                 </a:solidFill>
-                <a:latin typeface="Akbar" panose="00000400000000000000" pitchFamily="2" charset="0"/>
               </a:rPr>
-              <a:t>informasi </a:t>
-            </a:r>
-            <a:r>
-              <a:rPr lang="id-ID" dirty="0">
+              <a:t>terbaru tentang tanaman hias baru</a:t>
+            </a:r>
+            <a:r>
+              <a:rPr lang="id-ID" sz="2400" dirty="0" smtClean="0">
                 <a:solidFill>
                   <a:schemeClr val="tx2">
                     <a:lumMod val="50000"/>
                   </a:schemeClr>
                 </a:solidFill>
-                <a:latin typeface="Akbar" panose="00000400000000000000" pitchFamily="2" charset="0"/>
               </a:rPr>
-              <a:t>terbaru tentang tanaman hias baru</a:t>
-            </a:r>
-            <a:r>
-              <a:rPr lang="id-ID" dirty="0" smtClean="0">
+              <a:t>.</a:t>
+            </a:r>
+          </a:p>
+          <a:p>
+            <a:pPr>
+              <a:buFont typeface="Arial" panose="020B0604020202020204" pitchFamily="34" charset="0"/>
+              <a:buChar char="•"/>
+            </a:pPr>
+            <a:r>
+              <a:rPr lang="id-ID" sz="2400" dirty="0">
                 <a:solidFill>
                   <a:schemeClr val="tx2">
                     <a:lumMod val="50000"/>
                   </a:schemeClr>
                 </a:solidFill>
-                <a:latin typeface="Akbar" panose="00000400000000000000" pitchFamily="2" charset="0"/>
               </a:rPr>
-              <a:t>.</a:t>
-            </a:r>
-          </a:p>
-          <a:p>
-            <a:pPr>
-              <a:buFont typeface="Wingdings" panose="05000000000000000000" pitchFamily="2" charset="2"/>
-              <a:buChar char="Ø"/>
-            </a:pPr>
-            <a:r>
-              <a:rPr lang="id-ID" dirty="0">
+              <a:t>Memberikan data dan kerincian dari jenis tanaman hias serta harga yang dapat </a:t>
+            </a:r>
+            <a:r>
+              <a:rPr lang="id-ID" sz="2400" dirty="0" smtClean="0">
                 <a:solidFill>
                   <a:schemeClr val="tx2">
                     <a:lumMod val="50000"/>
                   </a:schemeClr>
                 </a:solidFill>
-                <a:latin typeface="Akbar" panose="00000400000000000000" pitchFamily="2" charset="0"/>
               </a:rPr>
-              <a:t>Memberikan data dan kerincian dari jenis tanaman hias serta harga yang dapat </a:t>
-            </a:r>
-            <a:r>
-              <a:rPr lang="id-ID" dirty="0" smtClean="0">
+              <a:t>membantu kolektor </a:t>
+            </a:r>
+            <a:r>
+              <a:rPr lang="id-ID" sz="2400" dirty="0">
                 <a:solidFill>
                   <a:schemeClr val="tx2">
                     <a:lumMod val="50000"/>
                   </a:schemeClr>
                 </a:solidFill>
-                <a:latin typeface="Akbar" panose="00000400000000000000" pitchFamily="2" charset="0"/>
               </a:rPr>
-              <a:t>membantu kolektor </a:t>
-            </a:r>
-            <a:r>
-              <a:rPr lang="id-ID" dirty="0">
+              <a:t>dalam memilih tanaman hias yang diinginkan.</a:t>
+            </a:r>
+          </a:p>
+        </p:txBody>
+      </p:sp>
+      <p:sp>
+        <p:nvSpPr>
+          <p:cNvPr id="3" name="Date Placeholder 2"/>
+          <p:cNvSpPr>
+            <a:spLocks noGrp="1"/>
+          </p:cNvSpPr>
+          <p:nvPr>
+            <p:ph type="dt" sz="half" idx="10"/>
+          </p:nvPr>
+        </p:nvSpPr>
+        <p:spPr/>
+        <p:txBody>
+          <a:bodyPr/>
+          <a:lstStyle/>
+          <a:p>
+            <a:fld id="{6B3AD13B-E10E-40C7-A910-40D4246DA2AA}" type="datetime1">
+              <a:rPr lang="id-ID" smtClean="0">
                 <a:solidFill>
                   <a:schemeClr val="tx2">
                     <a:lumMod val="50000"/>
                   </a:schemeClr>
                 </a:solidFill>
-                <a:latin typeface="Akbar" panose="00000400000000000000" pitchFamily="2" charset="0"/>
               </a:rPr>
-              <a:t>dalam memilih tanaman hias yang diinginkan.</a:t>
-            </a:r>
-          </a:p>
-        </p:txBody>
-      </p:sp>
-      <p:sp>
-        <p:nvSpPr>
-          <p:cNvPr id="3" name="Date Placeholder 2"/>
-          <p:cNvSpPr>
-            <a:spLocks noGrp="1"/>
-          </p:cNvSpPr>
-          <p:nvPr>
-            <p:ph type="dt" sz="half" idx="10"/>
-          </p:nvPr>
-        </p:nvSpPr>
-        <p:spPr/>
-        <p:txBody>
-          <a:bodyPr/>
-          <a:lstStyle/>
-          <a:p>
-            <a:fld id="{6B3AD13B-E10E-40C7-A910-40D4246DA2AA}" type="datetime1">
-              <a:rPr lang="id-ID" smtClean="0">
-                <a:solidFill>
-                  <a:schemeClr val="tx2">
-                    <a:lumMod val="50000"/>
-                  </a:schemeClr>
-                </a:solidFill>
-              </a:rPr>
-              <a:t>20/05/2016</a:t>
+              <a:t>01/06/2016</a:t>
             </a:fld>
             <a:endParaRPr lang="id-ID" dirty="0">
               <a:solidFill>
@@ -8252,9 +6823,67 @@
           </a:p>
         </p:txBody>
       </p:sp>
+      <p:sp>
+        <p:nvSpPr>
+          <p:cNvPr id="8" name="Title 1"/>
+          <p:cNvSpPr txBox="1">
+            <a:spLocks/>
+          </p:cNvSpPr>
+          <p:nvPr/>
+        </p:nvSpPr>
+        <p:spPr>
+          <a:xfrm>
+            <a:off x="179908" y="2736538"/>
+            <a:ext cx="2908314" cy="1356360"/>
+          </a:xfrm>
+          <a:prstGeom prst="rect">
+            <a:avLst/>
+          </a:prstGeom>
+        </p:spPr>
+        <p:txBody>
+          <a:bodyPr vert="horz" lIns="91440" tIns="45720" rIns="91440" bIns="45720" rtlCol="0" anchor="ctr">
+            <a:normAutofit/>
+          </a:bodyPr>
+          <a:lstStyle>
+            <a:lvl1pPr algn="l" defTabSz="914400" rtl="0" eaLnBrk="1" latinLnBrk="0" hangingPunct="1">
+              <a:lnSpc>
+                <a:spcPct val="90000"/>
+              </a:lnSpc>
+              <a:spcBef>
+                <a:spcPct val="0"/>
+              </a:spcBef>
+              <a:buNone/>
+              <a:defRPr sz="3600" kern="1200" spc="-60" baseline="0">
+                <a:solidFill>
+                  <a:srgbClr val="FFFFFF"/>
+                </a:solidFill>
+                <a:latin typeface="+mj-lt"/>
+                <a:ea typeface="+mj-ea"/>
+                <a:cs typeface="+mj-cs"/>
+              </a:defRPr>
+            </a:lvl1pPr>
+          </a:lstStyle>
+          <a:p>
+            <a:pPr algn="ctr"/>
+            <a:r>
+              <a:rPr lang="id-ID" b="1" dirty="0" smtClean="0">
+                <a:solidFill>
+                  <a:schemeClr val="bg1"/>
+                </a:solidFill>
+              </a:rPr>
+              <a:t>Tujuan</a:t>
+            </a:r>
+            <a:endParaRPr lang="id-ID" b="1" dirty="0">
+              <a:solidFill>
+                <a:schemeClr val="bg1"/>
+              </a:solidFill>
+            </a:endParaRPr>
+          </a:p>
+        </p:txBody>
+      </p:sp>
       <p:pic>
         <p:nvPicPr>
-          <p:cNvPr id="9" name="Picture 8"/>
+          <p:cNvPr id="10" name="Picture 9"/>
           <p:cNvPicPr>
             <a:picLocks noChangeAspect="1"/>
           </p:cNvPicPr>
@@ -8274,7 +6903,7 @@
         </p:blipFill>
         <p:spPr>
           <a:xfrm>
-            <a:off x="5526116" y="5493061"/>
+            <a:off x="10725576" y="5871249"/>
             <a:ext cx="1139767" cy="863289"/>
           </a:xfrm>
           <a:prstGeom prst="rect">
@@ -8321,7 +6950,7 @@
       </p:grpSpPr>
       <p:sp>
         <p:nvSpPr>
-          <p:cNvPr id="2" name="Title 1"/>
+          <p:cNvPr id="3" name="Title 2"/>
           <p:cNvSpPr>
             <a:spLocks noGrp="1"/>
           </p:cNvSpPr>
@@ -8331,8 +6960,8 @@
         </p:nvSpPr>
         <p:spPr>
           <a:xfrm>
-            <a:off x="1142996" y="318351"/>
-            <a:ext cx="9875520" cy="1356360"/>
+            <a:off x="1" y="1084535"/>
+            <a:ext cx="3422468" cy="4601183"/>
           </a:xfrm>
         </p:spPr>
         <p:txBody>
@@ -8341,35 +6970,60 @@
           <a:p>
             <a:pPr algn="ctr"/>
             <a:r>
-              <a:rPr lang="id-ID" dirty="0" smtClean="0">
+              <a:rPr lang="id-ID" dirty="0" smtClean="0"/>
+              <a:t>Deskripsi </a:t>
+            </a:r>
+            <a:r>
+              <a:rPr lang="id-ID" b="1" dirty="0" smtClean="0"/>
+              <a:t>Pembagian Kerja</a:t>
+            </a:r>
+            <a:endParaRPr lang="en-GB" b="1" dirty="0"/>
+          </a:p>
+        </p:txBody>
+      </p:sp>
+      <p:sp>
+        <p:nvSpPr>
+          <p:cNvPr id="19" name="Date Placeholder 18"/>
+          <p:cNvSpPr>
+            <a:spLocks noGrp="1"/>
+          </p:cNvSpPr>
+          <p:nvPr>
+            <p:ph type="dt" sz="half" idx="10"/>
+          </p:nvPr>
+        </p:nvSpPr>
+        <p:spPr/>
+        <p:txBody>
+          <a:bodyPr/>
+          <a:lstStyle/>
+          <a:p>
+            <a:fld id="{691B781A-2276-4130-9E9C-62D8A61408CC}" type="datetime1">
+              <a:rPr lang="id-ID" smtClean="0">
                 <a:solidFill>
                   <a:schemeClr val="tx2">
                     <a:lumMod val="50000"/>
                   </a:schemeClr>
                 </a:solidFill>
-                <a:latin typeface="Akbar" panose="00000400000000000000" pitchFamily="2" charset="0"/>
               </a:rPr>
-              <a:t>Deskripsi Pembagian Kerja</a:t>
-            </a:r>
+              <a:t>01/06/2016</a:t>
+            </a:fld>
             <a:endParaRPr lang="id-ID" dirty="0">
               <a:solidFill>
                 <a:schemeClr val="tx2">
                   <a:lumMod val="50000"/>
                 </a:schemeClr>
               </a:solidFill>
-              <a:latin typeface="Akbar" panose="00000400000000000000" pitchFamily="2" charset="0"/>
             </a:endParaRPr>
           </a:p>
         </p:txBody>
       </p:sp>
       <p:sp>
         <p:nvSpPr>
-          <p:cNvPr id="12" name="Date Placeholder 11"/>
-          <p:cNvSpPr>
-            <a:spLocks noGrp="1"/>
-          </p:cNvSpPr>
-          <p:nvPr>
-            <p:ph type="dt" sz="half" idx="10"/>
+          <p:cNvPr id="18" name="Footer Placeholder 17"/>
+          <p:cNvSpPr>
+            <a:spLocks noGrp="1"/>
+          </p:cNvSpPr>
+          <p:nvPr>
+            <p:ph type="ftr" sz="quarter" idx="11"/>
           </p:nvPr>
         </p:nvSpPr>
         <p:spPr/>
@@ -8377,22 +7031,34 @@
           <a:bodyPr/>
           <a:lstStyle/>
           <a:p>
-            <a:fld id="{06DD7BA2-2366-4555-873B-BE5B3371ADC7}" type="datetime1">
-              <a:rPr lang="id-ID" smtClean="0"/>
-              <a:t>20/05/2016</a:t>
-            </a:fld>
-            <a:endParaRPr lang="id-ID"/>
-          </a:p>
-        </p:txBody>
-      </p:sp>
-      <p:sp>
-        <p:nvSpPr>
-          <p:cNvPr id="11" name="Footer Placeholder 10"/>
-          <p:cNvSpPr>
-            <a:spLocks noGrp="1"/>
-          </p:cNvSpPr>
-          <p:nvPr>
-            <p:ph type="ftr" sz="quarter" idx="11"/>
+            <a:r>
+              <a:rPr lang="id-ID" sz="2400" b="1" dirty="0" smtClean="0">
+                <a:solidFill>
+                  <a:schemeClr val="tx2">
+                    <a:lumMod val="50000"/>
+                  </a:schemeClr>
+                </a:solidFill>
+              </a:rPr>
+              <a:t>ADAFlorist</a:t>
+            </a:r>
+            <a:endParaRPr lang="id-ID" b="1" dirty="0">
+              <a:solidFill>
+                <a:schemeClr val="tx2">
+                  <a:lumMod val="50000"/>
+                </a:schemeClr>
+              </a:solidFill>
+            </a:endParaRPr>
+          </a:p>
+        </p:txBody>
+      </p:sp>
+      <p:sp>
+        <p:nvSpPr>
+          <p:cNvPr id="20" name="Slide Number Placeholder 19"/>
+          <p:cNvSpPr>
+            <a:spLocks noGrp="1"/>
+          </p:cNvSpPr>
+          <p:nvPr>
+            <p:ph type="sldNum" sz="quarter" idx="12"/>
           </p:nvPr>
         </p:nvSpPr>
         <p:spPr/>
@@ -8400,587 +7066,334 @@
           <a:bodyPr/>
           <a:lstStyle/>
           <a:p>
-            <a:r>
-              <a:rPr lang="id-ID" smtClean="0"/>
-              <a:t>ADAFlorist</a:t>
-            </a:r>
-            <a:endParaRPr lang="id-ID"/>
-          </a:p>
-        </p:txBody>
-      </p:sp>
-      <p:sp>
-        <p:nvSpPr>
-          <p:cNvPr id="13" name="Slide Number Placeholder 12"/>
-          <p:cNvSpPr>
-            <a:spLocks noGrp="1"/>
-          </p:cNvSpPr>
-          <p:nvPr>
-            <p:ph type="sldNum" sz="quarter" idx="12"/>
-          </p:nvPr>
-        </p:nvSpPr>
-        <p:spPr/>
-        <p:txBody>
-          <a:bodyPr/>
-          <a:lstStyle/>
-          <a:p>
             <a:fld id="{341160B5-8B05-4C1D-A560-A339698AF343}" type="slidenum">
-              <a:rPr lang="id-ID" smtClean="0"/>
+              <a:rPr lang="id-ID" smtClean="0">
+                <a:solidFill>
+                  <a:schemeClr val="tx2">
+                    <a:lumMod val="50000"/>
+                  </a:schemeClr>
+                </a:solidFill>
+              </a:rPr>
               <a:t>6</a:t>
             </a:fld>
-            <a:endParaRPr lang="id-ID"/>
-          </a:p>
-        </p:txBody>
-      </p:sp>
+            <a:endParaRPr lang="id-ID" dirty="0">
+              <a:solidFill>
+                <a:schemeClr val="tx2">
+                  <a:lumMod val="50000"/>
+                </a:schemeClr>
+              </a:solidFill>
+            </a:endParaRPr>
+          </a:p>
+        </p:txBody>
+      </p:sp>
+      <p:grpSp>
+        <p:nvGrpSpPr>
+          <p:cNvPr id="8" name="Group 7"/>
+          <p:cNvGrpSpPr/>
+          <p:nvPr/>
+        </p:nvGrpSpPr>
+        <p:grpSpPr>
+          <a:xfrm>
+            <a:off x="3851425" y="3313357"/>
+            <a:ext cx="3170854" cy="2176581"/>
+            <a:chOff x="5647885" y="1451095"/>
+            <a:chExt cx="3170854" cy="2176581"/>
+          </a:xfrm>
+        </p:grpSpPr>
+        <p:pic>
+          <p:nvPicPr>
+            <p:cNvPr id="5" name="Picture 4"/>
+            <p:cNvPicPr>
+              <a:picLocks noChangeAspect="1"/>
+            </p:cNvPicPr>
+            <p:nvPr/>
+          </p:nvPicPr>
+          <p:blipFill>
+            <a:blip r:embed="rId2" cstate="print">
+              <a:extLst>
+                <a:ext uri="{28A0092B-C50C-407E-A947-70E740481C1C}">
+                  <a14:useLocalDpi xmlns:a14="http://schemas.microsoft.com/office/drawing/2010/main" val="0"/>
+                </a:ext>
+              </a:extLst>
+            </a:blip>
+            <a:stretch>
+              <a:fillRect/>
+            </a:stretch>
+          </p:blipFill>
+          <p:spPr>
+            <a:xfrm>
+              <a:off x="5849659" y="1451095"/>
+              <a:ext cx="1767080" cy="1740810"/>
+            </a:xfrm>
+            <a:prstGeom prst="rect">
+              <a:avLst/>
+            </a:prstGeom>
+          </p:spPr>
+        </p:pic>
+        <p:sp>
+          <p:nvSpPr>
+            <p:cNvPr id="21" name="TextBox 20"/>
+            <p:cNvSpPr txBox="1"/>
+            <p:nvPr/>
+          </p:nvSpPr>
+          <p:spPr>
+            <a:xfrm>
+              <a:off x="5647885" y="3227566"/>
+              <a:ext cx="3170854" cy="400110"/>
+            </a:xfrm>
+            <a:prstGeom prst="rect">
+              <a:avLst/>
+            </a:prstGeom>
+            <a:noFill/>
+          </p:spPr>
+          <p:txBody>
+            <a:bodyPr wrap="square" rtlCol="0">
+              <a:spAutoFit/>
+            </a:bodyPr>
+            <a:lstStyle/>
+            <a:p>
+              <a:r>
+                <a:rPr lang="id-ID" sz="2000" b="1" dirty="0" smtClean="0"/>
+                <a:t>Back-end Programmer</a:t>
+              </a:r>
+              <a:endParaRPr lang="id-ID" b="1" dirty="0" smtClean="0"/>
+            </a:p>
+          </p:txBody>
+        </p:sp>
+      </p:grpSp>
+      <p:grpSp>
+        <p:nvGrpSpPr>
+          <p:cNvPr id="9" name="Group 8"/>
+          <p:cNvGrpSpPr/>
+          <p:nvPr/>
+        </p:nvGrpSpPr>
+        <p:grpSpPr>
+          <a:xfrm>
+            <a:off x="8421851" y="584297"/>
+            <a:ext cx="2995085" cy="2436018"/>
+            <a:chOff x="8046331" y="1517307"/>
+            <a:chExt cx="2995085" cy="2436018"/>
+          </a:xfrm>
+        </p:grpSpPr>
+        <p:pic>
+          <p:nvPicPr>
+            <p:cNvPr id="11" name="Picture 10"/>
+            <p:cNvPicPr>
+              <a:picLocks noChangeAspect="1"/>
+            </p:cNvPicPr>
+            <p:nvPr/>
+          </p:nvPicPr>
+          <p:blipFill rotWithShape="1">
+            <a:blip r:embed="rId3" cstate="print">
+              <a:extLst>
+                <a:ext uri="{28A0092B-C50C-407E-A947-70E740481C1C}">
+                  <a14:useLocalDpi xmlns:a14="http://schemas.microsoft.com/office/drawing/2010/main" val="0"/>
+                </a:ext>
+              </a:extLst>
+            </a:blip>
+            <a:srcRect l="14392" t="211" r="476" b="10794"/>
+            <a:stretch/>
+          </p:blipFill>
+          <p:spPr>
+            <a:xfrm>
+              <a:off x="8275150" y="1517307"/>
+              <a:ext cx="1737312" cy="1721702"/>
+            </a:xfrm>
+            <a:prstGeom prst="flowChartConnector">
+              <a:avLst/>
+            </a:prstGeom>
+          </p:spPr>
+        </p:pic>
+        <p:sp>
+          <p:nvSpPr>
+            <p:cNvPr id="22" name="TextBox 21"/>
+            <p:cNvSpPr txBox="1"/>
+            <p:nvPr/>
+          </p:nvSpPr>
+          <p:spPr>
+            <a:xfrm>
+              <a:off x="8046331" y="3306994"/>
+              <a:ext cx="2995085" cy="646331"/>
+            </a:xfrm>
+            <a:prstGeom prst="rect">
+              <a:avLst/>
+            </a:prstGeom>
+            <a:noFill/>
+          </p:spPr>
+          <p:txBody>
+            <a:bodyPr wrap="square" rtlCol="0">
+              <a:spAutoFit/>
+            </a:bodyPr>
+            <a:lstStyle/>
+            <a:p>
+              <a:r>
+                <a:rPr lang="id-ID" b="1" dirty="0" smtClean="0"/>
+                <a:t>Database Administrator, </a:t>
+              </a:r>
+              <a:r>
+                <a:rPr lang="id-ID" dirty="0" smtClean="0"/>
+                <a:t>Dokumentasi</a:t>
+              </a:r>
+              <a:endParaRPr lang="id-ID" sz="1600" dirty="0" smtClean="0"/>
+            </a:p>
+          </p:txBody>
+        </p:sp>
+      </p:grpSp>
+      <p:grpSp>
+        <p:nvGrpSpPr>
+          <p:cNvPr id="10" name="Group 9"/>
+          <p:cNvGrpSpPr/>
+          <p:nvPr/>
+        </p:nvGrpSpPr>
+        <p:grpSpPr>
+          <a:xfrm>
+            <a:off x="8421852" y="3248488"/>
+            <a:ext cx="3446890" cy="2278255"/>
+            <a:chOff x="8357571" y="3647208"/>
+            <a:chExt cx="3446890" cy="2278255"/>
+          </a:xfrm>
+        </p:grpSpPr>
+        <p:pic>
+          <p:nvPicPr>
+            <p:cNvPr id="7" name="Picture 6"/>
+            <p:cNvPicPr>
+              <a:picLocks noChangeAspect="1"/>
+            </p:cNvPicPr>
+            <p:nvPr/>
+          </p:nvPicPr>
+          <p:blipFill rotWithShape="1">
+            <a:blip r:embed="rId4" cstate="print">
+              <a:extLst>
+                <a:ext uri="{28A0092B-C50C-407E-A947-70E740481C1C}">
+                  <a14:useLocalDpi xmlns:a14="http://schemas.microsoft.com/office/drawing/2010/main" val="0"/>
+                </a:ext>
+              </a:extLst>
+            </a:blip>
+            <a:srcRect l="32036" t="10640" r="34000" b="29510"/>
+            <a:stretch/>
+          </p:blipFill>
+          <p:spPr>
+            <a:xfrm>
+              <a:off x="8357571" y="3647208"/>
+              <a:ext cx="1802636" cy="1785576"/>
+            </a:xfrm>
+            <a:prstGeom prst="flowChartConnector">
+              <a:avLst/>
+            </a:prstGeom>
+          </p:spPr>
+        </p:pic>
+        <p:sp>
+          <p:nvSpPr>
+            <p:cNvPr id="23" name="TextBox 22"/>
+            <p:cNvSpPr txBox="1"/>
+            <p:nvPr/>
+          </p:nvSpPr>
+          <p:spPr>
+            <a:xfrm>
+              <a:off x="8357571" y="5525353"/>
+              <a:ext cx="3446890" cy="400110"/>
+            </a:xfrm>
+            <a:prstGeom prst="rect">
+              <a:avLst/>
+            </a:prstGeom>
+            <a:noFill/>
+          </p:spPr>
+          <p:txBody>
+            <a:bodyPr wrap="square" rtlCol="0">
+              <a:spAutoFit/>
+            </a:bodyPr>
+            <a:lstStyle/>
+            <a:p>
+              <a:r>
+                <a:rPr lang="id-ID" sz="2000" b="1" dirty="0" smtClean="0"/>
+                <a:t>Front-End Designer</a:t>
+              </a:r>
+              <a:endParaRPr lang="id-ID" b="1" dirty="0" smtClean="0"/>
+            </a:p>
+          </p:txBody>
+        </p:sp>
+      </p:grpSp>
+      <p:grpSp>
+        <p:nvGrpSpPr>
+          <p:cNvPr id="12" name="Group 11"/>
+          <p:cNvGrpSpPr/>
+          <p:nvPr/>
+        </p:nvGrpSpPr>
+        <p:grpSpPr>
+          <a:xfrm>
+            <a:off x="3869267" y="584297"/>
+            <a:ext cx="3276116" cy="2541080"/>
+            <a:chOff x="3869267" y="179345"/>
+            <a:chExt cx="3276116" cy="2541080"/>
+          </a:xfrm>
+        </p:grpSpPr>
+        <p:sp>
+          <p:nvSpPr>
+            <p:cNvPr id="2" name="TextBox 1"/>
+            <p:cNvSpPr txBox="1"/>
+            <p:nvPr/>
+          </p:nvSpPr>
+          <p:spPr>
+            <a:xfrm>
+              <a:off x="3869267" y="2012539"/>
+              <a:ext cx="3276116" cy="707886"/>
+            </a:xfrm>
+            <a:prstGeom prst="rect">
+              <a:avLst/>
+            </a:prstGeom>
+            <a:noFill/>
+          </p:spPr>
+          <p:txBody>
+            <a:bodyPr wrap="square" rtlCol="0">
+              <a:spAutoFit/>
+            </a:bodyPr>
+            <a:lstStyle/>
+            <a:p>
+              <a:r>
+                <a:rPr lang="id-ID" sz="2000" dirty="0" smtClean="0"/>
+                <a:t>Project Manager, </a:t>
+              </a:r>
+              <a:r>
+                <a:rPr lang="id-ID" sz="2000" b="1" dirty="0" smtClean="0"/>
+                <a:t>Back-end Programmer</a:t>
+              </a:r>
+            </a:p>
+          </p:txBody>
+        </p:sp>
+        <p:pic>
+          <p:nvPicPr>
+            <p:cNvPr id="24" name="Picture 23"/>
+            <p:cNvPicPr>
+              <a:picLocks noChangeAspect="1"/>
+            </p:cNvPicPr>
+            <p:nvPr/>
+          </p:nvPicPr>
+          <p:blipFill>
+            <a:blip r:embed="rId5" cstate="print">
+              <a:extLst>
+                <a:ext uri="{28A0092B-C50C-407E-A947-70E740481C1C}">
+                  <a14:useLocalDpi xmlns:a14="http://schemas.microsoft.com/office/drawing/2010/main" val="0"/>
+                </a:ext>
+              </a:extLst>
+            </a:blip>
+            <a:stretch>
+              <a:fillRect/>
+            </a:stretch>
+          </p:blipFill>
+          <p:spPr>
+            <a:xfrm>
+              <a:off x="4013934" y="179345"/>
+              <a:ext cx="1806345" cy="1833194"/>
+            </a:xfrm>
+            <a:prstGeom prst="flowChartConnector">
+              <a:avLst/>
+            </a:prstGeom>
+          </p:spPr>
+        </p:pic>
+      </p:grpSp>
       <p:pic>
         <p:nvPicPr>
-          <p:cNvPr id="3" name="Picture 2"/>
-          <p:cNvPicPr>
-            <a:picLocks noChangeAspect="1"/>
-          </p:cNvPicPr>
-          <p:nvPr/>
-        </p:nvPicPr>
-        <p:blipFill>
-          <a:blip r:embed="rId2" cstate="print">
-            <a:extLst>
-              <a:ext uri="{28A0092B-C50C-407E-A947-70E740481C1C}">
-                <a14:useLocalDpi xmlns:a14="http://schemas.microsoft.com/office/drawing/2010/main" val="0"/>
-              </a:ext>
-            </a:extLst>
-          </a:blip>
-          <a:stretch>
-            <a:fillRect/>
-          </a:stretch>
-        </p:blipFill>
-        <p:spPr>
-          <a:xfrm>
-            <a:off x="1094645" y="1712135"/>
-            <a:ext cx="1738432" cy="1681310"/>
-          </a:xfrm>
-          <a:prstGeom prst="flowChartConnector">
-            <a:avLst/>
-          </a:prstGeom>
-        </p:spPr>
-      </p:pic>
-      <p:pic>
-        <p:nvPicPr>
-          <p:cNvPr id="4" name="Picture 3"/>
-          <p:cNvPicPr>
-            <a:picLocks noChangeAspect="1"/>
-          </p:cNvPicPr>
-          <p:nvPr/>
-        </p:nvPicPr>
-        <p:blipFill>
-          <a:blip r:embed="rId3" cstate="print">
-            <a:extLst>
-              <a:ext uri="{28A0092B-C50C-407E-A947-70E740481C1C}">
-                <a14:useLocalDpi xmlns:a14="http://schemas.microsoft.com/office/drawing/2010/main" val="0"/>
-              </a:ext>
-            </a:extLst>
-          </a:blip>
-          <a:stretch>
-            <a:fillRect/>
-          </a:stretch>
-        </p:blipFill>
-        <p:spPr>
-          <a:xfrm>
-            <a:off x="1094646" y="3658506"/>
-            <a:ext cx="1740811" cy="1740811"/>
-          </a:xfrm>
-          <a:prstGeom prst="rect">
-            <a:avLst/>
-          </a:prstGeom>
-        </p:spPr>
-      </p:pic>
-      <p:pic>
-        <p:nvPicPr>
-          <p:cNvPr id="5" name="Picture 4"/>
-          <p:cNvPicPr>
-            <a:picLocks noChangeAspect="1"/>
-          </p:cNvPicPr>
-          <p:nvPr/>
-        </p:nvPicPr>
-        <p:blipFill rotWithShape="1">
-          <a:blip r:embed="rId4" cstate="print">
-            <a:extLst>
-              <a:ext uri="{28A0092B-C50C-407E-A947-70E740481C1C}">
-                <a14:useLocalDpi xmlns:a14="http://schemas.microsoft.com/office/drawing/2010/main" val="0"/>
-              </a:ext>
-            </a:extLst>
-          </a:blip>
-          <a:srcRect l="32036" t="10640" r="34000" b="29510"/>
-          <a:stretch/>
-        </p:blipFill>
-        <p:spPr>
-          <a:xfrm>
-            <a:off x="5508166" y="1712132"/>
-            <a:ext cx="1879605" cy="1861831"/>
-          </a:xfrm>
-          <a:prstGeom prst="flowChartConnector">
-            <a:avLst/>
-          </a:prstGeom>
-        </p:spPr>
-      </p:pic>
-      <p:sp>
-        <p:nvSpPr>
-          <p:cNvPr id="6" name="Rounded Rectangle 5"/>
-          <p:cNvSpPr/>
-          <p:nvPr/>
-        </p:nvSpPr>
-        <p:spPr>
-          <a:xfrm>
-            <a:off x="2956500" y="2023015"/>
-            <a:ext cx="2312181" cy="966931"/>
-          </a:xfrm>
-          <a:prstGeom prst="roundRect">
-            <a:avLst/>
-          </a:prstGeom>
-          <a:solidFill>
-            <a:schemeClr val="accent6"/>
-          </a:solidFill>
-          <a:ln>
-            <a:solidFill>
-              <a:schemeClr val="accent6"/>
-            </a:solidFill>
-          </a:ln>
-        </p:spPr>
-        <p:style>
-          <a:lnRef idx="2">
-            <a:schemeClr val="accent1">
-              <a:shade val="50000"/>
-            </a:schemeClr>
-          </a:lnRef>
-          <a:fillRef idx="1">
-            <a:schemeClr val="accent1"/>
-          </a:fillRef>
-          <a:effectRef idx="0">
-            <a:schemeClr val="accent1"/>
-          </a:effectRef>
-          <a:fontRef idx="minor">
-            <a:schemeClr val="lt1"/>
-          </a:fontRef>
-        </p:style>
-        <p:txBody>
-          <a:bodyPr rtlCol="0" anchor="ctr"/>
-          <a:lstStyle/>
-          <a:p>
-            <a:pPr marL="285750" indent="-285750">
-              <a:buFont typeface="Arial" panose="020B0604020202020204" pitchFamily="34" charset="0"/>
-              <a:buChar char="•"/>
-            </a:pPr>
-            <a:r>
-              <a:rPr lang="id-ID" dirty="0" smtClean="0">
-                <a:solidFill>
-                  <a:sysClr val="windowText" lastClr="000000"/>
-                </a:solidFill>
-                <a:latin typeface="Akbar" panose="00000400000000000000" pitchFamily="2" charset="0"/>
-              </a:rPr>
-              <a:t>Project </a:t>
-            </a:r>
-            <a:r>
-              <a:rPr lang="id-ID" dirty="0" smtClean="0">
-                <a:solidFill>
-                  <a:sysClr val="windowText" lastClr="000000"/>
-                </a:solidFill>
-                <a:latin typeface="Akbar" panose="00000400000000000000" pitchFamily="2" charset="0"/>
-              </a:rPr>
-              <a:t>manager</a:t>
-            </a:r>
-            <a:endParaRPr lang="en-US" dirty="0" smtClean="0">
-              <a:solidFill>
-                <a:sysClr val="windowText" lastClr="000000"/>
-              </a:solidFill>
-              <a:latin typeface="Akbar" panose="00000400000000000000" pitchFamily="2" charset="0"/>
-            </a:endParaRPr>
-          </a:p>
-          <a:p>
-            <a:pPr marL="285750" indent="-285750">
-              <a:buFont typeface="Arial" panose="020B0604020202020204" pitchFamily="34" charset="0"/>
-              <a:buChar char="•"/>
-            </a:pPr>
-            <a:r>
-              <a:rPr lang="en-US" dirty="0" smtClean="0">
-                <a:solidFill>
-                  <a:sysClr val="windowText" lastClr="000000"/>
-                </a:solidFill>
-                <a:latin typeface="Akbar" panose="00000400000000000000" pitchFamily="2" charset="0"/>
-              </a:rPr>
-              <a:t>Back-End Programmer</a:t>
-            </a:r>
-            <a:endParaRPr lang="id-ID" dirty="0" smtClean="0">
-              <a:solidFill>
-                <a:sysClr val="windowText" lastClr="000000"/>
-              </a:solidFill>
-              <a:latin typeface="Akbar" panose="00000400000000000000" pitchFamily="2" charset="0"/>
-            </a:endParaRPr>
-          </a:p>
-        </p:txBody>
-      </p:sp>
-      <p:sp>
-        <p:nvSpPr>
-          <p:cNvPr id="7" name="Rounded Rectangle 6"/>
-          <p:cNvSpPr/>
-          <p:nvPr/>
-        </p:nvSpPr>
-        <p:spPr>
-          <a:xfrm>
-            <a:off x="2956500" y="4091301"/>
-            <a:ext cx="2312181" cy="1085817"/>
-          </a:xfrm>
-          <a:prstGeom prst="roundRect">
-            <a:avLst/>
-          </a:prstGeom>
-          <a:solidFill>
-            <a:schemeClr val="accent6"/>
-          </a:solidFill>
-          <a:ln>
-            <a:solidFill>
-              <a:schemeClr val="accent6"/>
-            </a:solidFill>
-          </a:ln>
-        </p:spPr>
-        <p:style>
-          <a:lnRef idx="2">
-            <a:schemeClr val="accent1">
-              <a:shade val="50000"/>
-            </a:schemeClr>
-          </a:lnRef>
-          <a:fillRef idx="1">
-            <a:schemeClr val="accent1"/>
-          </a:fillRef>
-          <a:effectRef idx="0">
-            <a:schemeClr val="accent1"/>
-          </a:effectRef>
-          <a:fontRef idx="minor">
-            <a:schemeClr val="lt1"/>
-          </a:fontRef>
-        </p:style>
-        <p:txBody>
-          <a:bodyPr rtlCol="0" anchor="ctr"/>
-          <a:lstStyle/>
-          <a:p>
-            <a:pPr marL="285750" indent="-285750">
-              <a:buFont typeface="Arial" panose="020B0604020202020204" pitchFamily="34" charset="0"/>
-              <a:buChar char="•"/>
-            </a:pPr>
-            <a:r>
-              <a:rPr lang="id-ID" dirty="0" smtClean="0">
-                <a:ln w="0"/>
-                <a:solidFill>
-                  <a:schemeClr val="tx1"/>
-                </a:solidFill>
-                <a:effectLst>
-                  <a:outerShdw blurRad="38100" dist="19050" dir="2700000" algn="tl" rotWithShape="0">
-                    <a:schemeClr val="dk1">
-                      <a:alpha val="40000"/>
-                    </a:schemeClr>
-                  </a:outerShdw>
-                </a:effectLst>
-                <a:latin typeface="Akbar" panose="00000400000000000000" pitchFamily="2" charset="0"/>
-              </a:rPr>
-              <a:t>Back End </a:t>
-            </a:r>
-            <a:r>
-              <a:rPr lang="id-ID" dirty="0" smtClean="0">
-                <a:ln w="0"/>
-                <a:solidFill>
-                  <a:schemeClr val="tx1"/>
-                </a:solidFill>
-                <a:effectLst>
-                  <a:outerShdw blurRad="38100" dist="19050" dir="2700000" algn="tl" rotWithShape="0">
-                    <a:schemeClr val="dk1">
-                      <a:alpha val="40000"/>
-                    </a:schemeClr>
-                  </a:outerShdw>
-                </a:effectLst>
-                <a:latin typeface="Akbar" panose="00000400000000000000" pitchFamily="2" charset="0"/>
-              </a:rPr>
-              <a:t>Programmer</a:t>
-            </a:r>
-            <a:endParaRPr lang="en-US" dirty="0" smtClean="0">
-              <a:ln w="0"/>
-              <a:solidFill>
-                <a:schemeClr val="tx1"/>
-              </a:solidFill>
-              <a:effectLst>
-                <a:outerShdw blurRad="38100" dist="19050" dir="2700000" algn="tl" rotWithShape="0">
-                  <a:schemeClr val="dk1">
-                    <a:alpha val="40000"/>
-                  </a:schemeClr>
-                </a:outerShdw>
-              </a:effectLst>
-              <a:latin typeface="Akbar" panose="00000400000000000000" pitchFamily="2" charset="0"/>
-            </a:endParaRPr>
-          </a:p>
-          <a:p>
-            <a:pPr marL="285750" indent="-285750">
-              <a:buFont typeface="Arial" panose="020B0604020202020204" pitchFamily="34" charset="0"/>
-              <a:buChar char="•"/>
-            </a:pPr>
-            <a:r>
-              <a:rPr lang="en-US" dirty="0" smtClean="0">
-                <a:ln w="0"/>
-                <a:solidFill>
-                  <a:schemeClr val="tx1"/>
-                </a:solidFill>
-                <a:effectLst>
-                  <a:outerShdw blurRad="38100" dist="19050" dir="2700000" algn="tl" rotWithShape="0">
-                    <a:schemeClr val="dk1">
-                      <a:alpha val="40000"/>
-                    </a:schemeClr>
-                  </a:outerShdw>
-                </a:effectLst>
-                <a:latin typeface="Akbar" panose="00000400000000000000" pitchFamily="2" charset="0"/>
-              </a:rPr>
-              <a:t>Database Administrator</a:t>
-            </a:r>
-            <a:endParaRPr lang="id-ID" dirty="0">
-              <a:ln w="0"/>
-              <a:solidFill>
-                <a:schemeClr val="tx1"/>
-              </a:solidFill>
-              <a:effectLst>
-                <a:outerShdw blurRad="38100" dist="19050" dir="2700000" algn="tl" rotWithShape="0">
-                  <a:schemeClr val="dk1">
-                    <a:alpha val="40000"/>
-                  </a:schemeClr>
-                </a:outerShdw>
-              </a:effectLst>
-              <a:latin typeface="Akbar" panose="00000400000000000000" pitchFamily="2" charset="0"/>
-            </a:endParaRPr>
-          </a:p>
-        </p:txBody>
-      </p:sp>
-      <p:sp>
-        <p:nvSpPr>
-          <p:cNvPr id="8" name="Rounded Rectangle 7"/>
-          <p:cNvSpPr/>
-          <p:nvPr/>
-        </p:nvSpPr>
-        <p:spPr>
-          <a:xfrm>
-            <a:off x="7521242" y="2023015"/>
-            <a:ext cx="2312181" cy="966931"/>
-          </a:xfrm>
-          <a:prstGeom prst="roundRect">
-            <a:avLst/>
-          </a:prstGeom>
-          <a:solidFill>
-            <a:schemeClr val="accent6"/>
-          </a:solidFill>
-          <a:ln>
-            <a:solidFill>
-              <a:schemeClr val="accent6"/>
-            </a:solidFill>
-          </a:ln>
-        </p:spPr>
-        <p:style>
-          <a:lnRef idx="2">
-            <a:schemeClr val="accent1">
-              <a:shade val="50000"/>
-            </a:schemeClr>
-          </a:lnRef>
-          <a:fillRef idx="1">
-            <a:schemeClr val="accent1"/>
-          </a:fillRef>
-          <a:effectRef idx="0">
-            <a:schemeClr val="accent1"/>
-          </a:effectRef>
-          <a:fontRef idx="minor">
-            <a:schemeClr val="lt1"/>
-          </a:fontRef>
-        </p:style>
-        <p:txBody>
-          <a:bodyPr rtlCol="0" anchor="ctr"/>
-          <a:lstStyle/>
-          <a:p>
-            <a:pPr marL="285750" indent="-285750">
-              <a:buFont typeface="Arial" panose="020B0604020202020204" pitchFamily="34" charset="0"/>
-              <a:buChar char="•"/>
-            </a:pPr>
-            <a:r>
-              <a:rPr lang="en-US" dirty="0" smtClean="0">
-                <a:ln w="0"/>
-                <a:solidFill>
-                  <a:schemeClr val="tx1"/>
-                </a:solidFill>
-                <a:effectLst>
-                  <a:outerShdw blurRad="38100" dist="19050" dir="2700000" algn="tl" rotWithShape="0">
-                    <a:schemeClr val="dk1">
-                      <a:alpha val="40000"/>
-                    </a:schemeClr>
-                  </a:outerShdw>
-                </a:effectLst>
-                <a:latin typeface="Akbar" panose="00000400000000000000" pitchFamily="2" charset="0"/>
-              </a:rPr>
-              <a:t>Front-End Designer</a:t>
-            </a:r>
-            <a:endParaRPr lang="id-ID" dirty="0">
-              <a:ln w="0"/>
-              <a:solidFill>
-                <a:schemeClr val="tx1"/>
-              </a:solidFill>
-              <a:effectLst>
-                <a:outerShdw blurRad="38100" dist="19050" dir="2700000" algn="tl" rotWithShape="0">
-                  <a:schemeClr val="dk1">
-                    <a:alpha val="40000"/>
-                  </a:schemeClr>
-                </a:outerShdw>
-              </a:effectLst>
-              <a:latin typeface="Akbar" panose="00000400000000000000" pitchFamily="2" charset="0"/>
-            </a:endParaRPr>
-          </a:p>
-        </p:txBody>
-      </p:sp>
-      <p:pic>
-        <p:nvPicPr>
-          <p:cNvPr id="9" name="Picture 8"/>
-          <p:cNvPicPr>
-            <a:picLocks noChangeAspect="1"/>
-          </p:cNvPicPr>
-          <p:nvPr/>
-        </p:nvPicPr>
-        <p:blipFill rotWithShape="1">
-          <a:blip r:embed="rId5" cstate="print">
-            <a:extLst>
-              <a:ext uri="{28A0092B-C50C-407E-A947-70E740481C1C}">
-                <a14:useLocalDpi xmlns:a14="http://schemas.microsoft.com/office/drawing/2010/main" val="0"/>
-              </a:ext>
-            </a:extLst>
-          </a:blip>
-          <a:srcRect l="14392" t="211" r="476" b="10794"/>
-          <a:stretch/>
-        </p:blipFill>
-        <p:spPr>
-          <a:xfrm>
-            <a:off x="5650458" y="3713906"/>
-            <a:ext cx="1737313" cy="1721717"/>
-          </a:xfrm>
-          <a:prstGeom prst="flowChartConnector">
-            <a:avLst/>
-          </a:prstGeom>
-        </p:spPr>
-      </p:pic>
-      <p:sp>
-        <p:nvSpPr>
-          <p:cNvPr id="10" name="Rounded Rectangle 9"/>
-          <p:cNvSpPr/>
-          <p:nvPr/>
-        </p:nvSpPr>
-        <p:spPr>
-          <a:xfrm>
-            <a:off x="7521242" y="4091300"/>
-            <a:ext cx="2312181" cy="966931"/>
-          </a:xfrm>
-          <a:prstGeom prst="roundRect">
-            <a:avLst/>
-          </a:prstGeom>
-          <a:solidFill>
-            <a:schemeClr val="accent6"/>
-          </a:solidFill>
-          <a:ln>
-            <a:solidFill>
-              <a:schemeClr val="accent6"/>
-            </a:solidFill>
-          </a:ln>
-        </p:spPr>
-        <p:style>
-          <a:lnRef idx="2">
-            <a:schemeClr val="accent1">
-              <a:shade val="50000"/>
-            </a:schemeClr>
-          </a:lnRef>
-          <a:fillRef idx="1">
-            <a:schemeClr val="accent1"/>
-          </a:fillRef>
-          <a:effectRef idx="0">
-            <a:schemeClr val="accent1"/>
-          </a:effectRef>
-          <a:fontRef idx="minor">
-            <a:schemeClr val="lt1"/>
-          </a:fontRef>
-        </p:style>
-        <p:txBody>
-          <a:bodyPr rtlCol="0" anchor="ctr"/>
-          <a:lstStyle/>
-          <a:p>
-            <a:pPr marL="285750" indent="-285750">
-              <a:buFont typeface="Arial" panose="020B0604020202020204" pitchFamily="34" charset="0"/>
-              <a:buChar char="•"/>
-            </a:pPr>
-            <a:r>
-              <a:rPr lang="en-US" dirty="0" err="1" smtClean="0">
-                <a:ln w="0"/>
-                <a:solidFill>
-                  <a:schemeClr val="tx1"/>
-                </a:solidFill>
-                <a:effectLst>
-                  <a:outerShdw blurRad="38100" dist="19050" dir="2700000" algn="tl" rotWithShape="0">
-                    <a:schemeClr val="dk1">
-                      <a:alpha val="40000"/>
-                    </a:schemeClr>
-                  </a:outerShdw>
-                </a:effectLst>
-                <a:latin typeface="Akbar" panose="00000400000000000000" pitchFamily="2" charset="0"/>
-              </a:rPr>
-              <a:t>Dokumentasi</a:t>
-            </a:r>
-            <a:endParaRPr lang="en-US" dirty="0" smtClean="0">
-              <a:ln w="0"/>
-              <a:solidFill>
-                <a:schemeClr val="tx1"/>
-              </a:solidFill>
-              <a:effectLst>
-                <a:outerShdw blurRad="38100" dist="19050" dir="2700000" algn="tl" rotWithShape="0">
-                  <a:schemeClr val="dk1">
-                    <a:alpha val="40000"/>
-                  </a:schemeClr>
-                </a:outerShdw>
-              </a:effectLst>
-              <a:latin typeface="Akbar" panose="00000400000000000000" pitchFamily="2" charset="0"/>
-            </a:endParaRPr>
-          </a:p>
-          <a:p>
-            <a:pPr marL="285750" indent="-285750">
-              <a:buFont typeface="Arial" panose="020B0604020202020204" pitchFamily="34" charset="0"/>
-              <a:buChar char="•"/>
-            </a:pPr>
-            <a:r>
-              <a:rPr lang="en-US" dirty="0" smtClean="0">
-                <a:ln w="0"/>
-                <a:solidFill>
-                  <a:schemeClr val="tx1"/>
-                </a:solidFill>
-                <a:effectLst>
-                  <a:outerShdw blurRad="38100" dist="19050" dir="2700000" algn="tl" rotWithShape="0">
-                    <a:schemeClr val="dk1">
-                      <a:alpha val="40000"/>
-                    </a:schemeClr>
-                  </a:outerShdw>
-                </a:effectLst>
-                <a:latin typeface="Akbar" panose="00000400000000000000" pitchFamily="2" charset="0"/>
-              </a:rPr>
-              <a:t>Database Administrator</a:t>
-            </a:r>
-            <a:endParaRPr lang="id-ID" dirty="0">
-              <a:ln w="0"/>
-              <a:solidFill>
-                <a:schemeClr val="tx1"/>
-              </a:solidFill>
-              <a:effectLst>
-                <a:outerShdw blurRad="38100" dist="19050" dir="2700000" algn="tl" rotWithShape="0">
-                  <a:schemeClr val="dk1">
-                    <a:alpha val="40000"/>
-                  </a:schemeClr>
-                </a:outerShdw>
-              </a:effectLst>
-              <a:latin typeface="Akbar" panose="00000400000000000000" pitchFamily="2" charset="0"/>
-            </a:endParaRPr>
-          </a:p>
-        </p:txBody>
-      </p:sp>
-      <p:pic>
-        <p:nvPicPr>
-          <p:cNvPr id="15" name="Picture 14"/>
+          <p:cNvPr id="25" name="Picture 24"/>
           <p:cNvPicPr>
             <a:picLocks noChangeAspect="1"/>
           </p:cNvPicPr>
@@ -9000,7 +7413,7 @@
         </p:blipFill>
         <p:spPr>
           <a:xfrm>
-            <a:off x="5526116" y="5493061"/>
+            <a:off x="10725576" y="5871249"/>
             <a:ext cx="1139767" cy="863289"/>
           </a:xfrm>
           <a:prstGeom prst="rect">
@@ -9011,7 +7424,7 @@
     </p:spTree>
     <p:extLst>
       <p:ext uri="{BB962C8B-B14F-4D97-AF65-F5344CB8AC3E}">
-        <p14:creationId xmlns:p14="http://schemas.microsoft.com/office/powerpoint/2010/main" val="212191264"/>
+        <p14:creationId xmlns:p14="http://schemas.microsoft.com/office/powerpoint/2010/main" val="3071932996"/>
       </p:ext>
     </p:extLst>
   </p:cSld>
@@ -9047,250 +7460,28 @@
       </p:grpSpPr>
       <p:sp>
         <p:nvSpPr>
-          <p:cNvPr id="2" name="Title 1"/>
-          <p:cNvSpPr>
-            <a:spLocks noGrp="1"/>
-          </p:cNvSpPr>
-          <p:nvPr>
-            <p:ph type="title"/>
-          </p:nvPr>
-        </p:nvSpPr>
-        <p:spPr>
-          <a:xfrm>
-            <a:off x="1143000" y="609600"/>
-            <a:ext cx="9764485" cy="1045029"/>
-          </a:xfrm>
-        </p:spPr>
-        <p:txBody>
-          <a:bodyPr>
-            <a:normAutofit/>
-          </a:bodyPr>
-          <a:lstStyle/>
-          <a:p>
-            <a:pPr algn="ctr"/>
-            <a:r>
-              <a:rPr lang="id-ID" dirty="0" smtClean="0">
+          <p:cNvPr id="5" name="Date Placeholder 4"/>
+          <p:cNvSpPr>
+            <a:spLocks noGrp="1"/>
+          </p:cNvSpPr>
+          <p:nvPr>
+            <p:ph type="dt" sz="half" idx="10"/>
+          </p:nvPr>
+        </p:nvSpPr>
+        <p:spPr/>
+        <p:txBody>
+          <a:bodyPr/>
+          <a:lstStyle/>
+          <a:p>
+            <a:fld id="{6404C727-EE02-4EF3-9DC0-FB4D0AFAA41F}" type="datetime1">
+              <a:rPr lang="id-ID" smtClean="0">
                 <a:solidFill>
                   <a:schemeClr val="tx2">
                     <a:lumMod val="50000"/>
                   </a:schemeClr>
                 </a:solidFill>
-                <a:latin typeface="Akbar" panose="00000400000000000000" pitchFamily="2" charset="0"/>
               </a:rPr>
-              <a:t>Gambaran Umum Aplikasi</a:t>
-            </a:r>
-            <a:endParaRPr lang="id-ID" dirty="0">
-              <a:solidFill>
-                <a:schemeClr val="tx2">
-                  <a:lumMod val="50000"/>
-                </a:schemeClr>
-              </a:solidFill>
-              <a:latin typeface="Akbar" panose="00000400000000000000" pitchFamily="2" charset="0"/>
-            </a:endParaRPr>
-          </a:p>
-        </p:txBody>
-      </p:sp>
-      <p:sp>
-        <p:nvSpPr>
-          <p:cNvPr id="3" name="Content Placeholder 2"/>
-          <p:cNvSpPr>
-            <a:spLocks noGrp="1"/>
-          </p:cNvSpPr>
-          <p:nvPr>
-            <p:ph idx="1"/>
-          </p:nvPr>
-        </p:nvSpPr>
-        <p:spPr>
-          <a:xfrm>
-            <a:off x="2689624" y="1919928"/>
-            <a:ext cx="6897188" cy="4038600"/>
-          </a:xfrm>
-        </p:spPr>
-        <p:txBody>
-          <a:bodyPr/>
-          <a:lstStyle/>
-          <a:p>
-            <a:pPr marL="45720" indent="0" algn="just">
-              <a:buNone/>
-            </a:pPr>
-            <a:r>
-              <a:rPr lang="id-ID" dirty="0" smtClean="0">
-                <a:solidFill>
-                  <a:schemeClr val="tx2">
-                    <a:lumMod val="50000"/>
-                  </a:schemeClr>
-                </a:solidFill>
-                <a:latin typeface="Akbar" panose="00000400000000000000" pitchFamily="2" charset="0"/>
-              </a:rPr>
-              <a:t>Adaflorist adalah </a:t>
-            </a:r>
-            <a:r>
-              <a:rPr lang="id-ID" dirty="0">
-                <a:solidFill>
-                  <a:schemeClr val="tx2">
-                    <a:lumMod val="50000"/>
-                  </a:schemeClr>
-                </a:solidFill>
-                <a:latin typeface="Akbar" panose="00000400000000000000" pitchFamily="2" charset="0"/>
-              </a:rPr>
-              <a:t>aplikasi yang menjadi sarana untuk </a:t>
-            </a:r>
-            <a:r>
-              <a:rPr lang="id-ID" dirty="0" smtClean="0">
-                <a:solidFill>
-                  <a:schemeClr val="tx2">
-                    <a:lumMod val="50000"/>
-                  </a:schemeClr>
-                </a:solidFill>
-                <a:latin typeface="Akbar" panose="00000400000000000000" pitchFamily="2" charset="0"/>
-              </a:rPr>
-              <a:t>pecinta tanaman hias untuk </a:t>
-            </a:r>
-            <a:r>
-              <a:rPr lang="id-ID" dirty="0">
-                <a:solidFill>
-                  <a:schemeClr val="tx2">
-                    <a:lumMod val="50000"/>
-                  </a:schemeClr>
-                </a:solidFill>
-                <a:latin typeface="Akbar" panose="00000400000000000000" pitchFamily="2" charset="0"/>
-              </a:rPr>
-              <a:t>menemukan </a:t>
-            </a:r>
-            <a:r>
-              <a:rPr lang="id-ID" dirty="0" smtClean="0">
-                <a:solidFill>
-                  <a:schemeClr val="tx2">
-                    <a:lumMod val="50000"/>
-                  </a:schemeClr>
-                </a:solidFill>
-                <a:latin typeface="Akbar" panose="00000400000000000000" pitchFamily="2" charset="0"/>
-              </a:rPr>
-              <a:t>tanaman hias terbaik </a:t>
-            </a:r>
-            <a:r>
-              <a:rPr lang="id-ID" dirty="0">
-                <a:solidFill>
-                  <a:schemeClr val="tx2">
-                    <a:lumMod val="50000"/>
-                  </a:schemeClr>
-                </a:solidFill>
-                <a:latin typeface="Akbar" panose="00000400000000000000" pitchFamily="2" charset="0"/>
-              </a:rPr>
-              <a:t>untuk </a:t>
-            </a:r>
-            <a:r>
-              <a:rPr lang="id-ID" dirty="0" smtClean="0">
-                <a:solidFill>
-                  <a:schemeClr val="tx2">
-                    <a:lumMod val="50000"/>
-                  </a:schemeClr>
-                </a:solidFill>
-                <a:latin typeface="Akbar" panose="00000400000000000000" pitchFamily="2" charset="0"/>
-              </a:rPr>
-              <a:t>mereka</a:t>
-            </a:r>
-            <a:r>
-              <a:rPr lang="id-ID" dirty="0">
-                <a:solidFill>
-                  <a:schemeClr val="tx2">
-                    <a:lumMod val="50000"/>
-                  </a:schemeClr>
-                </a:solidFill>
-                <a:latin typeface="Akbar" panose="00000400000000000000" pitchFamily="2" charset="0"/>
-              </a:rPr>
-              <a:t>, diharapkan </a:t>
-            </a:r>
-            <a:r>
-              <a:rPr lang="id-ID" dirty="0" smtClean="0">
-                <a:solidFill>
-                  <a:schemeClr val="tx2">
-                    <a:lumMod val="50000"/>
-                  </a:schemeClr>
-                </a:solidFill>
-                <a:latin typeface="Akbar" panose="00000400000000000000" pitchFamily="2" charset="0"/>
-              </a:rPr>
-              <a:t>aplikasi ini </a:t>
-            </a:r>
-            <a:r>
-              <a:rPr lang="id-ID" dirty="0">
-                <a:solidFill>
-                  <a:schemeClr val="tx2">
-                    <a:lumMod val="50000"/>
-                  </a:schemeClr>
-                </a:solidFill>
-                <a:latin typeface="Akbar" panose="00000400000000000000" pitchFamily="2" charset="0"/>
-              </a:rPr>
-              <a:t>dapat membantu para </a:t>
-            </a:r>
-            <a:r>
-              <a:rPr lang="id-ID" dirty="0" smtClean="0">
-                <a:solidFill>
-                  <a:schemeClr val="tx2">
-                    <a:lumMod val="50000"/>
-                  </a:schemeClr>
-                </a:solidFill>
-                <a:latin typeface="Akbar" panose="00000400000000000000" pitchFamily="2" charset="0"/>
-              </a:rPr>
-              <a:t>pencari tanaman hias </a:t>
-            </a:r>
-            <a:r>
-              <a:rPr lang="id-ID" dirty="0">
-                <a:solidFill>
-                  <a:schemeClr val="tx2">
-                    <a:lumMod val="50000"/>
-                  </a:schemeClr>
-                </a:solidFill>
-                <a:latin typeface="Akbar" panose="00000400000000000000" pitchFamily="2" charset="0"/>
-              </a:rPr>
-              <a:t>untuk </a:t>
-            </a:r>
-            <a:r>
-              <a:rPr lang="id-ID" dirty="0" smtClean="0">
-                <a:solidFill>
-                  <a:schemeClr val="tx2">
-                    <a:lumMod val="50000"/>
-                  </a:schemeClr>
-                </a:solidFill>
-                <a:latin typeface="Akbar" panose="00000400000000000000" pitchFamily="2" charset="0"/>
-              </a:rPr>
-              <a:t>menemukan tanaman yang mereka inginkan.</a:t>
-            </a:r>
-            <a:endParaRPr lang="id-ID" dirty="0">
-              <a:solidFill>
-                <a:schemeClr val="tx2">
-                  <a:lumMod val="50000"/>
-                </a:schemeClr>
-              </a:solidFill>
-              <a:latin typeface="Akbar" panose="00000400000000000000" pitchFamily="2" charset="0"/>
-            </a:endParaRPr>
-          </a:p>
-        </p:txBody>
-      </p:sp>
-      <p:sp>
-        <p:nvSpPr>
-          <p:cNvPr id="5" name="Date Placeholder 4"/>
-          <p:cNvSpPr>
-            <a:spLocks noGrp="1"/>
-          </p:cNvSpPr>
-          <p:nvPr>
-            <p:ph type="dt" sz="half" idx="10"/>
-          </p:nvPr>
-        </p:nvSpPr>
-        <p:spPr/>
-        <p:txBody>
-          <a:bodyPr/>
-          <a:lstStyle/>
-          <a:p>
-            <a:fld id="{6404C727-EE02-4EF3-9DC0-FB4D0AFAA41F}" type="datetime1">
-              <a:rPr lang="id-ID" smtClean="0">
-                <a:solidFill>
-                  <a:schemeClr val="tx2">
-                    <a:lumMod val="50000"/>
-                  </a:schemeClr>
-                </a:solidFill>
-              </a:rPr>
-              <a:t>20/05/2016</a:t>
+              <a:t>01/06/2016</a:t>
             </a:fld>
             <a:endParaRPr lang="id-ID" dirty="0">
               <a:solidFill>
@@ -9372,9 +7563,430 @@
           </a:p>
         </p:txBody>
       </p:sp>
+      <p:sp>
+        <p:nvSpPr>
+          <p:cNvPr id="9" name="Title 2"/>
+          <p:cNvSpPr txBox="1">
+            <a:spLocks/>
+          </p:cNvSpPr>
+          <p:nvPr/>
+        </p:nvSpPr>
+        <p:spPr>
+          <a:xfrm>
+            <a:off x="1" y="1084535"/>
+            <a:ext cx="3422468" cy="4601183"/>
+          </a:xfrm>
+          <a:prstGeom prst="rect">
+            <a:avLst/>
+          </a:prstGeom>
+        </p:spPr>
+        <p:txBody>
+          <a:bodyPr vert="horz" lIns="91440" tIns="45720" rIns="91440" bIns="45720" rtlCol="0" anchor="ctr">
+            <a:normAutofit/>
+          </a:bodyPr>
+          <a:lstStyle>
+            <a:lvl1pPr algn="l" defTabSz="914400" rtl="0" eaLnBrk="1" latinLnBrk="0" hangingPunct="1">
+              <a:lnSpc>
+                <a:spcPct val="90000"/>
+              </a:lnSpc>
+              <a:spcBef>
+                <a:spcPct val="0"/>
+              </a:spcBef>
+              <a:buNone/>
+              <a:defRPr sz="3600" kern="1200" spc="-60" baseline="0">
+                <a:solidFill>
+                  <a:srgbClr val="FFFFFF"/>
+                </a:solidFill>
+                <a:latin typeface="+mj-lt"/>
+                <a:ea typeface="+mj-ea"/>
+                <a:cs typeface="+mj-cs"/>
+              </a:defRPr>
+            </a:lvl1pPr>
+          </a:lstStyle>
+          <a:p>
+            <a:pPr algn="ctr"/>
+            <a:r>
+              <a:rPr lang="id-ID" sz="3200" b="1" dirty="0" smtClean="0"/>
+              <a:t>Gambaran Umum </a:t>
+            </a:r>
+            <a:r>
+              <a:rPr lang="id-ID" sz="3200" dirty="0" smtClean="0"/>
+              <a:t>Aplikasi</a:t>
+            </a:r>
+            <a:endParaRPr lang="en-GB" sz="3200" b="1" dirty="0"/>
+          </a:p>
+        </p:txBody>
+      </p:sp>
+      <p:sp>
+        <p:nvSpPr>
+          <p:cNvPr id="10" name="Content Placeholder 4"/>
+          <p:cNvSpPr txBox="1">
+            <a:spLocks/>
+          </p:cNvSpPr>
+          <p:nvPr/>
+        </p:nvSpPr>
+        <p:spPr>
+          <a:xfrm>
+            <a:off x="3869268" y="1592184"/>
+            <a:ext cx="7939555" cy="3585884"/>
+          </a:xfrm>
+          <a:prstGeom prst="rect">
+            <a:avLst/>
+          </a:prstGeom>
+        </p:spPr>
+        <p:txBody>
+          <a:bodyPr vert="horz" lIns="91440" tIns="45720" rIns="91440" bIns="45720" rtlCol="0" anchor="ctr">
+            <a:noAutofit/>
+          </a:bodyPr>
+          <a:lstStyle>
+            <a:lvl1pPr marL="182880" indent="-182880" algn="l" defTabSz="914400" rtl="0" eaLnBrk="1" latinLnBrk="0" hangingPunct="1">
+              <a:lnSpc>
+                <a:spcPct val="90000"/>
+              </a:lnSpc>
+              <a:spcBef>
+                <a:spcPts val="1200"/>
+              </a:spcBef>
+              <a:buClr>
+                <a:schemeClr val="accent1"/>
+              </a:buClr>
+              <a:buFont typeface="Wingdings 2" pitchFamily="18" charset="2"/>
+              <a:buChar char=""/>
+              <a:defRPr sz="2000" kern="1200">
+                <a:solidFill>
+                  <a:schemeClr val="tx1">
+                    <a:lumMod val="65000"/>
+                    <a:lumOff val="35000"/>
+                  </a:schemeClr>
+                </a:solidFill>
+                <a:latin typeface="+mn-lt"/>
+                <a:ea typeface="+mn-ea"/>
+                <a:cs typeface="+mn-cs"/>
+              </a:defRPr>
+            </a:lvl1pPr>
+            <a:lvl2pPr marL="685800" indent="-182880" algn="l" defTabSz="914400" rtl="0" eaLnBrk="1" latinLnBrk="0" hangingPunct="1">
+              <a:lnSpc>
+                <a:spcPct val="90000"/>
+              </a:lnSpc>
+              <a:spcBef>
+                <a:spcPts val="250"/>
+              </a:spcBef>
+              <a:spcAft>
+                <a:spcPts val="250"/>
+              </a:spcAft>
+              <a:buClr>
+                <a:schemeClr val="accent1"/>
+              </a:buClr>
+              <a:buFont typeface="Wingdings 2" pitchFamily="18" charset="2"/>
+              <a:buChar char=""/>
+              <a:defRPr sz="1800" kern="1200">
+                <a:solidFill>
+                  <a:schemeClr val="tx1">
+                    <a:lumMod val="65000"/>
+                    <a:lumOff val="35000"/>
+                  </a:schemeClr>
+                </a:solidFill>
+                <a:latin typeface="+mn-lt"/>
+                <a:ea typeface="+mn-ea"/>
+                <a:cs typeface="+mn-cs"/>
+              </a:defRPr>
+            </a:lvl2pPr>
+            <a:lvl3pPr marL="1143000" indent="-182880" algn="l" defTabSz="914400" rtl="0" eaLnBrk="1" latinLnBrk="0" hangingPunct="1">
+              <a:lnSpc>
+                <a:spcPct val="90000"/>
+              </a:lnSpc>
+              <a:spcBef>
+                <a:spcPts val="250"/>
+              </a:spcBef>
+              <a:spcAft>
+                <a:spcPts val="250"/>
+              </a:spcAft>
+              <a:buClr>
+                <a:schemeClr val="accent1"/>
+              </a:buClr>
+              <a:buFont typeface="Wingdings 2" pitchFamily="18" charset="2"/>
+              <a:buChar char=""/>
+              <a:defRPr sz="1600" kern="1200">
+                <a:solidFill>
+                  <a:schemeClr val="tx1">
+                    <a:lumMod val="65000"/>
+                    <a:lumOff val="35000"/>
+                  </a:schemeClr>
+                </a:solidFill>
+                <a:latin typeface="+mn-lt"/>
+                <a:ea typeface="+mn-ea"/>
+                <a:cs typeface="+mn-cs"/>
+              </a:defRPr>
+            </a:lvl3pPr>
+            <a:lvl4pPr marL="1600200" indent="-182880" algn="l" defTabSz="914400" rtl="0" eaLnBrk="1" latinLnBrk="0" hangingPunct="1">
+              <a:lnSpc>
+                <a:spcPct val="90000"/>
+              </a:lnSpc>
+              <a:spcBef>
+                <a:spcPts val="250"/>
+              </a:spcBef>
+              <a:spcAft>
+                <a:spcPts val="250"/>
+              </a:spcAft>
+              <a:buClr>
+                <a:schemeClr val="accent1"/>
+              </a:buClr>
+              <a:buFont typeface="Wingdings 2" pitchFamily="18" charset="2"/>
+              <a:buChar char=""/>
+              <a:defRPr sz="1400" kern="1200">
+                <a:solidFill>
+                  <a:schemeClr val="tx1">
+                    <a:lumMod val="65000"/>
+                    <a:lumOff val="35000"/>
+                  </a:schemeClr>
+                </a:solidFill>
+                <a:latin typeface="+mn-lt"/>
+                <a:ea typeface="+mn-ea"/>
+                <a:cs typeface="+mn-cs"/>
+              </a:defRPr>
+            </a:lvl4pPr>
+            <a:lvl5pPr marL="2057400" indent="-182880" algn="l" defTabSz="914400" rtl="0" eaLnBrk="1" latinLnBrk="0" hangingPunct="1">
+              <a:lnSpc>
+                <a:spcPct val="90000"/>
+              </a:lnSpc>
+              <a:spcBef>
+                <a:spcPts val="250"/>
+              </a:spcBef>
+              <a:spcAft>
+                <a:spcPts val="250"/>
+              </a:spcAft>
+              <a:buClr>
+                <a:schemeClr val="accent1"/>
+              </a:buClr>
+              <a:buFont typeface="Wingdings 2" pitchFamily="18" charset="2"/>
+              <a:buChar char=""/>
+              <a:defRPr sz="1400" kern="1200">
+                <a:solidFill>
+                  <a:schemeClr val="tx1">
+                    <a:lumMod val="65000"/>
+                    <a:lumOff val="35000"/>
+                  </a:schemeClr>
+                </a:solidFill>
+                <a:latin typeface="+mn-lt"/>
+                <a:ea typeface="+mn-ea"/>
+                <a:cs typeface="+mn-cs"/>
+              </a:defRPr>
+            </a:lvl5pPr>
+            <a:lvl6pPr marL="2514600" indent="-228600" algn="l" defTabSz="914400" rtl="0" eaLnBrk="1" latinLnBrk="0" hangingPunct="1">
+              <a:lnSpc>
+                <a:spcPct val="90000"/>
+              </a:lnSpc>
+              <a:spcBef>
+                <a:spcPts val="250"/>
+              </a:spcBef>
+              <a:spcAft>
+                <a:spcPts val="250"/>
+              </a:spcAft>
+              <a:buClr>
+                <a:schemeClr val="accent1"/>
+              </a:buClr>
+              <a:buFont typeface="Wingdings 2" pitchFamily="18" charset="2"/>
+              <a:buChar char=""/>
+              <a:defRPr sz="1400" kern="1200">
+                <a:solidFill>
+                  <a:schemeClr val="tx1">
+                    <a:lumMod val="65000"/>
+                    <a:lumOff val="35000"/>
+                  </a:schemeClr>
+                </a:solidFill>
+                <a:latin typeface="+mn-lt"/>
+                <a:ea typeface="+mn-ea"/>
+                <a:cs typeface="+mn-cs"/>
+              </a:defRPr>
+            </a:lvl6pPr>
+            <a:lvl7pPr marL="2971800" indent="-228600" algn="l" defTabSz="914400" rtl="0" eaLnBrk="1" latinLnBrk="0" hangingPunct="1">
+              <a:lnSpc>
+                <a:spcPct val="90000"/>
+              </a:lnSpc>
+              <a:spcBef>
+                <a:spcPts val="250"/>
+              </a:spcBef>
+              <a:spcAft>
+                <a:spcPts val="250"/>
+              </a:spcAft>
+              <a:buClr>
+                <a:schemeClr val="accent1"/>
+              </a:buClr>
+              <a:buFont typeface="Wingdings 2" pitchFamily="18" charset="2"/>
+              <a:buChar char=""/>
+              <a:defRPr sz="1400" kern="1200">
+                <a:solidFill>
+                  <a:schemeClr val="tx1">
+                    <a:lumMod val="65000"/>
+                    <a:lumOff val="35000"/>
+                  </a:schemeClr>
+                </a:solidFill>
+                <a:latin typeface="+mn-lt"/>
+                <a:ea typeface="+mn-ea"/>
+                <a:cs typeface="+mn-cs"/>
+              </a:defRPr>
+            </a:lvl7pPr>
+            <a:lvl8pPr marL="3429000" indent="-228600" algn="l" defTabSz="914400" rtl="0" eaLnBrk="1" latinLnBrk="0" hangingPunct="1">
+              <a:lnSpc>
+                <a:spcPct val="90000"/>
+              </a:lnSpc>
+              <a:spcBef>
+                <a:spcPts val="250"/>
+              </a:spcBef>
+              <a:spcAft>
+                <a:spcPts val="250"/>
+              </a:spcAft>
+              <a:buClr>
+                <a:schemeClr val="accent1"/>
+              </a:buClr>
+              <a:buFont typeface="Wingdings 2" pitchFamily="18" charset="2"/>
+              <a:buChar char=""/>
+              <a:defRPr sz="1400" kern="1200">
+                <a:solidFill>
+                  <a:schemeClr val="tx1">
+                    <a:lumMod val="65000"/>
+                    <a:lumOff val="35000"/>
+                  </a:schemeClr>
+                </a:solidFill>
+                <a:latin typeface="+mn-lt"/>
+                <a:ea typeface="+mn-ea"/>
+                <a:cs typeface="+mn-cs"/>
+              </a:defRPr>
+            </a:lvl8pPr>
+            <a:lvl9pPr marL="3886200" indent="-228600" algn="l" defTabSz="914400" rtl="0" eaLnBrk="1" latinLnBrk="0" hangingPunct="1">
+              <a:lnSpc>
+                <a:spcPct val="90000"/>
+              </a:lnSpc>
+              <a:spcBef>
+                <a:spcPts val="250"/>
+              </a:spcBef>
+              <a:spcAft>
+                <a:spcPts val="250"/>
+              </a:spcAft>
+              <a:buClr>
+                <a:schemeClr val="accent1"/>
+              </a:buClr>
+              <a:buFont typeface="Wingdings 2" pitchFamily="18" charset="2"/>
+              <a:buChar char=""/>
+              <a:defRPr sz="1400" kern="1200">
+                <a:solidFill>
+                  <a:schemeClr val="tx1">
+                    <a:lumMod val="65000"/>
+                    <a:lumOff val="35000"/>
+                  </a:schemeClr>
+                </a:solidFill>
+                <a:latin typeface="+mn-lt"/>
+                <a:ea typeface="+mn-ea"/>
+                <a:cs typeface="+mn-cs"/>
+              </a:defRPr>
+            </a:lvl9pPr>
+          </a:lstStyle>
+          <a:p>
+            <a:pPr marL="0" indent="0">
+              <a:buNone/>
+            </a:pPr>
+            <a:r>
+              <a:rPr lang="id-ID" sz="2800" dirty="0" smtClean="0">
+                <a:solidFill>
+                  <a:schemeClr val="tx2">
+                    <a:lumMod val="50000"/>
+                  </a:schemeClr>
+                </a:solidFill>
+              </a:rPr>
+              <a:t>Adaflorist </a:t>
+            </a:r>
+            <a:r>
+              <a:rPr lang="id-ID" sz="2800" dirty="0">
+                <a:solidFill>
+                  <a:schemeClr val="tx2">
+                    <a:lumMod val="50000"/>
+                  </a:schemeClr>
+                </a:solidFill>
+              </a:rPr>
+              <a:t>adalah </a:t>
+            </a:r>
+            <a:r>
+              <a:rPr lang="id-ID" sz="2800" dirty="0" smtClean="0">
+                <a:solidFill>
+                  <a:schemeClr val="tx2">
+                    <a:lumMod val="50000"/>
+                  </a:schemeClr>
+                </a:solidFill>
+              </a:rPr>
+              <a:t>aplikasi sistem jual beli </a:t>
+            </a:r>
+            <a:r>
+              <a:rPr lang="id-ID" sz="2800" i="1" dirty="0" smtClean="0">
+                <a:solidFill>
+                  <a:schemeClr val="tx2">
+                    <a:lumMod val="50000"/>
+                  </a:schemeClr>
+                </a:solidFill>
+              </a:rPr>
+              <a:t>online</a:t>
+            </a:r>
+            <a:r>
+              <a:rPr lang="id-ID" sz="2800" dirty="0" smtClean="0">
+                <a:solidFill>
+                  <a:schemeClr val="tx2">
+                    <a:lumMod val="50000"/>
+                  </a:schemeClr>
+                </a:solidFill>
+              </a:rPr>
+              <a:t> </a:t>
+            </a:r>
+            <a:r>
+              <a:rPr lang="id-ID" sz="2800" dirty="0">
+                <a:solidFill>
+                  <a:schemeClr val="tx2">
+                    <a:lumMod val="50000"/>
+                  </a:schemeClr>
+                </a:solidFill>
+              </a:rPr>
+              <a:t>yang </a:t>
+            </a:r>
+            <a:r>
+              <a:rPr lang="id-ID" sz="2800" dirty="0" smtClean="0">
+                <a:solidFill>
+                  <a:schemeClr val="tx2">
+                    <a:lumMod val="50000"/>
+                  </a:schemeClr>
+                </a:solidFill>
+              </a:rPr>
+              <a:t>memudahkan </a:t>
+            </a:r>
+            <a:r>
+              <a:rPr lang="id-ID" sz="2800" dirty="0">
+                <a:solidFill>
+                  <a:schemeClr val="tx2">
+                    <a:lumMod val="50000"/>
+                  </a:schemeClr>
+                </a:solidFill>
+              </a:rPr>
+              <a:t>pecinta tanaman hias untuk menemukan tanaman hias </a:t>
+            </a:r>
+            <a:r>
+              <a:rPr lang="id-ID" sz="2800" dirty="0" smtClean="0">
+                <a:solidFill>
+                  <a:schemeClr val="tx2">
+                    <a:lumMod val="50000"/>
+                  </a:schemeClr>
+                </a:solidFill>
+              </a:rPr>
+              <a:t>yang mereka inginkan</a:t>
+            </a:r>
+            <a:endParaRPr lang="id-ID" sz="2800" dirty="0">
+              <a:solidFill>
+                <a:schemeClr val="tx2">
+                  <a:lumMod val="50000"/>
+                </a:schemeClr>
+              </a:solidFill>
+            </a:endParaRPr>
+          </a:p>
+        </p:txBody>
+      </p:sp>
       <p:pic>
         <p:nvPicPr>
-          <p:cNvPr id="8" name="Picture 7"/>
+          <p:cNvPr id="11" name="Picture 10"/>
           <p:cNvPicPr>
             <a:picLocks noChangeAspect="1"/>
           </p:cNvPicPr>
@@ -9394,7 +8006,7 @@
         </p:blipFill>
         <p:spPr>
           <a:xfrm>
-            <a:off x="5526116" y="5493061"/>
+            <a:off x="10725576" y="5871249"/>
             <a:ext cx="1139767" cy="863289"/>
           </a:xfrm>
           <a:prstGeom prst="rect">
@@ -9441,147 +8053,59 @@
       </p:grpSpPr>
       <p:sp>
         <p:nvSpPr>
-          <p:cNvPr id="2" name="Title 1"/>
-          <p:cNvSpPr>
-            <a:spLocks noGrp="1"/>
-          </p:cNvSpPr>
-          <p:nvPr>
-            <p:ph type="title"/>
-          </p:nvPr>
+          <p:cNvPr id="10" name="Rectangle 9"/>
+          <p:cNvSpPr/>
+          <p:nvPr/>
         </p:nvSpPr>
         <p:spPr>
           <a:xfrm>
-            <a:off x="1142999" y="609600"/>
-            <a:ext cx="9892747" cy="1146629"/>
-          </a:xfrm>
+            <a:off x="262464" y="666206"/>
+            <a:ext cx="3303695" cy="5473337"/>
+          </a:xfrm>
+          <a:prstGeom prst="rect">
+            <a:avLst/>
+          </a:prstGeom>
+          <a:solidFill>
+            <a:srgbClr val="FFFFFF"/>
+          </a:solidFill>
+          <a:ln>
+            <a:noFill/>
+          </a:ln>
         </p:spPr>
-        <p:txBody>
-          <a:bodyPr/>
+        <p:style>
+          <a:lnRef idx="2">
+            <a:schemeClr val="accent1">
+              <a:shade val="50000"/>
+            </a:schemeClr>
+          </a:lnRef>
+          <a:fillRef idx="1">
+            <a:schemeClr val="accent1"/>
+          </a:fillRef>
+          <a:effectRef idx="0">
+            <a:schemeClr val="accent1"/>
+          </a:effectRef>
+          <a:fontRef idx="minor">
+            <a:schemeClr val="lt1"/>
+          </a:fontRef>
+        </p:style>
+        <p:txBody>
+          <a:bodyPr rtlCol="0" anchor="ctr"/>
           <a:lstStyle/>
           <a:p>
             <a:pPr algn="ctr"/>
-            <a:r>
-              <a:rPr lang="id-ID" dirty="0" smtClean="0">
-                <a:solidFill>
-                  <a:schemeClr val="tx2">
-                    <a:lumMod val="50000"/>
-                  </a:schemeClr>
-                </a:solidFill>
-                <a:latin typeface="Akbar" panose="00000400000000000000" pitchFamily="2" charset="0"/>
-              </a:rPr>
-              <a:t>Use case</a:t>
-            </a:r>
-            <a:endParaRPr lang="id-ID" dirty="0">
-              <a:solidFill>
-                <a:schemeClr val="tx2">
-                  <a:lumMod val="50000"/>
-                </a:schemeClr>
-              </a:solidFill>
-              <a:latin typeface="Akbar" panose="00000400000000000000" pitchFamily="2" charset="0"/>
-            </a:endParaRPr>
-          </a:p>
-        </p:txBody>
-      </p:sp>
-      <p:sp>
-        <p:nvSpPr>
-          <p:cNvPr id="3" name="Content Placeholder 2"/>
-          <p:cNvSpPr>
-            <a:spLocks noGrp="1"/>
-          </p:cNvSpPr>
-          <p:nvPr>
-            <p:ph idx="1"/>
-          </p:nvPr>
-        </p:nvSpPr>
-        <p:spPr>
-          <a:xfrm>
-            <a:off x="1143000" y="1582057"/>
-            <a:ext cx="9872871" cy="4513943"/>
-          </a:xfrm>
-        </p:spPr>
-        <p:txBody>
-          <a:bodyPr/>
-          <a:lstStyle/>
-          <a:p>
-            <a:endParaRPr lang="id-ID" dirty="0"/>
-          </a:p>
-        </p:txBody>
-      </p:sp>
-      <p:sp>
-        <p:nvSpPr>
-          <p:cNvPr id="5" name="Date Placeholder 4"/>
-          <p:cNvSpPr>
-            <a:spLocks noGrp="1"/>
-          </p:cNvSpPr>
-          <p:nvPr>
-            <p:ph type="dt" sz="half" idx="10"/>
-          </p:nvPr>
-        </p:nvSpPr>
-        <p:spPr/>
-        <p:txBody>
-          <a:bodyPr/>
-          <a:lstStyle/>
-          <a:p>
-            <a:fld id="{894DD29F-46D6-4C38-ACA6-B22C2DC0A7AC}" type="datetime1">
-              <a:rPr lang="id-ID" smtClean="0"/>
-              <a:t>20/05/2016</a:t>
-            </a:fld>
-            <a:endParaRPr lang="id-ID"/>
-          </a:p>
-        </p:txBody>
-      </p:sp>
-      <p:sp>
-        <p:nvSpPr>
-          <p:cNvPr id="4" name="Footer Placeholder 3"/>
-          <p:cNvSpPr>
-            <a:spLocks noGrp="1"/>
-          </p:cNvSpPr>
-          <p:nvPr>
-            <p:ph type="ftr" sz="quarter" idx="11"/>
-          </p:nvPr>
-        </p:nvSpPr>
-        <p:spPr/>
-        <p:txBody>
-          <a:bodyPr/>
-          <a:lstStyle/>
-          <a:p>
-            <a:r>
-              <a:rPr lang="id-ID" sz="2400" dirty="0" smtClean="0"/>
-              <a:t>ADAFlorist</a:t>
-            </a:r>
-            <a:endParaRPr lang="id-ID" sz="2400" dirty="0"/>
-          </a:p>
-        </p:txBody>
-      </p:sp>
-      <p:sp>
-        <p:nvSpPr>
-          <p:cNvPr id="6" name="Slide Number Placeholder 5"/>
-          <p:cNvSpPr>
-            <a:spLocks noGrp="1"/>
-          </p:cNvSpPr>
-          <p:nvPr>
-            <p:ph type="sldNum" sz="quarter" idx="12"/>
-          </p:nvPr>
-        </p:nvSpPr>
-        <p:spPr/>
-        <p:txBody>
-          <a:bodyPr/>
-          <a:lstStyle/>
-          <a:p>
-            <a:fld id="{341160B5-8B05-4C1D-A560-A339698AF343}" type="slidenum">
-              <a:rPr lang="id-ID" smtClean="0"/>
-              <a:t>8</a:t>
-            </a:fld>
             <a:endParaRPr lang="id-ID"/>
           </a:p>
         </p:txBody>
       </p:sp>
       <p:pic>
         <p:nvPicPr>
-          <p:cNvPr id="1026" name="Picture 2" descr="Untitled"/>
+          <p:cNvPr id="7" name="Content Placeholder 6"/>
           <p:cNvPicPr>
-            <a:picLocks noChangeAspect="1" noChangeArrowheads="1"/>
+            <a:picLocks noGrp="1" noChangeAspect="1"/>
           </p:cNvPicPr>
-          <p:nvPr/>
+          <p:nvPr>
+            <p:ph idx="1"/>
+          </p:nvPr>
         </p:nvPicPr>
         <p:blipFill>
           <a:blip r:embed="rId2">
@@ -9591,47 +8115,161 @@
               </a:ext>
             </a:extLst>
           </a:blip>
-          <a:srcRect/>
           <a:stretch>
             <a:fillRect/>
           </a:stretch>
         </p:blipFill>
-        <p:spPr bwMode="auto">
-          <a:xfrm>
-            <a:off x="2486789" y="1861235"/>
-            <a:ext cx="7218420" cy="3501651"/>
+        <p:spPr>
+          <a:xfrm>
+            <a:off x="574267" y="718521"/>
+            <a:ext cx="10790418" cy="5152727"/>
+          </a:xfrm>
+        </p:spPr>
+      </p:pic>
+      <p:sp>
+        <p:nvSpPr>
+          <p:cNvPr id="5" name="Date Placeholder 4"/>
+          <p:cNvSpPr>
+            <a:spLocks noGrp="1"/>
+          </p:cNvSpPr>
+          <p:nvPr>
+            <p:ph type="dt" sz="half" idx="10"/>
+          </p:nvPr>
+        </p:nvSpPr>
+        <p:spPr/>
+        <p:txBody>
+          <a:bodyPr/>
+          <a:lstStyle/>
+          <a:p>
+            <a:fld id="{894DD29F-46D6-4C38-ACA6-B22C2DC0A7AC}" type="datetime1">
+              <a:rPr lang="id-ID" smtClean="0"/>
+              <a:t>01/06/2016</a:t>
+            </a:fld>
+            <a:endParaRPr lang="id-ID"/>
+          </a:p>
+        </p:txBody>
+      </p:sp>
+      <p:sp>
+        <p:nvSpPr>
+          <p:cNvPr id="4" name="Footer Placeholder 3"/>
+          <p:cNvSpPr>
+            <a:spLocks noGrp="1"/>
+          </p:cNvSpPr>
+          <p:nvPr>
+            <p:ph type="ftr" sz="quarter" idx="11"/>
+          </p:nvPr>
+        </p:nvSpPr>
+        <p:spPr/>
+        <p:txBody>
+          <a:bodyPr/>
+          <a:lstStyle/>
+          <a:p>
+            <a:r>
+              <a:rPr lang="id-ID" sz="2400" dirty="0" smtClean="0"/>
+              <a:t>ADAFlorist</a:t>
+            </a:r>
+            <a:endParaRPr lang="id-ID" sz="2400" dirty="0"/>
+          </a:p>
+        </p:txBody>
+      </p:sp>
+      <p:sp>
+        <p:nvSpPr>
+          <p:cNvPr id="6" name="Slide Number Placeholder 5"/>
+          <p:cNvSpPr>
+            <a:spLocks noGrp="1"/>
+          </p:cNvSpPr>
+          <p:nvPr>
+            <p:ph type="sldNum" sz="quarter" idx="12"/>
+          </p:nvPr>
+        </p:nvSpPr>
+        <p:spPr/>
+        <p:txBody>
+          <a:bodyPr/>
+          <a:lstStyle/>
+          <a:p>
+            <a:fld id="{341160B5-8B05-4C1D-A560-A339698AF343}" type="slidenum">
+              <a:rPr lang="id-ID" smtClean="0"/>
+              <a:t>8</a:t>
+            </a:fld>
+            <a:endParaRPr lang="id-ID"/>
+          </a:p>
+        </p:txBody>
+      </p:sp>
+      <p:sp>
+        <p:nvSpPr>
+          <p:cNvPr id="8" name="Title 1"/>
+          <p:cNvSpPr txBox="1">
+            <a:spLocks/>
+          </p:cNvSpPr>
+          <p:nvPr/>
+        </p:nvSpPr>
+        <p:spPr>
+          <a:xfrm>
+            <a:off x="339482" y="568880"/>
+            <a:ext cx="3399588" cy="752145"/>
           </a:xfrm>
           <a:prstGeom prst="rect">
             <a:avLst/>
           </a:prstGeom>
-          <a:noFill/>
-          <a:ln>
-            <a:noFill/>
-          </a:ln>
-          <a:extLst>
-            <a:ext uri="{909E8E84-426E-40DD-AFC4-6F175D3DCCD1}">
-              <a14:hiddenFill xmlns:a14="http://schemas.microsoft.com/office/drawing/2010/main">
+        </p:spPr>
+        <p:txBody>
+          <a:bodyPr vert="horz" lIns="91440" tIns="45720" rIns="91440" bIns="45720" rtlCol="0" anchor="ctr">
+            <a:normAutofit fontScale="92500"/>
+          </a:bodyPr>
+          <a:lstStyle>
+            <a:lvl1pPr algn="l" defTabSz="914400" rtl="0" eaLnBrk="1" latinLnBrk="0" hangingPunct="1">
+              <a:lnSpc>
+                <a:spcPct val="90000"/>
+              </a:lnSpc>
+              <a:spcBef>
+                <a:spcPct val="0"/>
+              </a:spcBef>
+              <a:buNone/>
+              <a:defRPr sz="3600" kern="1200" spc="-60" baseline="0">
                 <a:solidFill>
                   <a:srgbClr val="FFFFFF"/>
                 </a:solidFill>
-              </a14:hiddenFill>
-            </a:ext>
-            <a:ext uri="{91240B29-F687-4F45-9708-019B960494DF}">
-              <a14:hiddenLine xmlns:a14="http://schemas.microsoft.com/office/drawing/2010/main" w="9525">
-                <a:solidFill>
-                  <a:srgbClr val="000000"/>
-                </a:solidFill>
-                <a:miter lim="800000"/>
-                <a:headEnd/>
-                <a:tailEnd/>
-              </a14:hiddenLine>
-            </a:ext>
-          </a:extLst>
-        </p:spPr>
-      </p:pic>
+                <a:latin typeface="+mj-lt"/>
+                <a:ea typeface="+mj-ea"/>
+                <a:cs typeface="+mj-cs"/>
+              </a:defRPr>
+            </a:lvl1pPr>
+          </a:lstStyle>
+          <a:p>
+            <a:pPr algn="ctr"/>
+            <a:r>
+              <a:rPr lang="id-ID" b="1" dirty="0" smtClean="0">
+                <a:solidFill>
+                  <a:schemeClr val="tx2">
+                    <a:lumMod val="50000"/>
+                  </a:schemeClr>
+                </a:solidFill>
+              </a:rPr>
+              <a:t>Use Case </a:t>
+            </a:r>
+            <a:r>
+              <a:rPr lang="id-ID" dirty="0" smtClean="0">
+                <a:solidFill>
+                  <a:schemeClr val="tx2">
+                    <a:lumMod val="50000"/>
+                  </a:schemeClr>
+                </a:solidFill>
+              </a:rPr>
+              <a:t>Diagram</a:t>
+            </a:r>
+            <a:endParaRPr lang="id-ID" b="1" dirty="0">
+              <a:solidFill>
+                <a:schemeClr val="tx2">
+                  <a:lumMod val="50000"/>
+                </a:schemeClr>
+              </a:solidFill>
+            </a:endParaRPr>
+          </a:p>
+        </p:txBody>
+      </p:sp>
       <p:pic>
         <p:nvPicPr>
-          <p:cNvPr id="9" name="Picture 8"/>
+          <p:cNvPr id="11" name="Picture 10"/>
           <p:cNvPicPr>
             <a:picLocks noChangeAspect="1"/>
           </p:cNvPicPr>
@@ -9651,7 +8289,7 @@
         </p:blipFill>
         <p:spPr>
           <a:xfrm>
-            <a:off x="5526116" y="5493061"/>
+            <a:off x="10725576" y="5871249"/>
             <a:ext cx="1139767" cy="863289"/>
           </a:xfrm>
           <a:prstGeom prst="rect">
@@ -9736,25 +8374,6 @@
       </p:sp>
       <p:sp>
         <p:nvSpPr>
-          <p:cNvPr id="3" name="Content Placeholder 2"/>
-          <p:cNvSpPr>
-            <a:spLocks noGrp="1"/>
-          </p:cNvSpPr>
-          <p:nvPr>
-            <p:ph idx="1"/>
-          </p:nvPr>
-        </p:nvSpPr>
-        <p:spPr/>
-        <p:txBody>
-          <a:bodyPr/>
-          <a:lstStyle/>
-          <a:p>
-            <a:endParaRPr lang="id-ID"/>
-          </a:p>
-        </p:txBody>
-      </p:sp>
-      <p:sp>
-        <p:nvSpPr>
           <p:cNvPr id="5" name="Date Placeholder 4"/>
           <p:cNvSpPr>
             <a:spLocks noGrp="1"/>
@@ -9770,7 +8389,7 @@
           <a:p>
             <a:fld id="{072CDA55-2BA9-44B7-B553-9F3C68DCCB48}" type="datetime1">
               <a:rPr lang="id-ID" smtClean="0"/>
-              <a:t>20/05/2016</a:t>
+              <a:t>01/06/2016</a:t>
             </a:fld>
             <a:endParaRPr lang="id-ID"/>
           </a:p>
@@ -9822,9 +8441,107 @@
           </a:p>
         </p:txBody>
       </p:sp>
+      <p:sp>
+        <p:nvSpPr>
+          <p:cNvPr id="9" name="Rectangle 8"/>
+          <p:cNvSpPr/>
+          <p:nvPr/>
+        </p:nvSpPr>
+        <p:spPr>
+          <a:xfrm>
+            <a:off x="262464" y="666206"/>
+            <a:ext cx="3303695" cy="5473337"/>
+          </a:xfrm>
+          <a:prstGeom prst="rect">
+            <a:avLst/>
+          </a:prstGeom>
+          <a:solidFill>
+            <a:srgbClr val="FFFFFF"/>
+          </a:solidFill>
+          <a:ln>
+            <a:noFill/>
+          </a:ln>
+        </p:spPr>
+        <p:style>
+          <a:lnRef idx="2">
+            <a:schemeClr val="accent1">
+              <a:shade val="50000"/>
+            </a:schemeClr>
+          </a:lnRef>
+          <a:fillRef idx="1">
+            <a:schemeClr val="accent1"/>
+          </a:fillRef>
+          <a:effectRef idx="0">
+            <a:schemeClr val="accent1"/>
+          </a:effectRef>
+          <a:fontRef idx="minor">
+            <a:schemeClr val="lt1"/>
+          </a:fontRef>
+        </p:style>
+        <p:txBody>
+          <a:bodyPr rtlCol="0" anchor="ctr"/>
+          <a:lstStyle/>
+          <a:p>
+            <a:pPr algn="ctr"/>
+            <a:endParaRPr lang="id-ID"/>
+          </a:p>
+        </p:txBody>
+      </p:sp>
+      <p:sp>
+        <p:nvSpPr>
+          <p:cNvPr id="10" name="Title 1"/>
+          <p:cNvSpPr txBox="1">
+            <a:spLocks/>
+          </p:cNvSpPr>
+          <p:nvPr/>
+        </p:nvSpPr>
+        <p:spPr>
+          <a:xfrm>
+            <a:off x="339481" y="568880"/>
+            <a:ext cx="4402335" cy="752145"/>
+          </a:xfrm>
+          <a:prstGeom prst="rect">
+            <a:avLst/>
+          </a:prstGeom>
+        </p:spPr>
+        <p:txBody>
+          <a:bodyPr vert="horz" lIns="91440" tIns="45720" rIns="91440" bIns="45720" rtlCol="0" anchor="ctr">
+            <a:normAutofit/>
+          </a:bodyPr>
+          <a:lstStyle>
+            <a:lvl1pPr algn="l" defTabSz="914400" rtl="0" eaLnBrk="1" latinLnBrk="0" hangingPunct="1">
+              <a:lnSpc>
+                <a:spcPct val="90000"/>
+              </a:lnSpc>
+              <a:spcBef>
+                <a:spcPct val="0"/>
+              </a:spcBef>
+              <a:buNone/>
+              <a:defRPr sz="3600" kern="1200" spc="-60" baseline="0">
+                <a:solidFill>
+                  <a:srgbClr val="FFFFFF"/>
+                </a:solidFill>
+                <a:latin typeface="+mj-lt"/>
+                <a:ea typeface="+mj-ea"/>
+                <a:cs typeface="+mj-cs"/>
+              </a:defRPr>
+            </a:lvl1pPr>
+          </a:lstStyle>
+          <a:p>
+            <a:pPr algn="ctr"/>
+            <a:endParaRPr lang="id-ID" dirty="0">
+              <a:solidFill>
+                <a:schemeClr val="bg2">
+                  <a:lumMod val="25000"/>
+                </a:schemeClr>
+              </a:solidFill>
+            </a:endParaRPr>
+          </a:p>
+        </p:txBody>
+      </p:sp>
       <p:pic>
         <p:nvPicPr>
-          <p:cNvPr id="8" name="Picture 7"/>
+          <p:cNvPr id="11" name="Picture 10"/>
           <p:cNvPicPr>
             <a:picLocks noChangeAspect="1"/>
           </p:cNvPicPr>
@@ -9844,7 +8561,7 @@
         </p:blipFill>
         <p:spPr>
           <a:xfrm>
-            <a:off x="5526116" y="5493061"/>
+            <a:off x="10725576" y="5871249"/>
             <a:ext cx="1139767" cy="863289"/>
           </a:xfrm>
           <a:prstGeom prst="rect">
@@ -9852,28 +8569,105 @@
           </a:prstGeom>
         </p:spPr>
       </p:pic>
+      <p:sp>
+        <p:nvSpPr>
+          <p:cNvPr id="12" name="Title 1"/>
+          <p:cNvSpPr txBox="1">
+            <a:spLocks/>
+          </p:cNvSpPr>
+          <p:nvPr/>
+        </p:nvSpPr>
+        <p:spPr>
+          <a:xfrm>
+            <a:off x="262464" y="57597"/>
+            <a:ext cx="4972224" cy="912503"/>
+          </a:xfrm>
+          <a:prstGeom prst="rect">
+            <a:avLst/>
+          </a:prstGeom>
+        </p:spPr>
+        <p:txBody>
+          <a:bodyPr vert="horz" lIns="91440" tIns="45720" rIns="91440" bIns="45720" rtlCol="0" anchor="ctr">
+            <a:normAutofit/>
+          </a:bodyPr>
+          <a:lstStyle>
+            <a:lvl1pPr algn="l" defTabSz="914400" rtl="0" eaLnBrk="1" latinLnBrk="0" hangingPunct="1">
+              <a:lnSpc>
+                <a:spcPct val="90000"/>
+              </a:lnSpc>
+              <a:spcBef>
+                <a:spcPct val="0"/>
+              </a:spcBef>
+              <a:buNone/>
+              <a:defRPr sz="3600" kern="1200" spc="-60" baseline="0">
+                <a:solidFill>
+                  <a:srgbClr val="FFFFFF"/>
+                </a:solidFill>
+                <a:latin typeface="+mj-lt"/>
+                <a:ea typeface="+mj-ea"/>
+                <a:cs typeface="+mj-cs"/>
+              </a:defRPr>
+            </a:lvl1pPr>
+          </a:lstStyle>
+          <a:p>
+            <a:pPr algn="ctr"/>
+            <a:r>
+              <a:rPr lang="id-ID" sz="3200" b="1" dirty="0">
+                <a:solidFill>
+                  <a:schemeClr val="tx2">
+                    <a:lumMod val="50000"/>
+                  </a:schemeClr>
+                </a:solidFill>
+              </a:rPr>
+              <a:t>Data Flow Diagram – </a:t>
+            </a:r>
+            <a:r>
+              <a:rPr lang="id-ID" sz="3200" dirty="0">
+                <a:solidFill>
+                  <a:schemeClr val="bg2">
+                    <a:lumMod val="25000"/>
+                  </a:schemeClr>
+                </a:solidFill>
+              </a:rPr>
+              <a:t>Level 0</a:t>
+            </a:r>
+            <a:endParaRPr lang="id-ID" sz="3200" dirty="0">
+              <a:solidFill>
+                <a:schemeClr val="bg2">
+                  <a:lumMod val="25000"/>
+                </a:schemeClr>
+              </a:solidFill>
+            </a:endParaRPr>
+          </a:p>
+        </p:txBody>
+      </p:sp>
       <p:pic>
         <p:nvPicPr>
-          <p:cNvPr id="9" name="image09.jpg" descr="1459067542309.jpg"/>
-          <p:cNvPicPr/>
-          <p:nvPr/>
+          <p:cNvPr id="7" name="Content Placeholder 6"/>
+          <p:cNvPicPr>
+            <a:picLocks noGrp="1" noChangeAspect="1"/>
+          </p:cNvPicPr>
+          <p:nvPr>
+            <p:ph idx="1"/>
+          </p:nvPr>
         </p:nvPicPr>
         <p:blipFill>
-          <a:blip r:embed="rId3"/>
-          <a:srcRect/>
+          <a:blip r:embed="rId3">
+            <a:extLst>
+              <a:ext uri="{28A0092B-C50C-407E-A947-70E740481C1C}">
+                <a14:useLocalDpi xmlns:a14="http://schemas.microsoft.com/office/drawing/2010/main" val="0"/>
+              </a:ext>
+            </a:extLst>
+          </a:blip>
           <a:stretch>
             <a:fillRect/>
           </a:stretch>
         </p:blipFill>
         <p:spPr>
           <a:xfrm>
-            <a:off x="1886555" y="2002865"/>
-            <a:ext cx="8418887" cy="2582582"/>
-          </a:xfrm>
-          <a:prstGeom prst="rect">
-            <a:avLst/>
-          </a:prstGeom>
-          <a:ln/>
+            <a:off x="435308" y="2184314"/>
+            <a:ext cx="11321381" cy="2645993"/>
+          </a:xfrm>
         </p:spPr>
       </p:pic>
     </p:spTree>
@@ -9897,9 +8691,9 @@
 </file>
 
 <file path=ppt/theme/theme1.xml><?xml version="1.0" encoding="utf-8"?>
-<a:theme xmlns:a="http://schemas.openxmlformats.org/drawingml/2006/main" name="Office Theme">
+<a:theme xmlns:a="http://schemas.openxmlformats.org/drawingml/2006/main" name="Frame">
   <a:themeElements>
-    <a:clrScheme name="Office">
+    <a:clrScheme name="Green">
       <a:dk1>
         <a:sysClr val="windowText" lastClr="000000"/>
       </a:dk1>
@@ -9907,83 +8701,48 @@
         <a:sysClr val="window" lastClr="FFFFFF"/>
       </a:lt1>
       <a:dk2>
-        <a:srgbClr val="44546A"/>
+        <a:srgbClr val="455F51"/>
       </a:dk2>
       <a:lt2>
-        <a:srgbClr val="E7E6E6"/>
+        <a:srgbClr val="E3DED1"/>
       </a:lt2>
       <a:accent1>
-        <a:srgbClr val="5B9BD5"/>
+        <a:srgbClr val="549E39"/>
       </a:accent1>
       <a:accent2>
-        <a:srgbClr val="ED7D31"/>
+        <a:srgbClr val="8AB833"/>
       </a:accent2>
       <a:accent3>
-        <a:srgbClr val="A5A5A5"/>
+        <a:srgbClr val="C0CF3A"/>
       </a:accent3>
       <a:accent4>
-        <a:srgbClr val="FFC000"/>
+        <a:srgbClr val="029676"/>
       </a:accent4>
       <a:accent5>
-        <a:srgbClr val="4472C4"/>
+        <a:srgbClr val="4AB5C4"/>
       </a:accent5>
       <a:accent6>
-        <a:srgbClr val="70AD47"/>
+        <a:srgbClr val="0989B1"/>
       </a:accent6>
       <a:hlink>
-        <a:srgbClr val="0563C1"/>
+        <a:srgbClr val="6B9F25"/>
       </a:hlink>
       <a:folHlink>
-        <a:srgbClr val="954F72"/>
+        <a:srgbClr val="BA6906"/>
       </a:folHlink>
     </a:clrScheme>
-    <a:fontScheme name="Office">
+    <a:fontScheme name="Frame">
       <a:majorFont>
-        <a:latin typeface="Calibri Light" panose="020F0302020204030204"/>
+        <a:latin typeface="Corbel" panose="020B0503020204020204"/>
         <a:ea typeface=""/>
         <a:cs typeface=""/>
-        <a:font script="Jpan" typeface="游ゴシック Light"/>
-        <a:font script="Hang" typeface="맑은 고딕"/>
-        <a:font script="Hans" typeface="等线 Light"/>
-        <a:font script="Hant" typeface="新細明體"/>
-        <a:font script="Arab" typeface="Times New Roman"/>
-        <a:font script="Hebr" typeface="Times New Roman"/>
-        <a:font script="Thai" typeface="Angsana New"/>
-        <a:font script="Ethi" typeface="Nyala"/>
-        <a:font script="Beng" typeface="Vrinda"/>
-        <a:font script="Gujr" typeface="Shruti"/>
-        <a:font script="Khmr" typeface="MoolBoran"/>
-        <a:font script="Knda" typeface="Tunga"/>
-        <a:font script="Guru" typeface="Raavi"/>
-        <a:font script="Cans" typeface="Euphemia"/>
-        <a:font script="Cher" typeface="Plantagenet Cherokee"/>
-        <a:font script="Yiii" typeface="Microsoft Yi Baiti"/>
-        <a:font script="Tibt" typeface="Microsoft Himalaya"/>
-        <a:font script="Thaa" typeface="MV Boli"/>
-        <a:font script="Deva" typeface="Mangal"/>
-        <a:font script="Telu" typeface="Gautami"/>
-        <a:font script="Taml" typeface="Latha"/>
-        <a:font script="Syrc" typeface="Estrangelo Edessa"/>
-        <a:font script="Orya" typeface="Kalinga"/>
-        <a:font script="Mlym" typeface="Kartika"/>
-        <a:font script="Laoo" typeface="DokChampa"/>
-        <a:font script="Sinh" typeface="Iskoola Pota"/>
-        <a:font script="Mong" typeface="Mongolian Baiti"/>
-        <a:font script="Viet" typeface="Times New Roman"/>
-        <a:font script="Uigh" typeface="Microsoft Uighur"/>
-        <a:font script="Geor" typeface="Sylfaen"/>
-      </a:majorFont>
-      <a:minorFont>
-        <a:latin typeface="Calibri" panose="020F0502020204030204"/>
-        <a:ea typeface=""/>
-        <a:cs typeface=""/>
-        <a:font script="Jpan" typeface="游ゴシック"/>
-        <a:font script="Hang" typeface="맑은 고딕"/>
-        <a:font script="Hans" typeface="等线"/>
-        <a:font script="Hant" typeface="新細明體"/>
-        <a:font script="Arab" typeface="Arial"/>
-        <a:font script="Hebr" typeface="Arial"/>
-        <a:font script="Thai" typeface="Cordia New"/>
+        <a:font script="Jpan" typeface="ＭＳ ゴシック"/>
+        <a:font script="Hang" typeface="HY중고딕"/>
+        <a:font script="Hans" typeface="幼圆"/>
+        <a:font script="Hant" typeface="微軟正黑體"/>
+        <a:font script="Arab" typeface="Tahoma"/>
+        <a:font script="Hebr" typeface="Gisha"/>
+        <a:font script="Thai" typeface="DilleniaUPC"/>
         <a:font script="Ethi" typeface="Nyala"/>
         <a:font script="Beng" typeface="Vrinda"/>
         <a:font script="Gujr" typeface="Shruti"/>
@@ -10004,90 +8763,85 @@
         <a:font script="Laoo" typeface="DokChampa"/>
         <a:font script="Sinh" typeface="Iskoola Pota"/>
         <a:font script="Mong" typeface="Mongolian Baiti"/>
-        <a:font script="Viet" typeface="Arial"/>
+        <a:font script="Viet" typeface="Tahoma"/>
+        <a:font script="Uigh" typeface="Microsoft Uighur"/>
+        <a:font script="Geor" typeface="Sylfaen"/>
+      </a:majorFont>
+      <a:minorFont>
+        <a:latin typeface="Corbel" panose="020B0503020204020204"/>
+        <a:ea typeface=""/>
+        <a:cs typeface=""/>
+        <a:font script="Jpan" typeface="ＭＳ ゴシック"/>
+        <a:font script="Hang" typeface="HY중고딕"/>
+        <a:font script="Hans" typeface="幼圆"/>
+        <a:font script="Hant" typeface="微軟正黑體"/>
+        <a:font script="Arab" typeface="Tahoma"/>
+        <a:font script="Hebr" typeface="Gisha"/>
+        <a:font script="Thai" typeface="DilleniaUPC"/>
+        <a:font script="Ethi" typeface="Nyala"/>
+        <a:font script="Beng" typeface="Vrinda"/>
+        <a:font script="Gujr" typeface="Shruti"/>
+        <a:font script="Khmr" typeface="DaunPenh"/>
+        <a:font script="Knda" typeface="Tunga"/>
+        <a:font script="Guru" typeface="Raavi"/>
+        <a:font script="Cans" typeface="Euphemia"/>
+        <a:font script="Cher" typeface="Plantagenet Cherokee"/>
+        <a:font script="Yiii" typeface="Microsoft Yi Baiti"/>
+        <a:font script="Tibt" typeface="Microsoft Himalaya"/>
+        <a:font script="Thaa" typeface="MV Boli"/>
+        <a:font script="Deva" typeface="Mangal"/>
+        <a:font script="Telu" typeface="Gautami"/>
+        <a:font script="Taml" typeface="Latha"/>
+        <a:font script="Syrc" typeface="Estrangelo Edessa"/>
+        <a:font script="Orya" typeface="Kalinga"/>
+        <a:font script="Mlym" typeface="Kartika"/>
+        <a:font script="Laoo" typeface="DokChampa"/>
+        <a:font script="Sinh" typeface="Iskoola Pota"/>
+        <a:font script="Mong" typeface="Mongolian Baiti"/>
+        <a:font script="Viet" typeface="Verdana"/>
         <a:font script="Uigh" typeface="Microsoft Uighur"/>
         <a:font script="Geor" typeface="Sylfaen"/>
       </a:minorFont>
     </a:fontScheme>
-    <a:fmtScheme name="Office">
+    <a:fmtScheme name="Frame">
       <a:fillStyleLst>
         <a:solidFill>
           <a:schemeClr val="phClr"/>
         </a:solidFill>
-        <a:gradFill rotWithShape="1">
-          <a:gsLst>
-            <a:gs pos="0">
-              <a:schemeClr val="phClr">
-                <a:lumMod val="110000"/>
-                <a:satMod val="105000"/>
-                <a:tint val="67000"/>
-              </a:schemeClr>
-            </a:gs>
-            <a:gs pos="50000">
-              <a:schemeClr val="phClr">
-                <a:lumMod val="105000"/>
-                <a:satMod val="103000"/>
-                <a:tint val="73000"/>
-              </a:schemeClr>
-            </a:gs>
-            <a:gs pos="100000">
-              <a:schemeClr val="phClr">
-                <a:lumMod val="105000"/>
-                <a:satMod val="109000"/>
-                <a:tint val="81000"/>
-              </a:schemeClr>
-            </a:gs>
-          </a:gsLst>
-          <a:lin ang="5400000" scaled="0"/>
-        </a:gradFill>
-        <a:gradFill rotWithShape="1">
-          <a:gsLst>
-            <a:gs pos="0">
-              <a:schemeClr val="phClr">
-                <a:satMod val="103000"/>
-                <a:lumMod val="102000"/>
-                <a:tint val="94000"/>
-              </a:schemeClr>
-            </a:gs>
-            <a:gs pos="50000">
-              <a:schemeClr val="phClr">
-                <a:satMod val="110000"/>
-                <a:lumMod val="100000"/>
-                <a:shade val="100000"/>
-              </a:schemeClr>
-            </a:gs>
-            <a:gs pos="100000">
-              <a:schemeClr val="phClr">
-                <a:lumMod val="99000"/>
-                <a:satMod val="120000"/>
-                <a:shade val="78000"/>
-              </a:schemeClr>
-            </a:gs>
-          </a:gsLst>
-          <a:lin ang="5400000" scaled="0"/>
-        </a:gradFill>
+        <a:solidFill>
+          <a:schemeClr val="phClr">
+            <a:tint val="65000"/>
+          </a:schemeClr>
+        </a:solidFill>
+        <a:solidFill>
+          <a:schemeClr val="phClr">
+            <a:shade val="80000"/>
+            <a:satMod val="150000"/>
+          </a:schemeClr>
+        </a:solidFill>
       </a:fillStyleLst>
       <a:lnStyleLst>
-        <a:ln w="6350" cap="flat" cmpd="sng" algn="ctr">
+        <a:ln w="9525" cap="flat" cmpd="sng" algn="ctr">
           <a:solidFill>
             <a:schemeClr val="phClr"/>
           </a:solidFill>
           <a:prstDash val="solid"/>
-          <a:miter lim="800000"/>
         </a:ln>
-        <a:ln w="12700" cap="flat" cmpd="sng" algn="ctr">
+        <a:ln w="10795" cap="flat" cmpd="sng" algn="ctr">
           <a:solidFill>
             <a:schemeClr val="phClr"/>
           </a:solidFill>
           <a:prstDash val="solid"/>
-          <a:miter lim="800000"/>
         </a:ln>
-        <a:ln w="19050" cap="flat" cmpd="sng" algn="ctr">
+        <a:ln w="17145" cap="flat" cmpd="sng" algn="ctr">
           <a:solidFill>
-            <a:schemeClr val="phClr"/>
+            <a:schemeClr val="phClr">
+              <a:shade val="95000"/>
+              <a:alpha val="50000"/>
+              <a:satMod val="150000"/>
+            </a:schemeClr>
           </a:solidFill>
           <a:prstDash val="solid"/>
-          <a:miter lim="800000"/>
         </a:ln>
       </a:lnStyleLst>
       <a:effectStyleLst>
@@ -10099,12 +8853,21 @@
         </a:effectStyle>
         <a:effectStyle>
           <a:effectLst>
-            <a:outerShdw blurRad="57150" dist="19050" dir="5400000" algn="ctr" rotWithShape="0">
+            <a:outerShdw blurRad="44450" dist="13970" dir="5400000" algn="ctr" rotWithShape="0">
               <a:srgbClr val="000000">
-                <a:alpha val="63000"/>
+                <a:alpha val="45000"/>
               </a:srgbClr>
             </a:outerShdw>
           </a:effectLst>
+          <a:scene3d>
+            <a:camera prst="orthographicFront">
+              <a:rot lat="0" lon="0" rev="0"/>
+            </a:camera>
+            <a:lightRig rig="twoPt" dir="tl"/>
+          </a:scene3d>
+          <a:sp3d prstMaterial="flat">
+            <a:bevelT w="12700" h="25400" prst="coolSlant"/>
+          </a:sp3d>
         </a:effectStyle>
       </a:effectStyleLst>
       <a:bgFillStyleLst>
@@ -10122,23 +8885,24 @@
             <a:gs pos="0">
               <a:schemeClr val="phClr">
                 <a:tint val="93000"/>
-                <a:satMod val="150000"/>
                 <a:shade val="98000"/>
+                <a:satMod val="120000"/>
                 <a:lumMod val="102000"/>
               </a:schemeClr>
             </a:gs>
-            <a:gs pos="50000">
+            <a:gs pos="48000">
               <a:schemeClr val="phClr">
                 <a:tint val="98000"/>
-                <a:satMod val="130000"/>
                 <a:shade val="90000"/>
+                <a:satMod val="110000"/>
                 <a:lumMod val="103000"/>
               </a:schemeClr>
             </a:gs>
             <a:gs pos="100000">
               <a:schemeClr val="phClr">
-                <a:shade val="63000"/>
-                <a:satMod val="120000"/>
+                <a:tint val="98000"/>
+                <a:shade val="80000"/>
+                <a:satMod val="100000"/>
               </a:schemeClr>
             </a:gs>
           </a:gsLst>
@@ -10151,7 +8915,7 @@
   <a:extraClrSchemeLst/>
   <a:extLst>
     <a:ext uri="{05A4C25C-085E-4340-85A3-A5531E510DB2}">
-      <thm15:themeFamily xmlns:thm15="http://schemas.microsoft.com/office/thememl/2012/main" name="Office Theme" id="{62F939B6-93AF-4DB8-9C6B-D6C7DFDC589F}" vid="{4A3C46E8-61CC-4603-A589-7422A47A8E4A}"/>
+      <thm15:themeFamily xmlns:thm15="http://schemas.microsoft.com/office/thememl/2012/main" name="Frame" id="{F226E7A2-7162-461C-9490-D27D9DC04E43}" vid="{629A0216-3BBD-45C0-B63F-2683BEA18F60}"/>
     </a:ext>
   </a:extLst>
 </a:theme>
